--- a/docs/WSB_prezentacja_pracy_dyplomowej.pptx
+++ b/docs/WSB_prezentacja_pracy_dyplomowej.pptx
@@ -19,7 +19,6 @@
     <p:sldId id="266" r:id="rId14"/>
     <p:sldId id="267" r:id="rId15"/>
     <p:sldId id="268" r:id="rId16"/>
-    <p:sldId id="269" r:id="rId17"/>
   </p:sldIdLst>
   <p:sldSz cx="9144000" cy="6858000"/>
   <p:notesSz cx="7559675" cy="10691812"/>
@@ -67,7 +66,7 @@
       </p:grpSpPr>
       <p:sp>
         <p:nvSpPr>
-          <p:cNvPr id="26" name="PlaceHolder 1"/>
+          <p:cNvPr id="23" name="PlaceHolder 1"/>
           <p:cNvSpPr>
             <a:spLocks noGrp="1"/>
           </p:cNvSpPr>
@@ -77,8 +76,8 @@
         </p:nvSpPr>
         <p:spPr>
           <a:xfrm>
-            <a:off x="457200" y="274680"/>
-            <a:ext cx="8229240" cy="1142640"/>
+            <a:off x="457200" y="273600"/>
+            <a:ext cx="8229240" cy="1144800"/>
           </a:xfrm>
           <a:prstGeom prst="rect">
             <a:avLst/>
@@ -89,18 +88,16 @@
             <a:spAutoFit/>
           </a:bodyPr>
           <a:p>
-            <a:endParaRPr b="0" lang="pl-PL" sz="1800" spc="-1" strike="noStrike">
-              <a:solidFill>
-                <a:srgbClr val="000000"/>
-              </a:solidFill>
-              <a:latin typeface="Calibri"/>
-            </a:endParaRPr>
-          </a:p>
-        </p:txBody>
-      </p:sp>
-      <p:sp>
-        <p:nvSpPr>
-          <p:cNvPr id="27" name="PlaceHolder 2"/>
+            <a:pPr algn="ctr"/>
+            <a:endParaRPr b="0" lang="en-GB" sz="4400" spc="-1" strike="noStrike">
+              <a:latin typeface="Arial"/>
+            </a:endParaRPr>
+          </a:p>
+        </p:txBody>
+      </p:sp>
+      <p:sp>
+        <p:nvSpPr>
+          <p:cNvPr id="24" name="PlaceHolder 2"/>
           <p:cNvSpPr>
             <a:spLocks noGrp="1"/>
           </p:cNvSpPr>
@@ -110,8 +107,8 @@
         </p:nvSpPr>
         <p:spPr>
           <a:xfrm>
-            <a:off x="457200" y="1600200"/>
-            <a:ext cx="8229240" cy="2158560"/>
+            <a:off x="457200" y="1604520"/>
+            <a:ext cx="8229240" cy="1896840"/>
           </a:xfrm>
           <a:prstGeom prst="rect">
             <a:avLst/>
@@ -122,18 +119,15 @@
             <a:normAutofit/>
           </a:bodyPr>
           <a:p>
-            <a:endParaRPr b="0" lang="pl-PL" sz="3200" spc="-1" strike="noStrike">
-              <a:solidFill>
-                <a:srgbClr val="000000"/>
-              </a:solidFill>
-              <a:latin typeface="Calibri"/>
-            </a:endParaRPr>
-          </a:p>
-        </p:txBody>
-      </p:sp>
-      <p:sp>
-        <p:nvSpPr>
-          <p:cNvPr id="28" name="PlaceHolder 3"/>
+            <a:endParaRPr b="0" lang="en-GB" sz="3200" spc="-1" strike="noStrike">
+              <a:latin typeface="Arial"/>
+            </a:endParaRPr>
+          </a:p>
+        </p:txBody>
+      </p:sp>
+      <p:sp>
+        <p:nvSpPr>
+          <p:cNvPr id="25" name="PlaceHolder 3"/>
           <p:cNvSpPr>
             <a:spLocks noGrp="1"/>
           </p:cNvSpPr>
@@ -143,8 +137,8 @@
         </p:nvSpPr>
         <p:spPr>
           <a:xfrm>
-            <a:off x="457200" y="3964320"/>
-            <a:ext cx="8229240" cy="2158560"/>
+            <a:off x="457200" y="3682080"/>
+            <a:ext cx="8229240" cy="1896840"/>
           </a:xfrm>
           <a:prstGeom prst="rect">
             <a:avLst/>
@@ -155,11 +149,8 @@
             <a:normAutofit/>
           </a:bodyPr>
           <a:p>
-            <a:endParaRPr b="0" lang="pl-PL" sz="3200" spc="-1" strike="noStrike">
-              <a:solidFill>
-                <a:srgbClr val="000000"/>
-              </a:solidFill>
-              <a:latin typeface="Calibri"/>
+            <a:endParaRPr b="0" lang="en-GB" sz="3200" spc="-1" strike="noStrike">
+              <a:latin typeface="Arial"/>
             </a:endParaRPr>
           </a:p>
         </p:txBody>
@@ -188,7 +179,7 @@
       </p:grpSpPr>
       <p:sp>
         <p:nvSpPr>
-          <p:cNvPr id="29" name="PlaceHolder 1"/>
+          <p:cNvPr id="26" name="PlaceHolder 1"/>
           <p:cNvSpPr>
             <a:spLocks noGrp="1"/>
           </p:cNvSpPr>
@@ -198,8 +189,8 @@
         </p:nvSpPr>
         <p:spPr>
           <a:xfrm>
-            <a:off x="457200" y="274680"/>
-            <a:ext cx="8229240" cy="1142640"/>
+            <a:off x="457200" y="273600"/>
+            <a:ext cx="8229240" cy="1144800"/>
           </a:xfrm>
           <a:prstGeom prst="rect">
             <a:avLst/>
@@ -210,18 +201,16 @@
             <a:spAutoFit/>
           </a:bodyPr>
           <a:p>
-            <a:endParaRPr b="0" lang="pl-PL" sz="1800" spc="-1" strike="noStrike">
-              <a:solidFill>
-                <a:srgbClr val="000000"/>
-              </a:solidFill>
-              <a:latin typeface="Calibri"/>
-            </a:endParaRPr>
-          </a:p>
-        </p:txBody>
-      </p:sp>
-      <p:sp>
-        <p:nvSpPr>
-          <p:cNvPr id="30" name="PlaceHolder 2"/>
+            <a:pPr algn="ctr"/>
+            <a:endParaRPr b="0" lang="en-GB" sz="4400" spc="-1" strike="noStrike">
+              <a:latin typeface="Arial"/>
+            </a:endParaRPr>
+          </a:p>
+        </p:txBody>
+      </p:sp>
+      <p:sp>
+        <p:nvSpPr>
+          <p:cNvPr id="27" name="PlaceHolder 2"/>
           <p:cNvSpPr>
             <a:spLocks noGrp="1"/>
           </p:cNvSpPr>
@@ -231,8 +220,8 @@
         </p:nvSpPr>
         <p:spPr>
           <a:xfrm>
-            <a:off x="457200" y="1600200"/>
-            <a:ext cx="4015800" cy="2158560"/>
+            <a:off x="457200" y="1604520"/>
+            <a:ext cx="4015800" cy="1896840"/>
           </a:xfrm>
           <a:prstGeom prst="rect">
             <a:avLst/>
@@ -243,18 +232,15 @@
             <a:normAutofit/>
           </a:bodyPr>
           <a:p>
-            <a:endParaRPr b="0" lang="pl-PL" sz="3200" spc="-1" strike="noStrike">
-              <a:solidFill>
-                <a:srgbClr val="000000"/>
-              </a:solidFill>
-              <a:latin typeface="Calibri"/>
-            </a:endParaRPr>
-          </a:p>
-        </p:txBody>
-      </p:sp>
-      <p:sp>
-        <p:nvSpPr>
-          <p:cNvPr id="31" name="PlaceHolder 3"/>
+            <a:endParaRPr b="0" lang="en-GB" sz="3200" spc="-1" strike="noStrike">
+              <a:latin typeface="Arial"/>
+            </a:endParaRPr>
+          </a:p>
+        </p:txBody>
+      </p:sp>
+      <p:sp>
+        <p:nvSpPr>
+          <p:cNvPr id="28" name="PlaceHolder 3"/>
           <p:cNvSpPr>
             <a:spLocks noGrp="1"/>
           </p:cNvSpPr>
@@ -264,8 +250,8 @@
         </p:nvSpPr>
         <p:spPr>
           <a:xfrm>
-            <a:off x="4674240" y="1600200"/>
-            <a:ext cx="4015800" cy="2158560"/>
+            <a:off x="4674240" y="1604520"/>
+            <a:ext cx="4015800" cy="1896840"/>
           </a:xfrm>
           <a:prstGeom prst="rect">
             <a:avLst/>
@@ -276,18 +262,15 @@
             <a:normAutofit/>
           </a:bodyPr>
           <a:p>
-            <a:endParaRPr b="0" lang="pl-PL" sz="3200" spc="-1" strike="noStrike">
-              <a:solidFill>
-                <a:srgbClr val="000000"/>
-              </a:solidFill>
-              <a:latin typeface="Calibri"/>
-            </a:endParaRPr>
-          </a:p>
-        </p:txBody>
-      </p:sp>
-      <p:sp>
-        <p:nvSpPr>
-          <p:cNvPr id="32" name="PlaceHolder 4"/>
+            <a:endParaRPr b="0" lang="en-GB" sz="3200" spc="-1" strike="noStrike">
+              <a:latin typeface="Arial"/>
+            </a:endParaRPr>
+          </a:p>
+        </p:txBody>
+      </p:sp>
+      <p:sp>
+        <p:nvSpPr>
+          <p:cNvPr id="29" name="PlaceHolder 4"/>
           <p:cNvSpPr>
             <a:spLocks noGrp="1"/>
           </p:cNvSpPr>
@@ -297,8 +280,8 @@
         </p:nvSpPr>
         <p:spPr>
           <a:xfrm>
-            <a:off x="457200" y="3964320"/>
-            <a:ext cx="4015800" cy="2158560"/>
+            <a:off x="457200" y="3682080"/>
+            <a:ext cx="4015800" cy="1896840"/>
           </a:xfrm>
           <a:prstGeom prst="rect">
             <a:avLst/>
@@ -309,18 +292,15 @@
             <a:normAutofit/>
           </a:bodyPr>
           <a:p>
-            <a:endParaRPr b="0" lang="pl-PL" sz="3200" spc="-1" strike="noStrike">
-              <a:solidFill>
-                <a:srgbClr val="000000"/>
-              </a:solidFill>
-              <a:latin typeface="Calibri"/>
-            </a:endParaRPr>
-          </a:p>
-        </p:txBody>
-      </p:sp>
-      <p:sp>
-        <p:nvSpPr>
-          <p:cNvPr id="33" name="PlaceHolder 5"/>
+            <a:endParaRPr b="0" lang="en-GB" sz="3200" spc="-1" strike="noStrike">
+              <a:latin typeface="Arial"/>
+            </a:endParaRPr>
+          </a:p>
+        </p:txBody>
+      </p:sp>
+      <p:sp>
+        <p:nvSpPr>
+          <p:cNvPr id="30" name="PlaceHolder 5"/>
           <p:cNvSpPr>
             <a:spLocks noGrp="1"/>
           </p:cNvSpPr>
@@ -330,8 +310,8 @@
         </p:nvSpPr>
         <p:spPr>
           <a:xfrm>
-            <a:off x="4674240" y="3964320"/>
-            <a:ext cx="4015800" cy="2158560"/>
+            <a:off x="4674240" y="3682080"/>
+            <a:ext cx="4015800" cy="1896840"/>
           </a:xfrm>
           <a:prstGeom prst="rect">
             <a:avLst/>
@@ -342,11 +322,8 @@
             <a:normAutofit/>
           </a:bodyPr>
           <a:p>
-            <a:endParaRPr b="0" lang="pl-PL" sz="3200" spc="-1" strike="noStrike">
-              <a:solidFill>
-                <a:srgbClr val="000000"/>
-              </a:solidFill>
-              <a:latin typeface="Calibri"/>
+            <a:endParaRPr b="0" lang="en-GB" sz="3200" spc="-1" strike="noStrike">
+              <a:latin typeface="Arial"/>
             </a:endParaRPr>
           </a:p>
         </p:txBody>
@@ -375,7 +352,7 @@
       </p:grpSpPr>
       <p:sp>
         <p:nvSpPr>
-          <p:cNvPr id="34" name="PlaceHolder 1"/>
+          <p:cNvPr id="31" name="PlaceHolder 1"/>
           <p:cNvSpPr>
             <a:spLocks noGrp="1"/>
           </p:cNvSpPr>
@@ -385,8 +362,8 @@
         </p:nvSpPr>
         <p:spPr>
           <a:xfrm>
-            <a:off x="457200" y="274680"/>
-            <a:ext cx="8229240" cy="1142640"/>
+            <a:off x="457200" y="273600"/>
+            <a:ext cx="8229240" cy="1144800"/>
           </a:xfrm>
           <a:prstGeom prst="rect">
             <a:avLst/>
@@ -397,18 +374,16 @@
             <a:spAutoFit/>
           </a:bodyPr>
           <a:p>
-            <a:endParaRPr b="0" lang="pl-PL" sz="1800" spc="-1" strike="noStrike">
-              <a:solidFill>
-                <a:srgbClr val="000000"/>
-              </a:solidFill>
-              <a:latin typeface="Calibri"/>
-            </a:endParaRPr>
-          </a:p>
-        </p:txBody>
-      </p:sp>
-      <p:sp>
-        <p:nvSpPr>
-          <p:cNvPr id="35" name="PlaceHolder 2"/>
+            <a:pPr algn="ctr"/>
+            <a:endParaRPr b="0" lang="en-GB" sz="4400" spc="-1" strike="noStrike">
+              <a:latin typeface="Arial"/>
+            </a:endParaRPr>
+          </a:p>
+        </p:txBody>
+      </p:sp>
+      <p:sp>
+        <p:nvSpPr>
+          <p:cNvPr id="32" name="PlaceHolder 2"/>
           <p:cNvSpPr>
             <a:spLocks noGrp="1"/>
           </p:cNvSpPr>
@@ -418,8 +393,8 @@
         </p:nvSpPr>
         <p:spPr>
           <a:xfrm>
-            <a:off x="457200" y="1600200"/>
-            <a:ext cx="2649600" cy="2158560"/>
+            <a:off x="457200" y="1604520"/>
+            <a:ext cx="2649600" cy="1896840"/>
           </a:xfrm>
           <a:prstGeom prst="rect">
             <a:avLst/>
@@ -430,18 +405,15 @@
             <a:normAutofit/>
           </a:bodyPr>
           <a:p>
-            <a:endParaRPr b="0" lang="pl-PL" sz="3200" spc="-1" strike="noStrike">
-              <a:solidFill>
-                <a:srgbClr val="000000"/>
-              </a:solidFill>
-              <a:latin typeface="Calibri"/>
-            </a:endParaRPr>
-          </a:p>
-        </p:txBody>
-      </p:sp>
-      <p:sp>
-        <p:nvSpPr>
-          <p:cNvPr id="36" name="PlaceHolder 3"/>
+            <a:endParaRPr b="0" lang="en-GB" sz="3200" spc="-1" strike="noStrike">
+              <a:latin typeface="Arial"/>
+            </a:endParaRPr>
+          </a:p>
+        </p:txBody>
+      </p:sp>
+      <p:sp>
+        <p:nvSpPr>
+          <p:cNvPr id="33" name="PlaceHolder 3"/>
           <p:cNvSpPr>
             <a:spLocks noGrp="1"/>
           </p:cNvSpPr>
@@ -451,8 +423,8 @@
         </p:nvSpPr>
         <p:spPr>
           <a:xfrm>
-            <a:off x="3239640" y="1600200"/>
-            <a:ext cx="2649600" cy="2158560"/>
+            <a:off x="3239640" y="1604520"/>
+            <a:ext cx="2649600" cy="1896840"/>
           </a:xfrm>
           <a:prstGeom prst="rect">
             <a:avLst/>
@@ -463,18 +435,15 @@
             <a:normAutofit/>
           </a:bodyPr>
           <a:p>
-            <a:endParaRPr b="0" lang="pl-PL" sz="3200" spc="-1" strike="noStrike">
-              <a:solidFill>
-                <a:srgbClr val="000000"/>
-              </a:solidFill>
-              <a:latin typeface="Calibri"/>
-            </a:endParaRPr>
-          </a:p>
-        </p:txBody>
-      </p:sp>
-      <p:sp>
-        <p:nvSpPr>
-          <p:cNvPr id="37" name="PlaceHolder 4"/>
+            <a:endParaRPr b="0" lang="en-GB" sz="3200" spc="-1" strike="noStrike">
+              <a:latin typeface="Arial"/>
+            </a:endParaRPr>
+          </a:p>
+        </p:txBody>
+      </p:sp>
+      <p:sp>
+        <p:nvSpPr>
+          <p:cNvPr id="34" name="PlaceHolder 4"/>
           <p:cNvSpPr>
             <a:spLocks noGrp="1"/>
           </p:cNvSpPr>
@@ -484,8 +453,8 @@
         </p:nvSpPr>
         <p:spPr>
           <a:xfrm>
-            <a:off x="6022080" y="1600200"/>
-            <a:ext cx="2649600" cy="2158560"/>
+            <a:off x="6022080" y="1604520"/>
+            <a:ext cx="2649600" cy="1896840"/>
           </a:xfrm>
           <a:prstGeom prst="rect">
             <a:avLst/>
@@ -496,18 +465,15 @@
             <a:normAutofit/>
           </a:bodyPr>
           <a:p>
-            <a:endParaRPr b="0" lang="pl-PL" sz="3200" spc="-1" strike="noStrike">
-              <a:solidFill>
-                <a:srgbClr val="000000"/>
-              </a:solidFill>
-              <a:latin typeface="Calibri"/>
-            </a:endParaRPr>
-          </a:p>
-        </p:txBody>
-      </p:sp>
-      <p:sp>
-        <p:nvSpPr>
-          <p:cNvPr id="38" name="PlaceHolder 5"/>
+            <a:endParaRPr b="0" lang="en-GB" sz="3200" spc="-1" strike="noStrike">
+              <a:latin typeface="Arial"/>
+            </a:endParaRPr>
+          </a:p>
+        </p:txBody>
+      </p:sp>
+      <p:sp>
+        <p:nvSpPr>
+          <p:cNvPr id="35" name="PlaceHolder 5"/>
           <p:cNvSpPr>
             <a:spLocks noGrp="1"/>
           </p:cNvSpPr>
@@ -517,8 +483,8 @@
         </p:nvSpPr>
         <p:spPr>
           <a:xfrm>
-            <a:off x="457200" y="3964320"/>
-            <a:ext cx="2649600" cy="2158560"/>
+            <a:off x="457200" y="3682080"/>
+            <a:ext cx="2649600" cy="1896840"/>
           </a:xfrm>
           <a:prstGeom prst="rect">
             <a:avLst/>
@@ -529,18 +495,15 @@
             <a:normAutofit/>
           </a:bodyPr>
           <a:p>
-            <a:endParaRPr b="0" lang="pl-PL" sz="3200" spc="-1" strike="noStrike">
-              <a:solidFill>
-                <a:srgbClr val="000000"/>
-              </a:solidFill>
-              <a:latin typeface="Calibri"/>
-            </a:endParaRPr>
-          </a:p>
-        </p:txBody>
-      </p:sp>
-      <p:sp>
-        <p:nvSpPr>
-          <p:cNvPr id="39" name="PlaceHolder 6"/>
+            <a:endParaRPr b="0" lang="en-GB" sz="3200" spc="-1" strike="noStrike">
+              <a:latin typeface="Arial"/>
+            </a:endParaRPr>
+          </a:p>
+        </p:txBody>
+      </p:sp>
+      <p:sp>
+        <p:nvSpPr>
+          <p:cNvPr id="36" name="PlaceHolder 6"/>
           <p:cNvSpPr>
             <a:spLocks noGrp="1"/>
           </p:cNvSpPr>
@@ -550,8 +513,8 @@
         </p:nvSpPr>
         <p:spPr>
           <a:xfrm>
-            <a:off x="3239640" y="3964320"/>
-            <a:ext cx="2649600" cy="2158560"/>
+            <a:off x="3239640" y="3682080"/>
+            <a:ext cx="2649600" cy="1896840"/>
           </a:xfrm>
           <a:prstGeom prst="rect">
             <a:avLst/>
@@ -562,18 +525,15 @@
             <a:normAutofit/>
           </a:bodyPr>
           <a:p>
-            <a:endParaRPr b="0" lang="pl-PL" sz="3200" spc="-1" strike="noStrike">
-              <a:solidFill>
-                <a:srgbClr val="000000"/>
-              </a:solidFill>
-              <a:latin typeface="Calibri"/>
-            </a:endParaRPr>
-          </a:p>
-        </p:txBody>
-      </p:sp>
-      <p:sp>
-        <p:nvSpPr>
-          <p:cNvPr id="40" name="PlaceHolder 7"/>
+            <a:endParaRPr b="0" lang="en-GB" sz="3200" spc="-1" strike="noStrike">
+              <a:latin typeface="Arial"/>
+            </a:endParaRPr>
+          </a:p>
+        </p:txBody>
+      </p:sp>
+      <p:sp>
+        <p:nvSpPr>
+          <p:cNvPr id="37" name="PlaceHolder 7"/>
           <p:cNvSpPr>
             <a:spLocks noGrp="1"/>
           </p:cNvSpPr>
@@ -583,8 +543,8 @@
         </p:nvSpPr>
         <p:spPr>
           <a:xfrm>
-            <a:off x="6022080" y="3964320"/>
-            <a:ext cx="2649600" cy="2158560"/>
+            <a:off x="6022080" y="3682080"/>
+            <a:ext cx="2649600" cy="1896840"/>
           </a:xfrm>
           <a:prstGeom prst="rect">
             <a:avLst/>
@@ -595,11 +555,8 @@
             <a:normAutofit/>
           </a:bodyPr>
           <a:p>
-            <a:endParaRPr b="0" lang="pl-PL" sz="3200" spc="-1" strike="noStrike">
-              <a:solidFill>
-                <a:srgbClr val="000000"/>
-              </a:solidFill>
-              <a:latin typeface="Calibri"/>
+            <a:endParaRPr b="0" lang="en-GB" sz="3200" spc="-1" strike="noStrike">
+              <a:latin typeface="Arial"/>
             </a:endParaRPr>
           </a:p>
         </p:txBody>
@@ -650,7 +607,7 @@
       </p:grpSpPr>
       <p:sp>
         <p:nvSpPr>
-          <p:cNvPr id="46" name="PlaceHolder 1"/>
+          <p:cNvPr id="40" name="PlaceHolder 1"/>
           <p:cNvSpPr>
             <a:spLocks noGrp="1"/>
           </p:cNvSpPr>
@@ -660,8 +617,8 @@
         </p:nvSpPr>
         <p:spPr>
           <a:xfrm>
-            <a:off x="457200" y="274680"/>
-            <a:ext cx="8229240" cy="1142640"/>
+            <a:off x="457200" y="273600"/>
+            <a:ext cx="8229240" cy="1144800"/>
           </a:xfrm>
           <a:prstGeom prst="rect">
             <a:avLst/>
@@ -672,18 +629,16 @@
             <a:spAutoFit/>
           </a:bodyPr>
           <a:p>
-            <a:endParaRPr b="0" lang="pl-PL" sz="1800" spc="-1" strike="noStrike">
-              <a:solidFill>
-                <a:srgbClr val="000000"/>
-              </a:solidFill>
-              <a:latin typeface="Calibri"/>
-            </a:endParaRPr>
-          </a:p>
-        </p:txBody>
-      </p:sp>
-      <p:sp>
-        <p:nvSpPr>
-          <p:cNvPr id="47" name="PlaceHolder 2"/>
+            <a:pPr algn="ctr"/>
+            <a:endParaRPr b="0" lang="en-GB" sz="4400" spc="-1" strike="noStrike">
+              <a:latin typeface="Arial"/>
+            </a:endParaRPr>
+          </a:p>
+        </p:txBody>
+      </p:sp>
+      <p:sp>
+        <p:nvSpPr>
+          <p:cNvPr id="41" name="PlaceHolder 2"/>
           <p:cNvSpPr>
             <a:spLocks noGrp="1"/>
           </p:cNvSpPr>
@@ -693,8 +648,8 @@
         </p:nvSpPr>
         <p:spPr>
           <a:xfrm>
-            <a:off x="457200" y="1600200"/>
-            <a:ext cx="8229240" cy="4525560"/>
+            <a:off x="457200" y="1604520"/>
+            <a:ext cx="8229240" cy="3977280"/>
           </a:xfrm>
           <a:prstGeom prst="rect">
             <a:avLst/>
@@ -736,7 +691,7 @@
       </p:grpSpPr>
       <p:sp>
         <p:nvSpPr>
-          <p:cNvPr id="48" name="PlaceHolder 1"/>
+          <p:cNvPr id="42" name="PlaceHolder 1"/>
           <p:cNvSpPr>
             <a:spLocks noGrp="1"/>
           </p:cNvSpPr>
@@ -746,8 +701,8 @@
         </p:nvSpPr>
         <p:spPr>
           <a:xfrm>
-            <a:off x="457200" y="274680"/>
-            <a:ext cx="8229240" cy="1142640"/>
+            <a:off x="457200" y="273600"/>
+            <a:ext cx="8229240" cy="1144800"/>
           </a:xfrm>
           <a:prstGeom prst="rect">
             <a:avLst/>
@@ -758,18 +713,16 @@
             <a:spAutoFit/>
           </a:bodyPr>
           <a:p>
-            <a:endParaRPr b="0" lang="pl-PL" sz="1800" spc="-1" strike="noStrike">
-              <a:solidFill>
-                <a:srgbClr val="000000"/>
-              </a:solidFill>
-              <a:latin typeface="Calibri"/>
-            </a:endParaRPr>
-          </a:p>
-        </p:txBody>
-      </p:sp>
-      <p:sp>
-        <p:nvSpPr>
-          <p:cNvPr id="49" name="PlaceHolder 2"/>
+            <a:pPr algn="ctr"/>
+            <a:endParaRPr b="0" lang="en-GB" sz="4400" spc="-1" strike="noStrike">
+              <a:latin typeface="Arial"/>
+            </a:endParaRPr>
+          </a:p>
+        </p:txBody>
+      </p:sp>
+      <p:sp>
+        <p:nvSpPr>
+          <p:cNvPr id="43" name="PlaceHolder 2"/>
           <p:cNvSpPr>
             <a:spLocks noGrp="1"/>
           </p:cNvSpPr>
@@ -779,8 +732,8 @@
         </p:nvSpPr>
         <p:spPr>
           <a:xfrm>
-            <a:off x="457200" y="1600200"/>
-            <a:ext cx="8229240" cy="4525560"/>
+            <a:off x="457200" y="1604520"/>
+            <a:ext cx="8229240" cy="3977280"/>
           </a:xfrm>
           <a:prstGeom prst="rect">
             <a:avLst/>
@@ -791,11 +744,8 @@
             <a:normAutofit/>
           </a:bodyPr>
           <a:p>
-            <a:endParaRPr b="0" lang="pl-PL" sz="3200" spc="-1" strike="noStrike">
-              <a:solidFill>
-                <a:srgbClr val="000000"/>
-              </a:solidFill>
-              <a:latin typeface="Calibri"/>
+            <a:endParaRPr b="0" lang="en-GB" sz="3200" spc="-1" strike="noStrike">
+              <a:latin typeface="Arial"/>
             </a:endParaRPr>
           </a:p>
         </p:txBody>
@@ -824,7 +774,7 @@
       </p:grpSpPr>
       <p:sp>
         <p:nvSpPr>
-          <p:cNvPr id="50" name="PlaceHolder 1"/>
+          <p:cNvPr id="44" name="PlaceHolder 1"/>
           <p:cNvSpPr>
             <a:spLocks noGrp="1"/>
           </p:cNvSpPr>
@@ -834,8 +784,8 @@
         </p:nvSpPr>
         <p:spPr>
           <a:xfrm>
-            <a:off x="457200" y="274680"/>
-            <a:ext cx="8229240" cy="1142640"/>
+            <a:off x="457200" y="273600"/>
+            <a:ext cx="8229240" cy="1144800"/>
           </a:xfrm>
           <a:prstGeom prst="rect">
             <a:avLst/>
@@ -846,18 +796,16 @@
             <a:spAutoFit/>
           </a:bodyPr>
           <a:p>
-            <a:endParaRPr b="0" lang="pl-PL" sz="1800" spc="-1" strike="noStrike">
-              <a:solidFill>
-                <a:srgbClr val="000000"/>
-              </a:solidFill>
-              <a:latin typeface="Calibri"/>
-            </a:endParaRPr>
-          </a:p>
-        </p:txBody>
-      </p:sp>
-      <p:sp>
-        <p:nvSpPr>
-          <p:cNvPr id="51" name="PlaceHolder 2"/>
+            <a:pPr algn="ctr"/>
+            <a:endParaRPr b="0" lang="en-GB" sz="4400" spc="-1" strike="noStrike">
+              <a:latin typeface="Arial"/>
+            </a:endParaRPr>
+          </a:p>
+        </p:txBody>
+      </p:sp>
+      <p:sp>
+        <p:nvSpPr>
+          <p:cNvPr id="45" name="PlaceHolder 2"/>
           <p:cNvSpPr>
             <a:spLocks noGrp="1"/>
           </p:cNvSpPr>
@@ -867,8 +815,8 @@
         </p:nvSpPr>
         <p:spPr>
           <a:xfrm>
-            <a:off x="457200" y="1600200"/>
-            <a:ext cx="4015800" cy="4525560"/>
+            <a:off x="457200" y="1604520"/>
+            <a:ext cx="4015800" cy="3977280"/>
           </a:xfrm>
           <a:prstGeom prst="rect">
             <a:avLst/>
@@ -879,18 +827,15 @@
             <a:normAutofit/>
           </a:bodyPr>
           <a:p>
-            <a:endParaRPr b="0" lang="pl-PL" sz="3200" spc="-1" strike="noStrike">
-              <a:solidFill>
-                <a:srgbClr val="000000"/>
-              </a:solidFill>
-              <a:latin typeface="Calibri"/>
-            </a:endParaRPr>
-          </a:p>
-        </p:txBody>
-      </p:sp>
-      <p:sp>
-        <p:nvSpPr>
-          <p:cNvPr id="52" name="PlaceHolder 3"/>
+            <a:endParaRPr b="0" lang="en-GB" sz="3200" spc="-1" strike="noStrike">
+              <a:latin typeface="Arial"/>
+            </a:endParaRPr>
+          </a:p>
+        </p:txBody>
+      </p:sp>
+      <p:sp>
+        <p:nvSpPr>
+          <p:cNvPr id="46" name="PlaceHolder 3"/>
           <p:cNvSpPr>
             <a:spLocks noGrp="1"/>
           </p:cNvSpPr>
@@ -900,8 +845,8 @@
         </p:nvSpPr>
         <p:spPr>
           <a:xfrm>
-            <a:off x="4674240" y="1600200"/>
-            <a:ext cx="4015800" cy="4525560"/>
+            <a:off x="4674240" y="1604520"/>
+            <a:ext cx="4015800" cy="3977280"/>
           </a:xfrm>
           <a:prstGeom prst="rect">
             <a:avLst/>
@@ -912,11 +857,8 @@
             <a:normAutofit/>
           </a:bodyPr>
           <a:p>
-            <a:endParaRPr b="0" lang="pl-PL" sz="3200" spc="-1" strike="noStrike">
-              <a:solidFill>
-                <a:srgbClr val="000000"/>
-              </a:solidFill>
-              <a:latin typeface="Calibri"/>
+            <a:endParaRPr b="0" lang="en-GB" sz="3200" spc="-1" strike="noStrike">
+              <a:latin typeface="Arial"/>
             </a:endParaRPr>
           </a:p>
         </p:txBody>
@@ -945,7 +887,7 @@
       </p:grpSpPr>
       <p:sp>
         <p:nvSpPr>
-          <p:cNvPr id="53" name="PlaceHolder 1"/>
+          <p:cNvPr id="47" name="PlaceHolder 1"/>
           <p:cNvSpPr>
             <a:spLocks noGrp="1"/>
           </p:cNvSpPr>
@@ -955,8 +897,8 @@
         </p:nvSpPr>
         <p:spPr>
           <a:xfrm>
-            <a:off x="457200" y="274680"/>
-            <a:ext cx="8229240" cy="1142640"/>
+            <a:off x="457200" y="273600"/>
+            <a:ext cx="8229240" cy="1144800"/>
           </a:xfrm>
           <a:prstGeom prst="rect">
             <a:avLst/>
@@ -967,11 +909,9 @@
             <a:spAutoFit/>
           </a:bodyPr>
           <a:p>
-            <a:endParaRPr b="0" lang="pl-PL" sz="1800" spc="-1" strike="noStrike">
-              <a:solidFill>
-                <a:srgbClr val="000000"/>
-              </a:solidFill>
-              <a:latin typeface="Calibri"/>
+            <a:pPr algn="ctr"/>
+            <a:endParaRPr b="0" lang="en-GB" sz="4400" spc="-1" strike="noStrike">
+              <a:latin typeface="Arial"/>
             </a:endParaRPr>
           </a:p>
         </p:txBody>
@@ -1000,7 +940,7 @@
       </p:grpSpPr>
       <p:sp>
         <p:nvSpPr>
-          <p:cNvPr id="54" name="PlaceHolder 1"/>
+          <p:cNvPr id="48" name="PlaceHolder 1"/>
           <p:cNvSpPr>
             <a:spLocks noGrp="1"/>
           </p:cNvSpPr>
@@ -1010,8 +950,8 @@
         </p:nvSpPr>
         <p:spPr>
           <a:xfrm>
-            <a:off x="457200" y="274680"/>
-            <a:ext cx="8229240" cy="5297760"/>
+            <a:off x="457200" y="273600"/>
+            <a:ext cx="8229240" cy="5307840"/>
           </a:xfrm>
           <a:prstGeom prst="rect">
             <a:avLst/>
@@ -1053,7 +993,7 @@
       </p:grpSpPr>
       <p:sp>
         <p:nvSpPr>
-          <p:cNvPr id="55" name="PlaceHolder 1"/>
+          <p:cNvPr id="49" name="PlaceHolder 1"/>
           <p:cNvSpPr>
             <a:spLocks noGrp="1"/>
           </p:cNvSpPr>
@@ -1063,8 +1003,8 @@
         </p:nvSpPr>
         <p:spPr>
           <a:xfrm>
-            <a:off x="457200" y="274680"/>
-            <a:ext cx="8229240" cy="1142640"/>
+            <a:off x="457200" y="273600"/>
+            <a:ext cx="8229240" cy="1144800"/>
           </a:xfrm>
           <a:prstGeom prst="rect">
             <a:avLst/>
@@ -1075,18 +1015,16 @@
             <a:spAutoFit/>
           </a:bodyPr>
           <a:p>
-            <a:endParaRPr b="0" lang="pl-PL" sz="1800" spc="-1" strike="noStrike">
-              <a:solidFill>
-                <a:srgbClr val="000000"/>
-              </a:solidFill>
-              <a:latin typeface="Calibri"/>
-            </a:endParaRPr>
-          </a:p>
-        </p:txBody>
-      </p:sp>
-      <p:sp>
-        <p:nvSpPr>
-          <p:cNvPr id="56" name="PlaceHolder 2"/>
+            <a:pPr algn="ctr"/>
+            <a:endParaRPr b="0" lang="en-GB" sz="4400" spc="-1" strike="noStrike">
+              <a:latin typeface="Arial"/>
+            </a:endParaRPr>
+          </a:p>
+        </p:txBody>
+      </p:sp>
+      <p:sp>
+        <p:nvSpPr>
+          <p:cNvPr id="50" name="PlaceHolder 2"/>
           <p:cNvSpPr>
             <a:spLocks noGrp="1"/>
           </p:cNvSpPr>
@@ -1096,8 +1034,8 @@
         </p:nvSpPr>
         <p:spPr>
           <a:xfrm>
-            <a:off x="457200" y="1600200"/>
-            <a:ext cx="4015800" cy="2158560"/>
+            <a:off x="457200" y="1604520"/>
+            <a:ext cx="4015800" cy="1896840"/>
           </a:xfrm>
           <a:prstGeom prst="rect">
             <a:avLst/>
@@ -1108,18 +1046,15 @@
             <a:normAutofit/>
           </a:bodyPr>
           <a:p>
-            <a:endParaRPr b="0" lang="pl-PL" sz="3200" spc="-1" strike="noStrike">
-              <a:solidFill>
-                <a:srgbClr val="000000"/>
-              </a:solidFill>
-              <a:latin typeface="Calibri"/>
-            </a:endParaRPr>
-          </a:p>
-        </p:txBody>
-      </p:sp>
-      <p:sp>
-        <p:nvSpPr>
-          <p:cNvPr id="57" name="PlaceHolder 3"/>
+            <a:endParaRPr b="0" lang="en-GB" sz="3200" spc="-1" strike="noStrike">
+              <a:latin typeface="Arial"/>
+            </a:endParaRPr>
+          </a:p>
+        </p:txBody>
+      </p:sp>
+      <p:sp>
+        <p:nvSpPr>
+          <p:cNvPr id="51" name="PlaceHolder 3"/>
           <p:cNvSpPr>
             <a:spLocks noGrp="1"/>
           </p:cNvSpPr>
@@ -1129,8 +1064,8 @@
         </p:nvSpPr>
         <p:spPr>
           <a:xfrm>
-            <a:off x="4674240" y="1600200"/>
-            <a:ext cx="4015800" cy="4525560"/>
+            <a:off x="4674240" y="1604520"/>
+            <a:ext cx="4015800" cy="3977280"/>
           </a:xfrm>
           <a:prstGeom prst="rect">
             <a:avLst/>
@@ -1141,18 +1076,15 @@
             <a:normAutofit/>
           </a:bodyPr>
           <a:p>
-            <a:endParaRPr b="0" lang="pl-PL" sz="3200" spc="-1" strike="noStrike">
-              <a:solidFill>
-                <a:srgbClr val="000000"/>
-              </a:solidFill>
-              <a:latin typeface="Calibri"/>
-            </a:endParaRPr>
-          </a:p>
-        </p:txBody>
-      </p:sp>
-      <p:sp>
-        <p:nvSpPr>
-          <p:cNvPr id="58" name="PlaceHolder 4"/>
+            <a:endParaRPr b="0" lang="en-GB" sz="3200" spc="-1" strike="noStrike">
+              <a:latin typeface="Arial"/>
+            </a:endParaRPr>
+          </a:p>
+        </p:txBody>
+      </p:sp>
+      <p:sp>
+        <p:nvSpPr>
+          <p:cNvPr id="52" name="PlaceHolder 4"/>
           <p:cNvSpPr>
             <a:spLocks noGrp="1"/>
           </p:cNvSpPr>
@@ -1162,8 +1094,8 @@
         </p:nvSpPr>
         <p:spPr>
           <a:xfrm>
-            <a:off x="457200" y="3964320"/>
-            <a:ext cx="4015800" cy="2158560"/>
+            <a:off x="457200" y="3682080"/>
+            <a:ext cx="4015800" cy="1896840"/>
           </a:xfrm>
           <a:prstGeom prst="rect">
             <a:avLst/>
@@ -1174,11 +1106,8 @@
             <a:normAutofit/>
           </a:bodyPr>
           <a:p>
-            <a:endParaRPr b="0" lang="pl-PL" sz="3200" spc="-1" strike="noStrike">
-              <a:solidFill>
-                <a:srgbClr val="000000"/>
-              </a:solidFill>
-              <a:latin typeface="Calibri"/>
+            <a:endParaRPr b="0" lang="en-GB" sz="3200" spc="-1" strike="noStrike">
+              <a:latin typeface="Arial"/>
             </a:endParaRPr>
           </a:p>
         </p:txBody>
@@ -1207,7 +1136,7 @@
       </p:grpSpPr>
       <p:sp>
         <p:nvSpPr>
-          <p:cNvPr id="5" name="PlaceHolder 1"/>
+          <p:cNvPr id="2" name="PlaceHolder 1"/>
           <p:cNvSpPr>
             <a:spLocks noGrp="1"/>
           </p:cNvSpPr>
@@ -1217,8 +1146,8 @@
         </p:nvSpPr>
         <p:spPr>
           <a:xfrm>
-            <a:off x="457200" y="274680"/>
-            <a:ext cx="8229240" cy="1142640"/>
+            <a:off x="457200" y="273600"/>
+            <a:ext cx="8229240" cy="1144800"/>
           </a:xfrm>
           <a:prstGeom prst="rect">
             <a:avLst/>
@@ -1229,18 +1158,16 @@
             <a:spAutoFit/>
           </a:bodyPr>
           <a:p>
-            <a:endParaRPr b="0" lang="pl-PL" sz="1800" spc="-1" strike="noStrike">
-              <a:solidFill>
-                <a:srgbClr val="000000"/>
-              </a:solidFill>
-              <a:latin typeface="Calibri"/>
-            </a:endParaRPr>
-          </a:p>
-        </p:txBody>
-      </p:sp>
-      <p:sp>
-        <p:nvSpPr>
-          <p:cNvPr id="6" name="PlaceHolder 2"/>
+            <a:pPr algn="ctr"/>
+            <a:endParaRPr b="0" lang="en-GB" sz="4400" spc="-1" strike="noStrike">
+              <a:latin typeface="Arial"/>
+            </a:endParaRPr>
+          </a:p>
+        </p:txBody>
+      </p:sp>
+      <p:sp>
+        <p:nvSpPr>
+          <p:cNvPr id="3" name="PlaceHolder 2"/>
           <p:cNvSpPr>
             <a:spLocks noGrp="1"/>
           </p:cNvSpPr>
@@ -1250,8 +1177,8 @@
         </p:nvSpPr>
         <p:spPr>
           <a:xfrm>
-            <a:off x="457200" y="1600200"/>
-            <a:ext cx="8229240" cy="4525560"/>
+            <a:off x="457200" y="1604520"/>
+            <a:ext cx="8229240" cy="3977280"/>
           </a:xfrm>
           <a:prstGeom prst="rect">
             <a:avLst/>
@@ -1293,7 +1220,7 @@
       </p:grpSpPr>
       <p:sp>
         <p:nvSpPr>
-          <p:cNvPr id="59" name="PlaceHolder 1"/>
+          <p:cNvPr id="53" name="PlaceHolder 1"/>
           <p:cNvSpPr>
             <a:spLocks noGrp="1"/>
           </p:cNvSpPr>
@@ -1303,8 +1230,8 @@
         </p:nvSpPr>
         <p:spPr>
           <a:xfrm>
-            <a:off x="457200" y="274680"/>
-            <a:ext cx="8229240" cy="1142640"/>
+            <a:off x="457200" y="273600"/>
+            <a:ext cx="8229240" cy="1144800"/>
           </a:xfrm>
           <a:prstGeom prst="rect">
             <a:avLst/>
@@ -1315,18 +1242,16 @@
             <a:spAutoFit/>
           </a:bodyPr>
           <a:p>
-            <a:endParaRPr b="0" lang="pl-PL" sz="1800" spc="-1" strike="noStrike">
-              <a:solidFill>
-                <a:srgbClr val="000000"/>
-              </a:solidFill>
-              <a:latin typeface="Calibri"/>
-            </a:endParaRPr>
-          </a:p>
-        </p:txBody>
-      </p:sp>
-      <p:sp>
-        <p:nvSpPr>
-          <p:cNvPr id="60" name="PlaceHolder 2"/>
+            <a:pPr algn="ctr"/>
+            <a:endParaRPr b="0" lang="en-GB" sz="4400" spc="-1" strike="noStrike">
+              <a:latin typeface="Arial"/>
+            </a:endParaRPr>
+          </a:p>
+        </p:txBody>
+      </p:sp>
+      <p:sp>
+        <p:nvSpPr>
+          <p:cNvPr id="54" name="PlaceHolder 2"/>
           <p:cNvSpPr>
             <a:spLocks noGrp="1"/>
           </p:cNvSpPr>
@@ -1336,8 +1261,8 @@
         </p:nvSpPr>
         <p:spPr>
           <a:xfrm>
-            <a:off x="457200" y="1600200"/>
-            <a:ext cx="4015800" cy="4525560"/>
+            <a:off x="457200" y="1604520"/>
+            <a:ext cx="4015800" cy="3977280"/>
           </a:xfrm>
           <a:prstGeom prst="rect">
             <a:avLst/>
@@ -1348,18 +1273,15 @@
             <a:normAutofit/>
           </a:bodyPr>
           <a:p>
-            <a:endParaRPr b="0" lang="pl-PL" sz="3200" spc="-1" strike="noStrike">
-              <a:solidFill>
-                <a:srgbClr val="000000"/>
-              </a:solidFill>
-              <a:latin typeface="Calibri"/>
-            </a:endParaRPr>
-          </a:p>
-        </p:txBody>
-      </p:sp>
-      <p:sp>
-        <p:nvSpPr>
-          <p:cNvPr id="61" name="PlaceHolder 3"/>
+            <a:endParaRPr b="0" lang="en-GB" sz="3200" spc="-1" strike="noStrike">
+              <a:latin typeface="Arial"/>
+            </a:endParaRPr>
+          </a:p>
+        </p:txBody>
+      </p:sp>
+      <p:sp>
+        <p:nvSpPr>
+          <p:cNvPr id="55" name="PlaceHolder 3"/>
           <p:cNvSpPr>
             <a:spLocks noGrp="1"/>
           </p:cNvSpPr>
@@ -1369,8 +1291,8 @@
         </p:nvSpPr>
         <p:spPr>
           <a:xfrm>
-            <a:off x="4674240" y="1600200"/>
-            <a:ext cx="4015800" cy="2158560"/>
+            <a:off x="4674240" y="1604520"/>
+            <a:ext cx="4015800" cy="1896840"/>
           </a:xfrm>
           <a:prstGeom prst="rect">
             <a:avLst/>
@@ -1381,18 +1303,15 @@
             <a:normAutofit/>
           </a:bodyPr>
           <a:p>
-            <a:endParaRPr b="0" lang="pl-PL" sz="3200" spc="-1" strike="noStrike">
-              <a:solidFill>
-                <a:srgbClr val="000000"/>
-              </a:solidFill>
-              <a:latin typeface="Calibri"/>
-            </a:endParaRPr>
-          </a:p>
-        </p:txBody>
-      </p:sp>
-      <p:sp>
-        <p:nvSpPr>
-          <p:cNvPr id="62" name="PlaceHolder 4"/>
+            <a:endParaRPr b="0" lang="en-GB" sz="3200" spc="-1" strike="noStrike">
+              <a:latin typeface="Arial"/>
+            </a:endParaRPr>
+          </a:p>
+        </p:txBody>
+      </p:sp>
+      <p:sp>
+        <p:nvSpPr>
+          <p:cNvPr id="56" name="PlaceHolder 4"/>
           <p:cNvSpPr>
             <a:spLocks noGrp="1"/>
           </p:cNvSpPr>
@@ -1402,8 +1321,8 @@
         </p:nvSpPr>
         <p:spPr>
           <a:xfrm>
-            <a:off x="4674240" y="3964320"/>
-            <a:ext cx="4015800" cy="2158560"/>
+            <a:off x="4674240" y="3682080"/>
+            <a:ext cx="4015800" cy="1896840"/>
           </a:xfrm>
           <a:prstGeom prst="rect">
             <a:avLst/>
@@ -1414,11 +1333,8 @@
             <a:normAutofit/>
           </a:bodyPr>
           <a:p>
-            <a:endParaRPr b="0" lang="pl-PL" sz="3200" spc="-1" strike="noStrike">
-              <a:solidFill>
-                <a:srgbClr val="000000"/>
-              </a:solidFill>
-              <a:latin typeface="Calibri"/>
+            <a:endParaRPr b="0" lang="en-GB" sz="3200" spc="-1" strike="noStrike">
+              <a:latin typeface="Arial"/>
             </a:endParaRPr>
           </a:p>
         </p:txBody>
@@ -1447,7 +1363,7 @@
       </p:grpSpPr>
       <p:sp>
         <p:nvSpPr>
-          <p:cNvPr id="63" name="PlaceHolder 1"/>
+          <p:cNvPr id="57" name="PlaceHolder 1"/>
           <p:cNvSpPr>
             <a:spLocks noGrp="1"/>
           </p:cNvSpPr>
@@ -1457,8 +1373,8 @@
         </p:nvSpPr>
         <p:spPr>
           <a:xfrm>
-            <a:off x="457200" y="274680"/>
-            <a:ext cx="8229240" cy="1142640"/>
+            <a:off x="457200" y="273600"/>
+            <a:ext cx="8229240" cy="1144800"/>
           </a:xfrm>
           <a:prstGeom prst="rect">
             <a:avLst/>
@@ -1469,18 +1385,16 @@
             <a:spAutoFit/>
           </a:bodyPr>
           <a:p>
-            <a:endParaRPr b="0" lang="pl-PL" sz="1800" spc="-1" strike="noStrike">
-              <a:solidFill>
-                <a:srgbClr val="000000"/>
-              </a:solidFill>
-              <a:latin typeface="Calibri"/>
-            </a:endParaRPr>
-          </a:p>
-        </p:txBody>
-      </p:sp>
-      <p:sp>
-        <p:nvSpPr>
-          <p:cNvPr id="64" name="PlaceHolder 2"/>
+            <a:pPr algn="ctr"/>
+            <a:endParaRPr b="0" lang="en-GB" sz="4400" spc="-1" strike="noStrike">
+              <a:latin typeface="Arial"/>
+            </a:endParaRPr>
+          </a:p>
+        </p:txBody>
+      </p:sp>
+      <p:sp>
+        <p:nvSpPr>
+          <p:cNvPr id="58" name="PlaceHolder 2"/>
           <p:cNvSpPr>
             <a:spLocks noGrp="1"/>
           </p:cNvSpPr>
@@ -1490,8 +1404,8 @@
         </p:nvSpPr>
         <p:spPr>
           <a:xfrm>
-            <a:off x="457200" y="1600200"/>
-            <a:ext cx="4015800" cy="2158560"/>
+            <a:off x="457200" y="1604520"/>
+            <a:ext cx="4015800" cy="1896840"/>
           </a:xfrm>
           <a:prstGeom prst="rect">
             <a:avLst/>
@@ -1502,18 +1416,15 @@
             <a:normAutofit/>
           </a:bodyPr>
           <a:p>
-            <a:endParaRPr b="0" lang="pl-PL" sz="3200" spc="-1" strike="noStrike">
-              <a:solidFill>
-                <a:srgbClr val="000000"/>
-              </a:solidFill>
-              <a:latin typeface="Calibri"/>
-            </a:endParaRPr>
-          </a:p>
-        </p:txBody>
-      </p:sp>
-      <p:sp>
-        <p:nvSpPr>
-          <p:cNvPr id="65" name="PlaceHolder 3"/>
+            <a:endParaRPr b="0" lang="en-GB" sz="3200" spc="-1" strike="noStrike">
+              <a:latin typeface="Arial"/>
+            </a:endParaRPr>
+          </a:p>
+        </p:txBody>
+      </p:sp>
+      <p:sp>
+        <p:nvSpPr>
+          <p:cNvPr id="59" name="PlaceHolder 3"/>
           <p:cNvSpPr>
             <a:spLocks noGrp="1"/>
           </p:cNvSpPr>
@@ -1523,8 +1434,8 @@
         </p:nvSpPr>
         <p:spPr>
           <a:xfrm>
-            <a:off x="4674240" y="1600200"/>
-            <a:ext cx="4015800" cy="2158560"/>
+            <a:off x="4674240" y="1604520"/>
+            <a:ext cx="4015800" cy="1896840"/>
           </a:xfrm>
           <a:prstGeom prst="rect">
             <a:avLst/>
@@ -1535,18 +1446,15 @@
             <a:normAutofit/>
           </a:bodyPr>
           <a:p>
-            <a:endParaRPr b="0" lang="pl-PL" sz="3200" spc="-1" strike="noStrike">
-              <a:solidFill>
-                <a:srgbClr val="000000"/>
-              </a:solidFill>
-              <a:latin typeface="Calibri"/>
-            </a:endParaRPr>
-          </a:p>
-        </p:txBody>
-      </p:sp>
-      <p:sp>
-        <p:nvSpPr>
-          <p:cNvPr id="66" name="PlaceHolder 4"/>
+            <a:endParaRPr b="0" lang="en-GB" sz="3200" spc="-1" strike="noStrike">
+              <a:latin typeface="Arial"/>
+            </a:endParaRPr>
+          </a:p>
+        </p:txBody>
+      </p:sp>
+      <p:sp>
+        <p:nvSpPr>
+          <p:cNvPr id="60" name="PlaceHolder 4"/>
           <p:cNvSpPr>
             <a:spLocks noGrp="1"/>
           </p:cNvSpPr>
@@ -1556,8 +1464,8 @@
         </p:nvSpPr>
         <p:spPr>
           <a:xfrm>
-            <a:off x="457200" y="3964320"/>
-            <a:ext cx="8229240" cy="2158560"/>
+            <a:off x="457200" y="3682080"/>
+            <a:ext cx="8229240" cy="1896840"/>
           </a:xfrm>
           <a:prstGeom prst="rect">
             <a:avLst/>
@@ -1568,11 +1476,8 @@
             <a:normAutofit/>
           </a:bodyPr>
           <a:p>
-            <a:endParaRPr b="0" lang="pl-PL" sz="3200" spc="-1" strike="noStrike">
-              <a:solidFill>
-                <a:srgbClr val="000000"/>
-              </a:solidFill>
-              <a:latin typeface="Calibri"/>
+            <a:endParaRPr b="0" lang="en-GB" sz="3200" spc="-1" strike="noStrike">
+              <a:latin typeface="Arial"/>
             </a:endParaRPr>
           </a:p>
         </p:txBody>
@@ -1601,7 +1506,7 @@
       </p:grpSpPr>
       <p:sp>
         <p:nvSpPr>
-          <p:cNvPr id="67" name="PlaceHolder 1"/>
+          <p:cNvPr id="61" name="PlaceHolder 1"/>
           <p:cNvSpPr>
             <a:spLocks noGrp="1"/>
           </p:cNvSpPr>
@@ -1611,8 +1516,8 @@
         </p:nvSpPr>
         <p:spPr>
           <a:xfrm>
-            <a:off x="457200" y="274680"/>
-            <a:ext cx="8229240" cy="1142640"/>
+            <a:off x="457200" y="273600"/>
+            <a:ext cx="8229240" cy="1144800"/>
           </a:xfrm>
           <a:prstGeom prst="rect">
             <a:avLst/>
@@ -1623,18 +1528,16 @@
             <a:spAutoFit/>
           </a:bodyPr>
           <a:p>
-            <a:endParaRPr b="0" lang="pl-PL" sz="1800" spc="-1" strike="noStrike">
-              <a:solidFill>
-                <a:srgbClr val="000000"/>
-              </a:solidFill>
-              <a:latin typeface="Calibri"/>
-            </a:endParaRPr>
-          </a:p>
-        </p:txBody>
-      </p:sp>
-      <p:sp>
-        <p:nvSpPr>
-          <p:cNvPr id="68" name="PlaceHolder 2"/>
+            <a:pPr algn="ctr"/>
+            <a:endParaRPr b="0" lang="en-GB" sz="4400" spc="-1" strike="noStrike">
+              <a:latin typeface="Arial"/>
+            </a:endParaRPr>
+          </a:p>
+        </p:txBody>
+      </p:sp>
+      <p:sp>
+        <p:nvSpPr>
+          <p:cNvPr id="62" name="PlaceHolder 2"/>
           <p:cNvSpPr>
             <a:spLocks noGrp="1"/>
           </p:cNvSpPr>
@@ -1644,8 +1547,8 @@
         </p:nvSpPr>
         <p:spPr>
           <a:xfrm>
-            <a:off x="457200" y="1600200"/>
-            <a:ext cx="8229240" cy="2158560"/>
+            <a:off x="457200" y="1604520"/>
+            <a:ext cx="8229240" cy="1896840"/>
           </a:xfrm>
           <a:prstGeom prst="rect">
             <a:avLst/>
@@ -1656,18 +1559,15 @@
             <a:normAutofit/>
           </a:bodyPr>
           <a:p>
-            <a:endParaRPr b="0" lang="pl-PL" sz="3200" spc="-1" strike="noStrike">
-              <a:solidFill>
-                <a:srgbClr val="000000"/>
-              </a:solidFill>
-              <a:latin typeface="Calibri"/>
-            </a:endParaRPr>
-          </a:p>
-        </p:txBody>
-      </p:sp>
-      <p:sp>
-        <p:nvSpPr>
-          <p:cNvPr id="69" name="PlaceHolder 3"/>
+            <a:endParaRPr b="0" lang="en-GB" sz="3200" spc="-1" strike="noStrike">
+              <a:latin typeface="Arial"/>
+            </a:endParaRPr>
+          </a:p>
+        </p:txBody>
+      </p:sp>
+      <p:sp>
+        <p:nvSpPr>
+          <p:cNvPr id="63" name="PlaceHolder 3"/>
           <p:cNvSpPr>
             <a:spLocks noGrp="1"/>
           </p:cNvSpPr>
@@ -1677,8 +1577,8 @@
         </p:nvSpPr>
         <p:spPr>
           <a:xfrm>
-            <a:off x="457200" y="3964320"/>
-            <a:ext cx="8229240" cy="2158560"/>
+            <a:off x="457200" y="3682080"/>
+            <a:ext cx="8229240" cy="1896840"/>
           </a:xfrm>
           <a:prstGeom prst="rect">
             <a:avLst/>
@@ -1689,11 +1589,8 @@
             <a:normAutofit/>
           </a:bodyPr>
           <a:p>
-            <a:endParaRPr b="0" lang="pl-PL" sz="3200" spc="-1" strike="noStrike">
-              <a:solidFill>
-                <a:srgbClr val="000000"/>
-              </a:solidFill>
-              <a:latin typeface="Calibri"/>
+            <a:endParaRPr b="0" lang="en-GB" sz="3200" spc="-1" strike="noStrike">
+              <a:latin typeface="Arial"/>
             </a:endParaRPr>
           </a:p>
         </p:txBody>
@@ -1722,7 +1619,7 @@
       </p:grpSpPr>
       <p:sp>
         <p:nvSpPr>
-          <p:cNvPr id="70" name="PlaceHolder 1"/>
+          <p:cNvPr id="64" name="PlaceHolder 1"/>
           <p:cNvSpPr>
             <a:spLocks noGrp="1"/>
           </p:cNvSpPr>
@@ -1732,8 +1629,8 @@
         </p:nvSpPr>
         <p:spPr>
           <a:xfrm>
-            <a:off x="457200" y="274680"/>
-            <a:ext cx="8229240" cy="1142640"/>
+            <a:off x="457200" y="273600"/>
+            <a:ext cx="8229240" cy="1144800"/>
           </a:xfrm>
           <a:prstGeom prst="rect">
             <a:avLst/>
@@ -1744,18 +1641,16 @@
             <a:spAutoFit/>
           </a:bodyPr>
           <a:p>
-            <a:endParaRPr b="0" lang="pl-PL" sz="1800" spc="-1" strike="noStrike">
-              <a:solidFill>
-                <a:srgbClr val="000000"/>
-              </a:solidFill>
-              <a:latin typeface="Calibri"/>
-            </a:endParaRPr>
-          </a:p>
-        </p:txBody>
-      </p:sp>
-      <p:sp>
-        <p:nvSpPr>
-          <p:cNvPr id="71" name="PlaceHolder 2"/>
+            <a:pPr algn="ctr"/>
+            <a:endParaRPr b="0" lang="en-GB" sz="4400" spc="-1" strike="noStrike">
+              <a:latin typeface="Arial"/>
+            </a:endParaRPr>
+          </a:p>
+        </p:txBody>
+      </p:sp>
+      <p:sp>
+        <p:nvSpPr>
+          <p:cNvPr id="65" name="PlaceHolder 2"/>
           <p:cNvSpPr>
             <a:spLocks noGrp="1"/>
           </p:cNvSpPr>
@@ -1765,8 +1660,8 @@
         </p:nvSpPr>
         <p:spPr>
           <a:xfrm>
-            <a:off x="457200" y="1600200"/>
-            <a:ext cx="4015800" cy="2158560"/>
+            <a:off x="457200" y="1604520"/>
+            <a:ext cx="4015800" cy="1896840"/>
           </a:xfrm>
           <a:prstGeom prst="rect">
             <a:avLst/>
@@ -1777,18 +1672,15 @@
             <a:normAutofit/>
           </a:bodyPr>
           <a:p>
-            <a:endParaRPr b="0" lang="pl-PL" sz="3200" spc="-1" strike="noStrike">
-              <a:solidFill>
-                <a:srgbClr val="000000"/>
-              </a:solidFill>
-              <a:latin typeface="Calibri"/>
-            </a:endParaRPr>
-          </a:p>
-        </p:txBody>
-      </p:sp>
-      <p:sp>
-        <p:nvSpPr>
-          <p:cNvPr id="72" name="PlaceHolder 3"/>
+            <a:endParaRPr b="0" lang="en-GB" sz="3200" spc="-1" strike="noStrike">
+              <a:latin typeface="Arial"/>
+            </a:endParaRPr>
+          </a:p>
+        </p:txBody>
+      </p:sp>
+      <p:sp>
+        <p:nvSpPr>
+          <p:cNvPr id="66" name="PlaceHolder 3"/>
           <p:cNvSpPr>
             <a:spLocks noGrp="1"/>
           </p:cNvSpPr>
@@ -1798,8 +1690,8 @@
         </p:nvSpPr>
         <p:spPr>
           <a:xfrm>
-            <a:off x="4674240" y="1600200"/>
-            <a:ext cx="4015800" cy="2158560"/>
+            <a:off x="4674240" y="1604520"/>
+            <a:ext cx="4015800" cy="1896840"/>
           </a:xfrm>
           <a:prstGeom prst="rect">
             <a:avLst/>
@@ -1810,18 +1702,15 @@
             <a:normAutofit/>
           </a:bodyPr>
           <a:p>
-            <a:endParaRPr b="0" lang="pl-PL" sz="3200" spc="-1" strike="noStrike">
-              <a:solidFill>
-                <a:srgbClr val="000000"/>
-              </a:solidFill>
-              <a:latin typeface="Calibri"/>
-            </a:endParaRPr>
-          </a:p>
-        </p:txBody>
-      </p:sp>
-      <p:sp>
-        <p:nvSpPr>
-          <p:cNvPr id="73" name="PlaceHolder 4"/>
+            <a:endParaRPr b="0" lang="en-GB" sz="3200" spc="-1" strike="noStrike">
+              <a:latin typeface="Arial"/>
+            </a:endParaRPr>
+          </a:p>
+        </p:txBody>
+      </p:sp>
+      <p:sp>
+        <p:nvSpPr>
+          <p:cNvPr id="67" name="PlaceHolder 4"/>
           <p:cNvSpPr>
             <a:spLocks noGrp="1"/>
           </p:cNvSpPr>
@@ -1831,8 +1720,8 @@
         </p:nvSpPr>
         <p:spPr>
           <a:xfrm>
-            <a:off x="457200" y="3964320"/>
-            <a:ext cx="4015800" cy="2158560"/>
+            <a:off x="457200" y="3682080"/>
+            <a:ext cx="4015800" cy="1896840"/>
           </a:xfrm>
           <a:prstGeom prst="rect">
             <a:avLst/>
@@ -1843,18 +1732,15 @@
             <a:normAutofit/>
           </a:bodyPr>
           <a:p>
-            <a:endParaRPr b="0" lang="pl-PL" sz="3200" spc="-1" strike="noStrike">
-              <a:solidFill>
-                <a:srgbClr val="000000"/>
-              </a:solidFill>
-              <a:latin typeface="Calibri"/>
-            </a:endParaRPr>
-          </a:p>
-        </p:txBody>
-      </p:sp>
-      <p:sp>
-        <p:nvSpPr>
-          <p:cNvPr id="74" name="PlaceHolder 5"/>
+            <a:endParaRPr b="0" lang="en-GB" sz="3200" spc="-1" strike="noStrike">
+              <a:latin typeface="Arial"/>
+            </a:endParaRPr>
+          </a:p>
+        </p:txBody>
+      </p:sp>
+      <p:sp>
+        <p:nvSpPr>
+          <p:cNvPr id="68" name="PlaceHolder 5"/>
           <p:cNvSpPr>
             <a:spLocks noGrp="1"/>
           </p:cNvSpPr>
@@ -1864,8 +1750,8 @@
         </p:nvSpPr>
         <p:spPr>
           <a:xfrm>
-            <a:off x="4674240" y="3964320"/>
-            <a:ext cx="4015800" cy="2158560"/>
+            <a:off x="4674240" y="3682080"/>
+            <a:ext cx="4015800" cy="1896840"/>
           </a:xfrm>
           <a:prstGeom prst="rect">
             <a:avLst/>
@@ -1876,11 +1762,8 @@
             <a:normAutofit/>
           </a:bodyPr>
           <a:p>
-            <a:endParaRPr b="0" lang="pl-PL" sz="3200" spc="-1" strike="noStrike">
-              <a:solidFill>
-                <a:srgbClr val="000000"/>
-              </a:solidFill>
-              <a:latin typeface="Calibri"/>
+            <a:endParaRPr b="0" lang="en-GB" sz="3200" spc="-1" strike="noStrike">
+              <a:latin typeface="Arial"/>
             </a:endParaRPr>
           </a:p>
         </p:txBody>
@@ -1909,7 +1792,7 @@
       </p:grpSpPr>
       <p:sp>
         <p:nvSpPr>
-          <p:cNvPr id="75" name="PlaceHolder 1"/>
+          <p:cNvPr id="69" name="PlaceHolder 1"/>
           <p:cNvSpPr>
             <a:spLocks noGrp="1"/>
           </p:cNvSpPr>
@@ -1919,8 +1802,8 @@
         </p:nvSpPr>
         <p:spPr>
           <a:xfrm>
-            <a:off x="457200" y="274680"/>
-            <a:ext cx="8229240" cy="1142640"/>
+            <a:off x="457200" y="273600"/>
+            <a:ext cx="8229240" cy="1144800"/>
           </a:xfrm>
           <a:prstGeom prst="rect">
             <a:avLst/>
@@ -1931,18 +1814,16 @@
             <a:spAutoFit/>
           </a:bodyPr>
           <a:p>
-            <a:endParaRPr b="0" lang="pl-PL" sz="1800" spc="-1" strike="noStrike">
-              <a:solidFill>
-                <a:srgbClr val="000000"/>
-              </a:solidFill>
-              <a:latin typeface="Calibri"/>
-            </a:endParaRPr>
-          </a:p>
-        </p:txBody>
-      </p:sp>
-      <p:sp>
-        <p:nvSpPr>
-          <p:cNvPr id="76" name="PlaceHolder 2"/>
+            <a:pPr algn="ctr"/>
+            <a:endParaRPr b="0" lang="en-GB" sz="4400" spc="-1" strike="noStrike">
+              <a:latin typeface="Arial"/>
+            </a:endParaRPr>
+          </a:p>
+        </p:txBody>
+      </p:sp>
+      <p:sp>
+        <p:nvSpPr>
+          <p:cNvPr id="70" name="PlaceHolder 2"/>
           <p:cNvSpPr>
             <a:spLocks noGrp="1"/>
           </p:cNvSpPr>
@@ -1952,8 +1833,8 @@
         </p:nvSpPr>
         <p:spPr>
           <a:xfrm>
-            <a:off x="457200" y="1600200"/>
-            <a:ext cx="2649600" cy="2158560"/>
+            <a:off x="457200" y="1604520"/>
+            <a:ext cx="2649600" cy="1896840"/>
           </a:xfrm>
           <a:prstGeom prst="rect">
             <a:avLst/>
@@ -1964,18 +1845,15 @@
             <a:normAutofit/>
           </a:bodyPr>
           <a:p>
-            <a:endParaRPr b="0" lang="pl-PL" sz="3200" spc="-1" strike="noStrike">
-              <a:solidFill>
-                <a:srgbClr val="000000"/>
-              </a:solidFill>
-              <a:latin typeface="Calibri"/>
-            </a:endParaRPr>
-          </a:p>
-        </p:txBody>
-      </p:sp>
-      <p:sp>
-        <p:nvSpPr>
-          <p:cNvPr id="77" name="PlaceHolder 3"/>
+            <a:endParaRPr b="0" lang="en-GB" sz="3200" spc="-1" strike="noStrike">
+              <a:latin typeface="Arial"/>
+            </a:endParaRPr>
+          </a:p>
+        </p:txBody>
+      </p:sp>
+      <p:sp>
+        <p:nvSpPr>
+          <p:cNvPr id="71" name="PlaceHolder 3"/>
           <p:cNvSpPr>
             <a:spLocks noGrp="1"/>
           </p:cNvSpPr>
@@ -1985,8 +1863,8 @@
         </p:nvSpPr>
         <p:spPr>
           <a:xfrm>
-            <a:off x="3239640" y="1600200"/>
-            <a:ext cx="2649600" cy="2158560"/>
+            <a:off x="3239640" y="1604520"/>
+            <a:ext cx="2649600" cy="1896840"/>
           </a:xfrm>
           <a:prstGeom prst="rect">
             <a:avLst/>
@@ -1997,18 +1875,15 @@
             <a:normAutofit/>
           </a:bodyPr>
           <a:p>
-            <a:endParaRPr b="0" lang="pl-PL" sz="3200" spc="-1" strike="noStrike">
-              <a:solidFill>
-                <a:srgbClr val="000000"/>
-              </a:solidFill>
-              <a:latin typeface="Calibri"/>
-            </a:endParaRPr>
-          </a:p>
-        </p:txBody>
-      </p:sp>
-      <p:sp>
-        <p:nvSpPr>
-          <p:cNvPr id="78" name="PlaceHolder 4"/>
+            <a:endParaRPr b="0" lang="en-GB" sz="3200" spc="-1" strike="noStrike">
+              <a:latin typeface="Arial"/>
+            </a:endParaRPr>
+          </a:p>
+        </p:txBody>
+      </p:sp>
+      <p:sp>
+        <p:nvSpPr>
+          <p:cNvPr id="72" name="PlaceHolder 4"/>
           <p:cNvSpPr>
             <a:spLocks noGrp="1"/>
           </p:cNvSpPr>
@@ -2018,8 +1893,8 @@
         </p:nvSpPr>
         <p:spPr>
           <a:xfrm>
-            <a:off x="6022080" y="1600200"/>
-            <a:ext cx="2649600" cy="2158560"/>
+            <a:off x="6022080" y="1604520"/>
+            <a:ext cx="2649600" cy="1896840"/>
           </a:xfrm>
           <a:prstGeom prst="rect">
             <a:avLst/>
@@ -2030,18 +1905,15 @@
             <a:normAutofit/>
           </a:bodyPr>
           <a:p>
-            <a:endParaRPr b="0" lang="pl-PL" sz="3200" spc="-1" strike="noStrike">
-              <a:solidFill>
-                <a:srgbClr val="000000"/>
-              </a:solidFill>
-              <a:latin typeface="Calibri"/>
-            </a:endParaRPr>
-          </a:p>
-        </p:txBody>
-      </p:sp>
-      <p:sp>
-        <p:nvSpPr>
-          <p:cNvPr id="79" name="PlaceHolder 5"/>
+            <a:endParaRPr b="0" lang="en-GB" sz="3200" spc="-1" strike="noStrike">
+              <a:latin typeface="Arial"/>
+            </a:endParaRPr>
+          </a:p>
+        </p:txBody>
+      </p:sp>
+      <p:sp>
+        <p:nvSpPr>
+          <p:cNvPr id="73" name="PlaceHolder 5"/>
           <p:cNvSpPr>
             <a:spLocks noGrp="1"/>
           </p:cNvSpPr>
@@ -2051,8 +1923,8 @@
         </p:nvSpPr>
         <p:spPr>
           <a:xfrm>
-            <a:off x="457200" y="3964320"/>
-            <a:ext cx="2649600" cy="2158560"/>
+            <a:off x="457200" y="3682080"/>
+            <a:ext cx="2649600" cy="1896840"/>
           </a:xfrm>
           <a:prstGeom prst="rect">
             <a:avLst/>
@@ -2063,18 +1935,15 @@
             <a:normAutofit/>
           </a:bodyPr>
           <a:p>
-            <a:endParaRPr b="0" lang="pl-PL" sz="3200" spc="-1" strike="noStrike">
-              <a:solidFill>
-                <a:srgbClr val="000000"/>
-              </a:solidFill>
-              <a:latin typeface="Calibri"/>
-            </a:endParaRPr>
-          </a:p>
-        </p:txBody>
-      </p:sp>
-      <p:sp>
-        <p:nvSpPr>
-          <p:cNvPr id="80" name="PlaceHolder 6"/>
+            <a:endParaRPr b="0" lang="en-GB" sz="3200" spc="-1" strike="noStrike">
+              <a:latin typeface="Arial"/>
+            </a:endParaRPr>
+          </a:p>
+        </p:txBody>
+      </p:sp>
+      <p:sp>
+        <p:nvSpPr>
+          <p:cNvPr id="74" name="PlaceHolder 6"/>
           <p:cNvSpPr>
             <a:spLocks noGrp="1"/>
           </p:cNvSpPr>
@@ -2084,8 +1953,8 @@
         </p:nvSpPr>
         <p:spPr>
           <a:xfrm>
-            <a:off x="3239640" y="3964320"/>
-            <a:ext cx="2649600" cy="2158560"/>
+            <a:off x="3239640" y="3682080"/>
+            <a:ext cx="2649600" cy="1896840"/>
           </a:xfrm>
           <a:prstGeom prst="rect">
             <a:avLst/>
@@ -2096,18 +1965,15 @@
             <a:normAutofit/>
           </a:bodyPr>
           <a:p>
-            <a:endParaRPr b="0" lang="pl-PL" sz="3200" spc="-1" strike="noStrike">
-              <a:solidFill>
-                <a:srgbClr val="000000"/>
-              </a:solidFill>
-              <a:latin typeface="Calibri"/>
-            </a:endParaRPr>
-          </a:p>
-        </p:txBody>
-      </p:sp>
-      <p:sp>
-        <p:nvSpPr>
-          <p:cNvPr id="81" name="PlaceHolder 7"/>
+            <a:endParaRPr b="0" lang="en-GB" sz="3200" spc="-1" strike="noStrike">
+              <a:latin typeface="Arial"/>
+            </a:endParaRPr>
+          </a:p>
+        </p:txBody>
+      </p:sp>
+      <p:sp>
+        <p:nvSpPr>
+          <p:cNvPr id="75" name="PlaceHolder 7"/>
           <p:cNvSpPr>
             <a:spLocks noGrp="1"/>
           </p:cNvSpPr>
@@ -2117,8 +1983,8 @@
         </p:nvSpPr>
         <p:spPr>
           <a:xfrm>
-            <a:off x="6022080" y="3964320"/>
-            <a:ext cx="2649600" cy="2158560"/>
+            <a:off x="6022080" y="3682080"/>
+            <a:ext cx="2649600" cy="1896840"/>
           </a:xfrm>
           <a:prstGeom prst="rect">
             <a:avLst/>
@@ -2129,11 +1995,8 @@
             <a:normAutofit/>
           </a:bodyPr>
           <a:p>
-            <a:endParaRPr b="0" lang="pl-PL" sz="3200" spc="-1" strike="noStrike">
-              <a:solidFill>
-                <a:srgbClr val="000000"/>
-              </a:solidFill>
-              <a:latin typeface="Calibri"/>
+            <a:endParaRPr b="0" lang="en-GB" sz="3200" spc="-1" strike="noStrike">
+              <a:latin typeface="Arial"/>
             </a:endParaRPr>
           </a:p>
         </p:txBody>
@@ -2162,7 +2025,7 @@
       </p:grpSpPr>
       <p:sp>
         <p:nvSpPr>
-          <p:cNvPr id="7" name="PlaceHolder 1"/>
+          <p:cNvPr id="4" name="PlaceHolder 1"/>
           <p:cNvSpPr>
             <a:spLocks noGrp="1"/>
           </p:cNvSpPr>
@@ -2172,8 +2035,8 @@
         </p:nvSpPr>
         <p:spPr>
           <a:xfrm>
-            <a:off x="457200" y="274680"/>
-            <a:ext cx="8229240" cy="1142640"/>
+            <a:off x="457200" y="273600"/>
+            <a:ext cx="8229240" cy="1144800"/>
           </a:xfrm>
           <a:prstGeom prst="rect">
             <a:avLst/>
@@ -2184,18 +2047,16 @@
             <a:spAutoFit/>
           </a:bodyPr>
           <a:p>
-            <a:endParaRPr b="0" lang="pl-PL" sz="1800" spc="-1" strike="noStrike">
-              <a:solidFill>
-                <a:srgbClr val="000000"/>
-              </a:solidFill>
-              <a:latin typeface="Calibri"/>
-            </a:endParaRPr>
-          </a:p>
-        </p:txBody>
-      </p:sp>
-      <p:sp>
-        <p:nvSpPr>
-          <p:cNvPr id="8" name="PlaceHolder 2"/>
+            <a:pPr algn="ctr"/>
+            <a:endParaRPr b="0" lang="en-GB" sz="4400" spc="-1" strike="noStrike">
+              <a:latin typeface="Arial"/>
+            </a:endParaRPr>
+          </a:p>
+        </p:txBody>
+      </p:sp>
+      <p:sp>
+        <p:nvSpPr>
+          <p:cNvPr id="5" name="PlaceHolder 2"/>
           <p:cNvSpPr>
             <a:spLocks noGrp="1"/>
           </p:cNvSpPr>
@@ -2205,8 +2066,8 @@
         </p:nvSpPr>
         <p:spPr>
           <a:xfrm>
-            <a:off x="457200" y="1600200"/>
-            <a:ext cx="8229240" cy="4525560"/>
+            <a:off x="457200" y="1604520"/>
+            <a:ext cx="8229240" cy="3977280"/>
           </a:xfrm>
           <a:prstGeom prst="rect">
             <a:avLst/>
@@ -2217,11 +2078,8 @@
             <a:normAutofit/>
           </a:bodyPr>
           <a:p>
-            <a:endParaRPr b="0" lang="pl-PL" sz="3200" spc="-1" strike="noStrike">
-              <a:solidFill>
-                <a:srgbClr val="000000"/>
-              </a:solidFill>
-              <a:latin typeface="Calibri"/>
+            <a:endParaRPr b="0" lang="en-GB" sz="3200" spc="-1" strike="noStrike">
+              <a:latin typeface="Arial"/>
             </a:endParaRPr>
           </a:p>
         </p:txBody>
@@ -2250,7 +2108,7 @@
       </p:grpSpPr>
       <p:sp>
         <p:nvSpPr>
-          <p:cNvPr id="9" name="PlaceHolder 1"/>
+          <p:cNvPr id="6" name="PlaceHolder 1"/>
           <p:cNvSpPr>
             <a:spLocks noGrp="1"/>
           </p:cNvSpPr>
@@ -2260,8 +2118,8 @@
         </p:nvSpPr>
         <p:spPr>
           <a:xfrm>
-            <a:off x="457200" y="274680"/>
-            <a:ext cx="8229240" cy="1142640"/>
+            <a:off x="457200" y="273600"/>
+            <a:ext cx="8229240" cy="1144800"/>
           </a:xfrm>
           <a:prstGeom prst="rect">
             <a:avLst/>
@@ -2272,18 +2130,16 @@
             <a:spAutoFit/>
           </a:bodyPr>
           <a:p>
-            <a:endParaRPr b="0" lang="pl-PL" sz="1800" spc="-1" strike="noStrike">
-              <a:solidFill>
-                <a:srgbClr val="000000"/>
-              </a:solidFill>
-              <a:latin typeface="Calibri"/>
-            </a:endParaRPr>
-          </a:p>
-        </p:txBody>
-      </p:sp>
-      <p:sp>
-        <p:nvSpPr>
-          <p:cNvPr id="10" name="PlaceHolder 2"/>
+            <a:pPr algn="ctr"/>
+            <a:endParaRPr b="0" lang="en-GB" sz="4400" spc="-1" strike="noStrike">
+              <a:latin typeface="Arial"/>
+            </a:endParaRPr>
+          </a:p>
+        </p:txBody>
+      </p:sp>
+      <p:sp>
+        <p:nvSpPr>
+          <p:cNvPr id="7" name="PlaceHolder 2"/>
           <p:cNvSpPr>
             <a:spLocks noGrp="1"/>
           </p:cNvSpPr>
@@ -2293,8 +2149,8 @@
         </p:nvSpPr>
         <p:spPr>
           <a:xfrm>
-            <a:off x="457200" y="1600200"/>
-            <a:ext cx="4015800" cy="4525560"/>
+            <a:off x="457200" y="1604520"/>
+            <a:ext cx="4015800" cy="3977280"/>
           </a:xfrm>
           <a:prstGeom prst="rect">
             <a:avLst/>
@@ -2305,18 +2161,15 @@
             <a:normAutofit/>
           </a:bodyPr>
           <a:p>
-            <a:endParaRPr b="0" lang="pl-PL" sz="3200" spc="-1" strike="noStrike">
-              <a:solidFill>
-                <a:srgbClr val="000000"/>
-              </a:solidFill>
-              <a:latin typeface="Calibri"/>
-            </a:endParaRPr>
-          </a:p>
-        </p:txBody>
-      </p:sp>
-      <p:sp>
-        <p:nvSpPr>
-          <p:cNvPr id="11" name="PlaceHolder 3"/>
+            <a:endParaRPr b="0" lang="en-GB" sz="3200" spc="-1" strike="noStrike">
+              <a:latin typeface="Arial"/>
+            </a:endParaRPr>
+          </a:p>
+        </p:txBody>
+      </p:sp>
+      <p:sp>
+        <p:nvSpPr>
+          <p:cNvPr id="8" name="PlaceHolder 3"/>
           <p:cNvSpPr>
             <a:spLocks noGrp="1"/>
           </p:cNvSpPr>
@@ -2326,8 +2179,8 @@
         </p:nvSpPr>
         <p:spPr>
           <a:xfrm>
-            <a:off x="4674240" y="1600200"/>
-            <a:ext cx="4015800" cy="4525560"/>
+            <a:off x="4674240" y="1604520"/>
+            <a:ext cx="4015800" cy="3977280"/>
           </a:xfrm>
           <a:prstGeom prst="rect">
             <a:avLst/>
@@ -2338,11 +2191,8 @@
             <a:normAutofit/>
           </a:bodyPr>
           <a:p>
-            <a:endParaRPr b="0" lang="pl-PL" sz="3200" spc="-1" strike="noStrike">
-              <a:solidFill>
-                <a:srgbClr val="000000"/>
-              </a:solidFill>
-              <a:latin typeface="Calibri"/>
+            <a:endParaRPr b="0" lang="en-GB" sz="3200" spc="-1" strike="noStrike">
+              <a:latin typeface="Arial"/>
             </a:endParaRPr>
           </a:p>
         </p:txBody>
@@ -2371,7 +2221,7 @@
       </p:grpSpPr>
       <p:sp>
         <p:nvSpPr>
-          <p:cNvPr id="12" name="PlaceHolder 1"/>
+          <p:cNvPr id="9" name="PlaceHolder 1"/>
           <p:cNvSpPr>
             <a:spLocks noGrp="1"/>
           </p:cNvSpPr>
@@ -2381,8 +2231,8 @@
         </p:nvSpPr>
         <p:spPr>
           <a:xfrm>
-            <a:off x="457200" y="274680"/>
-            <a:ext cx="8229240" cy="1142640"/>
+            <a:off x="457200" y="273600"/>
+            <a:ext cx="8229240" cy="1144800"/>
           </a:xfrm>
           <a:prstGeom prst="rect">
             <a:avLst/>
@@ -2393,11 +2243,9 @@
             <a:spAutoFit/>
           </a:bodyPr>
           <a:p>
-            <a:endParaRPr b="0" lang="pl-PL" sz="1800" spc="-1" strike="noStrike">
-              <a:solidFill>
-                <a:srgbClr val="000000"/>
-              </a:solidFill>
-              <a:latin typeface="Calibri"/>
+            <a:pPr algn="ctr"/>
+            <a:endParaRPr b="0" lang="en-GB" sz="4400" spc="-1" strike="noStrike">
+              <a:latin typeface="Arial"/>
             </a:endParaRPr>
           </a:p>
         </p:txBody>
@@ -2426,7 +2274,7 @@
       </p:grpSpPr>
       <p:sp>
         <p:nvSpPr>
-          <p:cNvPr id="13" name="PlaceHolder 1"/>
+          <p:cNvPr id="10" name="PlaceHolder 1"/>
           <p:cNvSpPr>
             <a:spLocks noGrp="1"/>
           </p:cNvSpPr>
@@ -2436,8 +2284,8 @@
         </p:nvSpPr>
         <p:spPr>
           <a:xfrm>
-            <a:off x="457200" y="274680"/>
-            <a:ext cx="8229240" cy="5297760"/>
+            <a:off x="457200" y="273600"/>
+            <a:ext cx="8229240" cy="5307840"/>
           </a:xfrm>
           <a:prstGeom prst="rect">
             <a:avLst/>
@@ -2479,7 +2327,7 @@
       </p:grpSpPr>
       <p:sp>
         <p:nvSpPr>
-          <p:cNvPr id="14" name="PlaceHolder 1"/>
+          <p:cNvPr id="11" name="PlaceHolder 1"/>
           <p:cNvSpPr>
             <a:spLocks noGrp="1"/>
           </p:cNvSpPr>
@@ -2489,8 +2337,8 @@
         </p:nvSpPr>
         <p:spPr>
           <a:xfrm>
-            <a:off x="457200" y="274680"/>
-            <a:ext cx="8229240" cy="1142640"/>
+            <a:off x="457200" y="273600"/>
+            <a:ext cx="8229240" cy="1144800"/>
           </a:xfrm>
           <a:prstGeom prst="rect">
             <a:avLst/>
@@ -2501,18 +2349,16 @@
             <a:spAutoFit/>
           </a:bodyPr>
           <a:p>
-            <a:endParaRPr b="0" lang="pl-PL" sz="1800" spc="-1" strike="noStrike">
-              <a:solidFill>
-                <a:srgbClr val="000000"/>
-              </a:solidFill>
-              <a:latin typeface="Calibri"/>
-            </a:endParaRPr>
-          </a:p>
-        </p:txBody>
-      </p:sp>
-      <p:sp>
-        <p:nvSpPr>
-          <p:cNvPr id="15" name="PlaceHolder 2"/>
+            <a:pPr algn="ctr"/>
+            <a:endParaRPr b="0" lang="en-GB" sz="4400" spc="-1" strike="noStrike">
+              <a:latin typeface="Arial"/>
+            </a:endParaRPr>
+          </a:p>
+        </p:txBody>
+      </p:sp>
+      <p:sp>
+        <p:nvSpPr>
+          <p:cNvPr id="12" name="PlaceHolder 2"/>
           <p:cNvSpPr>
             <a:spLocks noGrp="1"/>
           </p:cNvSpPr>
@@ -2522,8 +2368,8 @@
         </p:nvSpPr>
         <p:spPr>
           <a:xfrm>
-            <a:off x="457200" y="1600200"/>
-            <a:ext cx="4015800" cy="2158560"/>
+            <a:off x="457200" y="1604520"/>
+            <a:ext cx="4015800" cy="1896840"/>
           </a:xfrm>
           <a:prstGeom prst="rect">
             <a:avLst/>
@@ -2534,18 +2380,15 @@
             <a:normAutofit/>
           </a:bodyPr>
           <a:p>
-            <a:endParaRPr b="0" lang="pl-PL" sz="3200" spc="-1" strike="noStrike">
-              <a:solidFill>
-                <a:srgbClr val="000000"/>
-              </a:solidFill>
-              <a:latin typeface="Calibri"/>
-            </a:endParaRPr>
-          </a:p>
-        </p:txBody>
-      </p:sp>
-      <p:sp>
-        <p:nvSpPr>
-          <p:cNvPr id="16" name="PlaceHolder 3"/>
+            <a:endParaRPr b="0" lang="en-GB" sz="3200" spc="-1" strike="noStrike">
+              <a:latin typeface="Arial"/>
+            </a:endParaRPr>
+          </a:p>
+        </p:txBody>
+      </p:sp>
+      <p:sp>
+        <p:nvSpPr>
+          <p:cNvPr id="13" name="PlaceHolder 3"/>
           <p:cNvSpPr>
             <a:spLocks noGrp="1"/>
           </p:cNvSpPr>
@@ -2555,8 +2398,8 @@
         </p:nvSpPr>
         <p:spPr>
           <a:xfrm>
-            <a:off x="4674240" y="1600200"/>
-            <a:ext cx="4015800" cy="4525560"/>
+            <a:off x="4674240" y="1604520"/>
+            <a:ext cx="4015800" cy="3977280"/>
           </a:xfrm>
           <a:prstGeom prst="rect">
             <a:avLst/>
@@ -2567,18 +2410,15 @@
             <a:normAutofit/>
           </a:bodyPr>
           <a:p>
-            <a:endParaRPr b="0" lang="pl-PL" sz="3200" spc="-1" strike="noStrike">
-              <a:solidFill>
-                <a:srgbClr val="000000"/>
-              </a:solidFill>
-              <a:latin typeface="Calibri"/>
-            </a:endParaRPr>
-          </a:p>
-        </p:txBody>
-      </p:sp>
-      <p:sp>
-        <p:nvSpPr>
-          <p:cNvPr id="17" name="PlaceHolder 4"/>
+            <a:endParaRPr b="0" lang="en-GB" sz="3200" spc="-1" strike="noStrike">
+              <a:latin typeface="Arial"/>
+            </a:endParaRPr>
+          </a:p>
+        </p:txBody>
+      </p:sp>
+      <p:sp>
+        <p:nvSpPr>
+          <p:cNvPr id="14" name="PlaceHolder 4"/>
           <p:cNvSpPr>
             <a:spLocks noGrp="1"/>
           </p:cNvSpPr>
@@ -2588,8 +2428,8 @@
         </p:nvSpPr>
         <p:spPr>
           <a:xfrm>
-            <a:off x="457200" y="3964320"/>
-            <a:ext cx="4015800" cy="2158560"/>
+            <a:off x="457200" y="3682080"/>
+            <a:ext cx="4015800" cy="1896840"/>
           </a:xfrm>
           <a:prstGeom prst="rect">
             <a:avLst/>
@@ -2600,11 +2440,8 @@
             <a:normAutofit/>
           </a:bodyPr>
           <a:p>
-            <a:endParaRPr b="0" lang="pl-PL" sz="3200" spc="-1" strike="noStrike">
-              <a:solidFill>
-                <a:srgbClr val="000000"/>
-              </a:solidFill>
-              <a:latin typeface="Calibri"/>
+            <a:endParaRPr b="0" lang="en-GB" sz="3200" spc="-1" strike="noStrike">
+              <a:latin typeface="Arial"/>
             </a:endParaRPr>
           </a:p>
         </p:txBody>
@@ -2633,7 +2470,7 @@
       </p:grpSpPr>
       <p:sp>
         <p:nvSpPr>
-          <p:cNvPr id="18" name="PlaceHolder 1"/>
+          <p:cNvPr id="15" name="PlaceHolder 1"/>
           <p:cNvSpPr>
             <a:spLocks noGrp="1"/>
           </p:cNvSpPr>
@@ -2643,8 +2480,8 @@
         </p:nvSpPr>
         <p:spPr>
           <a:xfrm>
-            <a:off x="457200" y="274680"/>
-            <a:ext cx="8229240" cy="1142640"/>
+            <a:off x="457200" y="273600"/>
+            <a:ext cx="8229240" cy="1144800"/>
           </a:xfrm>
           <a:prstGeom prst="rect">
             <a:avLst/>
@@ -2655,18 +2492,16 @@
             <a:spAutoFit/>
           </a:bodyPr>
           <a:p>
-            <a:endParaRPr b="0" lang="pl-PL" sz="1800" spc="-1" strike="noStrike">
-              <a:solidFill>
-                <a:srgbClr val="000000"/>
-              </a:solidFill>
-              <a:latin typeface="Calibri"/>
-            </a:endParaRPr>
-          </a:p>
-        </p:txBody>
-      </p:sp>
-      <p:sp>
-        <p:nvSpPr>
-          <p:cNvPr id="19" name="PlaceHolder 2"/>
+            <a:pPr algn="ctr"/>
+            <a:endParaRPr b="0" lang="en-GB" sz="4400" spc="-1" strike="noStrike">
+              <a:latin typeface="Arial"/>
+            </a:endParaRPr>
+          </a:p>
+        </p:txBody>
+      </p:sp>
+      <p:sp>
+        <p:nvSpPr>
+          <p:cNvPr id="16" name="PlaceHolder 2"/>
           <p:cNvSpPr>
             <a:spLocks noGrp="1"/>
           </p:cNvSpPr>
@@ -2676,8 +2511,8 @@
         </p:nvSpPr>
         <p:spPr>
           <a:xfrm>
-            <a:off x="457200" y="1600200"/>
-            <a:ext cx="4015800" cy="4525560"/>
+            <a:off x="457200" y="1604520"/>
+            <a:ext cx="4015800" cy="3977280"/>
           </a:xfrm>
           <a:prstGeom prst="rect">
             <a:avLst/>
@@ -2688,18 +2523,15 @@
             <a:normAutofit/>
           </a:bodyPr>
           <a:p>
-            <a:endParaRPr b="0" lang="pl-PL" sz="3200" spc="-1" strike="noStrike">
-              <a:solidFill>
-                <a:srgbClr val="000000"/>
-              </a:solidFill>
-              <a:latin typeface="Calibri"/>
-            </a:endParaRPr>
-          </a:p>
-        </p:txBody>
-      </p:sp>
-      <p:sp>
-        <p:nvSpPr>
-          <p:cNvPr id="20" name="PlaceHolder 3"/>
+            <a:endParaRPr b="0" lang="en-GB" sz="3200" spc="-1" strike="noStrike">
+              <a:latin typeface="Arial"/>
+            </a:endParaRPr>
+          </a:p>
+        </p:txBody>
+      </p:sp>
+      <p:sp>
+        <p:nvSpPr>
+          <p:cNvPr id="17" name="PlaceHolder 3"/>
           <p:cNvSpPr>
             <a:spLocks noGrp="1"/>
           </p:cNvSpPr>
@@ -2709,8 +2541,8 @@
         </p:nvSpPr>
         <p:spPr>
           <a:xfrm>
-            <a:off x="4674240" y="1600200"/>
-            <a:ext cx="4015800" cy="2158560"/>
+            <a:off x="4674240" y="1604520"/>
+            <a:ext cx="4015800" cy="1896840"/>
           </a:xfrm>
           <a:prstGeom prst="rect">
             <a:avLst/>
@@ -2721,18 +2553,15 @@
             <a:normAutofit/>
           </a:bodyPr>
           <a:p>
-            <a:endParaRPr b="0" lang="pl-PL" sz="3200" spc="-1" strike="noStrike">
-              <a:solidFill>
-                <a:srgbClr val="000000"/>
-              </a:solidFill>
-              <a:latin typeface="Calibri"/>
-            </a:endParaRPr>
-          </a:p>
-        </p:txBody>
-      </p:sp>
-      <p:sp>
-        <p:nvSpPr>
-          <p:cNvPr id="21" name="PlaceHolder 4"/>
+            <a:endParaRPr b="0" lang="en-GB" sz="3200" spc="-1" strike="noStrike">
+              <a:latin typeface="Arial"/>
+            </a:endParaRPr>
+          </a:p>
+        </p:txBody>
+      </p:sp>
+      <p:sp>
+        <p:nvSpPr>
+          <p:cNvPr id="18" name="PlaceHolder 4"/>
           <p:cNvSpPr>
             <a:spLocks noGrp="1"/>
           </p:cNvSpPr>
@@ -2742,8 +2571,8 @@
         </p:nvSpPr>
         <p:spPr>
           <a:xfrm>
-            <a:off x="4674240" y="3964320"/>
-            <a:ext cx="4015800" cy="2158560"/>
+            <a:off x="4674240" y="3682080"/>
+            <a:ext cx="4015800" cy="1896840"/>
           </a:xfrm>
           <a:prstGeom prst="rect">
             <a:avLst/>
@@ -2754,11 +2583,8 @@
             <a:normAutofit/>
           </a:bodyPr>
           <a:p>
-            <a:endParaRPr b="0" lang="pl-PL" sz="3200" spc="-1" strike="noStrike">
-              <a:solidFill>
-                <a:srgbClr val="000000"/>
-              </a:solidFill>
-              <a:latin typeface="Calibri"/>
+            <a:endParaRPr b="0" lang="en-GB" sz="3200" spc="-1" strike="noStrike">
+              <a:latin typeface="Arial"/>
             </a:endParaRPr>
           </a:p>
         </p:txBody>
@@ -2787,7 +2613,7 @@
       </p:grpSpPr>
       <p:sp>
         <p:nvSpPr>
-          <p:cNvPr id="22" name="PlaceHolder 1"/>
+          <p:cNvPr id="19" name="PlaceHolder 1"/>
           <p:cNvSpPr>
             <a:spLocks noGrp="1"/>
           </p:cNvSpPr>
@@ -2797,8 +2623,8 @@
         </p:nvSpPr>
         <p:spPr>
           <a:xfrm>
-            <a:off x="457200" y="274680"/>
-            <a:ext cx="8229240" cy="1142640"/>
+            <a:off x="457200" y="273600"/>
+            <a:ext cx="8229240" cy="1144800"/>
           </a:xfrm>
           <a:prstGeom prst="rect">
             <a:avLst/>
@@ -2809,18 +2635,16 @@
             <a:spAutoFit/>
           </a:bodyPr>
           <a:p>
-            <a:endParaRPr b="0" lang="pl-PL" sz="1800" spc="-1" strike="noStrike">
-              <a:solidFill>
-                <a:srgbClr val="000000"/>
-              </a:solidFill>
-              <a:latin typeface="Calibri"/>
-            </a:endParaRPr>
-          </a:p>
-        </p:txBody>
-      </p:sp>
-      <p:sp>
-        <p:nvSpPr>
-          <p:cNvPr id="23" name="PlaceHolder 2"/>
+            <a:pPr algn="ctr"/>
+            <a:endParaRPr b="0" lang="en-GB" sz="4400" spc="-1" strike="noStrike">
+              <a:latin typeface="Arial"/>
+            </a:endParaRPr>
+          </a:p>
+        </p:txBody>
+      </p:sp>
+      <p:sp>
+        <p:nvSpPr>
+          <p:cNvPr id="20" name="PlaceHolder 2"/>
           <p:cNvSpPr>
             <a:spLocks noGrp="1"/>
           </p:cNvSpPr>
@@ -2830,8 +2654,8 @@
         </p:nvSpPr>
         <p:spPr>
           <a:xfrm>
-            <a:off x="457200" y="1600200"/>
-            <a:ext cx="4015800" cy="2158560"/>
+            <a:off x="457200" y="1604520"/>
+            <a:ext cx="4015800" cy="1896840"/>
           </a:xfrm>
           <a:prstGeom prst="rect">
             <a:avLst/>
@@ -2842,18 +2666,15 @@
             <a:normAutofit/>
           </a:bodyPr>
           <a:p>
-            <a:endParaRPr b="0" lang="pl-PL" sz="3200" spc="-1" strike="noStrike">
-              <a:solidFill>
-                <a:srgbClr val="000000"/>
-              </a:solidFill>
-              <a:latin typeface="Calibri"/>
-            </a:endParaRPr>
-          </a:p>
-        </p:txBody>
-      </p:sp>
-      <p:sp>
-        <p:nvSpPr>
-          <p:cNvPr id="24" name="PlaceHolder 3"/>
+            <a:endParaRPr b="0" lang="en-GB" sz="3200" spc="-1" strike="noStrike">
+              <a:latin typeface="Arial"/>
+            </a:endParaRPr>
+          </a:p>
+        </p:txBody>
+      </p:sp>
+      <p:sp>
+        <p:nvSpPr>
+          <p:cNvPr id="21" name="PlaceHolder 3"/>
           <p:cNvSpPr>
             <a:spLocks noGrp="1"/>
           </p:cNvSpPr>
@@ -2863,8 +2684,8 @@
         </p:nvSpPr>
         <p:spPr>
           <a:xfrm>
-            <a:off x="4674240" y="1600200"/>
-            <a:ext cx="4015800" cy="2158560"/>
+            <a:off x="4674240" y="1604520"/>
+            <a:ext cx="4015800" cy="1896840"/>
           </a:xfrm>
           <a:prstGeom prst="rect">
             <a:avLst/>
@@ -2875,18 +2696,15 @@
             <a:normAutofit/>
           </a:bodyPr>
           <a:p>
-            <a:endParaRPr b="0" lang="pl-PL" sz="3200" spc="-1" strike="noStrike">
-              <a:solidFill>
-                <a:srgbClr val="000000"/>
-              </a:solidFill>
-              <a:latin typeface="Calibri"/>
-            </a:endParaRPr>
-          </a:p>
-        </p:txBody>
-      </p:sp>
-      <p:sp>
-        <p:nvSpPr>
-          <p:cNvPr id="25" name="PlaceHolder 4"/>
+            <a:endParaRPr b="0" lang="en-GB" sz="3200" spc="-1" strike="noStrike">
+              <a:latin typeface="Arial"/>
+            </a:endParaRPr>
+          </a:p>
+        </p:txBody>
+      </p:sp>
+      <p:sp>
+        <p:nvSpPr>
+          <p:cNvPr id="22" name="PlaceHolder 4"/>
           <p:cNvSpPr>
             <a:spLocks noGrp="1"/>
           </p:cNvSpPr>
@@ -2896,8 +2714,8 @@
         </p:nvSpPr>
         <p:spPr>
           <a:xfrm>
-            <a:off x="457200" y="3964320"/>
-            <a:ext cx="8229240" cy="2158560"/>
+            <a:off x="457200" y="3682080"/>
+            <a:ext cx="8229240" cy="1896840"/>
           </a:xfrm>
           <a:prstGeom prst="rect">
             <a:avLst/>
@@ -2908,11 +2726,8 @@
             <a:normAutofit/>
           </a:bodyPr>
           <a:p>
-            <a:endParaRPr b="0" lang="pl-PL" sz="3200" spc="-1" strike="noStrike">
-              <a:solidFill>
-                <a:srgbClr val="000000"/>
-              </a:solidFill>
-              <a:latin typeface="Calibri"/>
+            <a:endParaRPr b="0" lang="en-GB" sz="3200" spc="-1" strike="noStrike">
+              <a:latin typeface="Arial"/>
             </a:endParaRPr>
           </a:p>
         </p:txBody>
@@ -2961,37 +2776,26 @@
         </p:nvSpPr>
         <p:spPr>
           <a:xfrm>
-            <a:off x="685800" y="2130480"/>
-            <a:ext cx="7772040" cy="1469520"/>
-          </a:xfrm>
-          <a:prstGeom prst="rect">
-            <a:avLst/>
-          </a:prstGeom>
-        </p:spPr>
-        <p:txBody>
-          <a:bodyPr anchor="ctr">
-            <a:noAutofit/>
-          </a:bodyPr>
-          <a:p>
-            <a:pPr algn="ctr">
-              <a:lnSpc>
-                <a:spcPct val="100000"/>
-              </a:lnSpc>
-            </a:pPr>
-            <a:r>
-              <a:rPr b="0" lang="pl-PL" sz="4400" spc="-1" strike="noStrike">
-                <a:solidFill>
-                  <a:srgbClr val="000000"/>
-                </a:solidFill>
-                <a:latin typeface="Calibri"/>
-              </a:rPr>
-              <a:t>Kliknij, aby edytować styl</a:t>
-            </a:r>
-            <a:endParaRPr b="0" lang="pl-PL" sz="4400" spc="-1" strike="noStrike">
-              <a:solidFill>
-                <a:srgbClr val="000000"/>
-              </a:solidFill>
-              <a:latin typeface="Calibri"/>
+            <a:off x="457200" y="273240"/>
+            <a:ext cx="8228880" cy="1145160"/>
+          </a:xfrm>
+          <a:prstGeom prst="rect">
+            <a:avLst/>
+          </a:prstGeom>
+        </p:spPr>
+        <p:txBody>
+          <a:bodyPr lIns="0" rIns="0" tIns="0" bIns="0" anchor="ctr">
+            <a:spAutoFit/>
+          </a:bodyPr>
+          <a:p>
+            <a:r>
+              <a:rPr b="0" lang="en-GB" sz="1800" spc="-1" strike="noStrike">
+                <a:latin typeface="Arial"/>
+              </a:rPr>
+              <a:t>Click to edit the title text format</a:t>
+            </a:r>
+            <a:endParaRPr b="0" lang="en-GB" sz="1800" spc="-1" strike="noStrike">
+              <a:latin typeface="Arial"/>
             </a:endParaRPr>
           </a:p>
         </p:txBody>
@@ -2999,124 +2803,6 @@
       <p:sp>
         <p:nvSpPr>
           <p:cNvPr id="1" name="PlaceHolder 2"/>
-          <p:cNvSpPr>
-            <a:spLocks noGrp="1"/>
-          </p:cNvSpPr>
-          <p:nvPr>
-            <p:ph type="dt"/>
-          </p:nvPr>
-        </p:nvSpPr>
-        <p:spPr>
-          <a:xfrm>
-            <a:off x="457200" y="6356520"/>
-            <a:ext cx="2133360" cy="364680"/>
-          </a:xfrm>
-          <a:prstGeom prst="rect">
-            <a:avLst/>
-          </a:prstGeom>
-        </p:spPr>
-        <p:txBody>
-          <a:bodyPr anchor="ctr">
-            <a:noAutofit/>
-          </a:bodyPr>
-          <a:p>
-            <a:pPr>
-              <a:lnSpc>
-                <a:spcPct val="100000"/>
-              </a:lnSpc>
-            </a:pPr>
-            <a:fld id="{165FEB53-38AD-4CC0-B625-DF3004B7AC16}" type="datetime">
-              <a:rPr b="0" lang="en-GB" sz="1200" spc="-1" strike="noStrike">
-                <a:solidFill>
-                  <a:srgbClr val="8b8b8b"/>
-                </a:solidFill>
-                <a:latin typeface="Calibri"/>
-              </a:rPr>
-              <a:t>06/05/20</a:t>
-            </a:fld>
-            <a:endParaRPr b="0" lang="en-GB" sz="1200" spc="-1" strike="noStrike">
-              <a:latin typeface="Times New Roman"/>
-            </a:endParaRPr>
-          </a:p>
-        </p:txBody>
-      </p:sp>
-      <p:sp>
-        <p:nvSpPr>
-          <p:cNvPr id="2" name="PlaceHolder 3"/>
-          <p:cNvSpPr>
-            <a:spLocks noGrp="1"/>
-          </p:cNvSpPr>
-          <p:nvPr>
-            <p:ph type="ftr"/>
-          </p:nvPr>
-        </p:nvSpPr>
-        <p:spPr>
-          <a:xfrm>
-            <a:off x="3124080" y="6356520"/>
-            <a:ext cx="2895120" cy="364680"/>
-          </a:xfrm>
-          <a:prstGeom prst="rect">
-            <a:avLst/>
-          </a:prstGeom>
-        </p:spPr>
-        <p:txBody>
-          <a:bodyPr anchor="ctr">
-            <a:noAutofit/>
-          </a:bodyPr>
-          <a:p>
-            <a:endParaRPr b="0" lang="en-GB" sz="2400" spc="-1" strike="noStrike">
-              <a:latin typeface="Times New Roman"/>
-            </a:endParaRPr>
-          </a:p>
-        </p:txBody>
-      </p:sp>
-      <p:sp>
-        <p:nvSpPr>
-          <p:cNvPr id="3" name="PlaceHolder 4"/>
-          <p:cNvSpPr>
-            <a:spLocks noGrp="1"/>
-          </p:cNvSpPr>
-          <p:nvPr>
-            <p:ph type="sldNum"/>
-          </p:nvPr>
-        </p:nvSpPr>
-        <p:spPr>
-          <a:xfrm>
-            <a:off x="6553080" y="6356520"/>
-            <a:ext cx="2133360" cy="364680"/>
-          </a:xfrm>
-          <a:prstGeom prst="rect">
-            <a:avLst/>
-          </a:prstGeom>
-        </p:spPr>
-        <p:txBody>
-          <a:bodyPr anchor="ctr">
-            <a:noAutofit/>
-          </a:bodyPr>
-          <a:p>
-            <a:pPr algn="r">
-              <a:lnSpc>
-                <a:spcPct val="100000"/>
-              </a:lnSpc>
-            </a:pPr>
-            <a:fld id="{C3EFE829-F8BC-4C30-97C1-607C97A53772}" type="slidenum">
-              <a:rPr b="0" lang="en-GB" sz="1200" spc="-1" strike="noStrike">
-                <a:solidFill>
-                  <a:srgbClr val="8b8b8b"/>
-                </a:solidFill>
-                <a:latin typeface="Calibri"/>
-              </a:rPr>
-              <a:t>&lt;number&gt;</a:t>
-            </a:fld>
-            <a:endParaRPr b="0" lang="en-GB" sz="1200" spc="-1" strike="noStrike">
-              <a:latin typeface="Times New Roman"/>
-            </a:endParaRPr>
-          </a:p>
-        </p:txBody>
-      </p:sp>
-      <p:sp>
-        <p:nvSpPr>
-          <p:cNvPr id="4" name="PlaceHolder 5"/>
           <p:cNvSpPr>
             <a:spLocks noGrp="1"/>
           </p:cNvSpPr>
@@ -3150,19 +2836,13 @@
               <a:buChar char=""/>
             </a:pPr>
             <a:r>
-              <a:rPr b="0" lang="pl-PL" sz="3200" spc="-1" strike="noStrike">
-                <a:solidFill>
-                  <a:srgbClr val="000000"/>
-                </a:solidFill>
-                <a:latin typeface="Calibri"/>
+              <a:rPr b="0" lang="en-GB" sz="3200" spc="-1" strike="noStrike">
+                <a:latin typeface="Arial"/>
               </a:rPr>
               <a:t>Click to edit the outline text format</a:t>
             </a:r>
-            <a:endParaRPr b="0" lang="pl-PL" sz="3200" spc="-1" strike="noStrike">
-              <a:solidFill>
-                <a:srgbClr val="000000"/>
-              </a:solidFill>
-              <a:latin typeface="Calibri"/>
+            <a:endParaRPr b="0" lang="en-GB" sz="3200" spc="-1" strike="noStrike">
+              <a:latin typeface="Arial"/>
             </a:endParaRPr>
           </a:p>
           <a:p>
@@ -3178,19 +2858,13 @@
               <a:buChar char=""/>
             </a:pPr>
             <a:r>
-              <a:rPr b="0" lang="pl-PL" sz="2400" spc="-1" strike="noStrike">
-                <a:solidFill>
-                  <a:srgbClr val="000000"/>
-                </a:solidFill>
-                <a:latin typeface="Calibri"/>
+              <a:rPr b="0" lang="en-GB" sz="2800" spc="-1" strike="noStrike">
+                <a:latin typeface="Arial"/>
               </a:rPr>
               <a:t>Second Outline Level</a:t>
             </a:r>
-            <a:endParaRPr b="0" lang="pl-PL" sz="2400" spc="-1" strike="noStrike">
-              <a:solidFill>
-                <a:srgbClr val="000000"/>
-              </a:solidFill>
-              <a:latin typeface="Calibri"/>
+            <a:endParaRPr b="0" lang="en-GB" sz="2800" spc="-1" strike="noStrike">
+              <a:latin typeface="Arial"/>
             </a:endParaRPr>
           </a:p>
           <a:p>
@@ -3206,19 +2880,13 @@
               <a:buChar char=""/>
             </a:pPr>
             <a:r>
-              <a:rPr b="0" lang="pl-PL" sz="2000" spc="-1" strike="noStrike">
-                <a:solidFill>
-                  <a:srgbClr val="000000"/>
-                </a:solidFill>
-                <a:latin typeface="Calibri"/>
+              <a:rPr b="0" lang="en-GB" sz="2400" spc="-1" strike="noStrike">
+                <a:latin typeface="Arial"/>
               </a:rPr>
               <a:t>Third Outline Level</a:t>
             </a:r>
-            <a:endParaRPr b="0" lang="pl-PL" sz="2000" spc="-1" strike="noStrike">
-              <a:solidFill>
-                <a:srgbClr val="000000"/>
-              </a:solidFill>
-              <a:latin typeface="Calibri"/>
+            <a:endParaRPr b="0" lang="en-GB" sz="2400" spc="-1" strike="noStrike">
+              <a:latin typeface="Arial"/>
             </a:endParaRPr>
           </a:p>
           <a:p>
@@ -3234,19 +2902,13 @@
               <a:buChar char=""/>
             </a:pPr>
             <a:r>
-              <a:rPr b="0" lang="pl-PL" sz="2000" spc="-1" strike="noStrike">
-                <a:solidFill>
-                  <a:srgbClr val="000000"/>
-                </a:solidFill>
-                <a:latin typeface="Calibri"/>
+              <a:rPr b="0" lang="en-GB" sz="2000" spc="-1" strike="noStrike">
+                <a:latin typeface="Arial"/>
               </a:rPr>
               <a:t>Fourth Outline Level</a:t>
             </a:r>
-            <a:endParaRPr b="0" lang="pl-PL" sz="2000" spc="-1" strike="noStrike">
-              <a:solidFill>
-                <a:srgbClr val="000000"/>
-              </a:solidFill>
-              <a:latin typeface="Calibri"/>
+            <a:endParaRPr b="0" lang="en-GB" sz="2000" spc="-1" strike="noStrike">
+              <a:latin typeface="Arial"/>
             </a:endParaRPr>
           </a:p>
           <a:p>
@@ -3262,19 +2924,13 @@
               <a:buChar char=""/>
             </a:pPr>
             <a:r>
-              <a:rPr b="0" lang="pl-PL" sz="2000" spc="-1" strike="noStrike">
-                <a:solidFill>
-                  <a:srgbClr val="000000"/>
-                </a:solidFill>
-                <a:latin typeface="Calibri"/>
+              <a:rPr b="0" lang="en-GB" sz="2000" spc="-1" strike="noStrike">
+                <a:latin typeface="Arial"/>
               </a:rPr>
               <a:t>Fifth Outline Level</a:t>
             </a:r>
-            <a:endParaRPr b="0" lang="pl-PL" sz="2000" spc="-1" strike="noStrike">
-              <a:solidFill>
-                <a:srgbClr val="000000"/>
-              </a:solidFill>
-              <a:latin typeface="Calibri"/>
+            <a:endParaRPr b="0" lang="en-GB" sz="2000" spc="-1" strike="noStrike">
+              <a:latin typeface="Arial"/>
             </a:endParaRPr>
           </a:p>
           <a:p>
@@ -3290,19 +2946,13 @@
               <a:buChar char=""/>
             </a:pPr>
             <a:r>
-              <a:rPr b="0" lang="pl-PL" sz="2000" spc="-1" strike="noStrike">
-                <a:solidFill>
-                  <a:srgbClr val="000000"/>
-                </a:solidFill>
-                <a:latin typeface="Calibri"/>
+              <a:rPr b="0" lang="en-GB" sz="2000" spc="-1" strike="noStrike">
+                <a:latin typeface="Arial"/>
               </a:rPr>
               <a:t>Sixth Outline Level</a:t>
             </a:r>
-            <a:endParaRPr b="0" lang="pl-PL" sz="2000" spc="-1" strike="noStrike">
-              <a:solidFill>
-                <a:srgbClr val="000000"/>
-              </a:solidFill>
-              <a:latin typeface="Calibri"/>
+            <a:endParaRPr b="0" lang="en-GB" sz="2000" spc="-1" strike="noStrike">
+              <a:latin typeface="Arial"/>
             </a:endParaRPr>
           </a:p>
           <a:p>
@@ -3318,19 +2968,13 @@
               <a:buChar char=""/>
             </a:pPr>
             <a:r>
-              <a:rPr b="0" lang="pl-PL" sz="2000" spc="-1" strike="noStrike">
-                <a:solidFill>
-                  <a:srgbClr val="000000"/>
-                </a:solidFill>
-                <a:latin typeface="Calibri"/>
+              <a:rPr b="0" lang="en-GB" sz="2000" spc="-1" strike="noStrike">
+                <a:latin typeface="Arial"/>
               </a:rPr>
               <a:t>Seventh Outline Level</a:t>
             </a:r>
-            <a:endParaRPr b="0" lang="pl-PL" sz="2000" spc="-1" strike="noStrike">
-              <a:solidFill>
-                <a:srgbClr val="000000"/>
-              </a:solidFill>
-              <a:latin typeface="Calibri"/>
+            <a:endParaRPr b="0" lang="en-GB" sz="2000" spc="-1" strike="noStrike">
+              <a:latin typeface="Arial"/>
             </a:endParaRPr>
           </a:p>
         </p:txBody>
@@ -3384,7 +3028,7 @@
       </p:grpSpPr>
       <p:sp>
         <p:nvSpPr>
-          <p:cNvPr id="41" name="PlaceHolder 1"/>
+          <p:cNvPr id="38" name="PlaceHolder 1"/>
           <p:cNvSpPr>
             <a:spLocks noGrp="1"/>
           </p:cNvSpPr>
@@ -3394,44 +3038,34 @@
         </p:nvSpPr>
         <p:spPr>
           <a:xfrm>
-            <a:off x="457200" y="274680"/>
-            <a:ext cx="8229240" cy="1142640"/>
-          </a:xfrm>
-          <a:prstGeom prst="rect">
-            <a:avLst/>
-          </a:prstGeom>
-        </p:spPr>
-        <p:txBody>
-          <a:bodyPr anchor="ctr">
+            <a:off x="457200" y="273600"/>
+            <a:ext cx="8229240" cy="1144800"/>
+          </a:xfrm>
+          <a:prstGeom prst="rect">
+            <a:avLst/>
+          </a:prstGeom>
+        </p:spPr>
+        <p:txBody>
+          <a:bodyPr lIns="0" rIns="0" tIns="0" bIns="0" anchor="ctr">
             <a:noAutofit/>
           </a:bodyPr>
           <a:p>
-            <a:pPr algn="ctr">
-              <a:lnSpc>
-                <a:spcPct val="100000"/>
-              </a:lnSpc>
-            </a:pPr>
-            <a:r>
-              <a:rPr b="0" lang="pl-PL" sz="4400" spc="-1" strike="noStrike">
-                <a:solidFill>
-                  <a:srgbClr val="000000"/>
-                </a:solidFill>
-                <a:latin typeface="Calibri"/>
-              </a:rPr>
-              <a:t>Kliknij, aby edytować styl</a:t>
-            </a:r>
-            <a:endParaRPr b="0" lang="pl-PL" sz="4400" spc="-1" strike="noStrike">
-              <a:solidFill>
-                <a:srgbClr val="000000"/>
-              </a:solidFill>
-              <a:latin typeface="Calibri"/>
-            </a:endParaRPr>
-          </a:p>
-        </p:txBody>
-      </p:sp>
-      <p:sp>
-        <p:nvSpPr>
-          <p:cNvPr id="42" name="PlaceHolder 2"/>
+            <a:pPr algn="ctr"/>
+            <a:r>
+              <a:rPr b="0" lang="en-GB" sz="4400" spc="-1" strike="noStrike">
+                <a:latin typeface="Arial"/>
+              </a:rPr>
+              <a:t>Click to edit the title text format</a:t>
+            </a:r>
+            <a:endParaRPr b="0" lang="en-GB" sz="4400" spc="-1" strike="noStrike">
+              <a:latin typeface="Arial"/>
+            </a:endParaRPr>
+          </a:p>
+        </p:txBody>
+      </p:sp>
+      <p:sp>
+        <p:nvSpPr>
+          <p:cNvPr id="39" name="PlaceHolder 2"/>
           <p:cNvSpPr>
             <a:spLocks noGrp="1"/>
           </p:cNvSpPr>
@@ -3441,283 +3075,169 @@
         </p:nvSpPr>
         <p:spPr>
           <a:xfrm>
-            <a:off x="457200" y="1600200"/>
-            <a:ext cx="8229240" cy="4525560"/>
-          </a:xfrm>
-          <a:prstGeom prst="rect">
-            <a:avLst/>
-          </a:prstGeom>
-        </p:spPr>
-        <p:txBody>
-          <a:bodyPr>
-            <a:noAutofit/>
-          </a:bodyPr>
-          <a:p>
-            <a:pPr marL="343080" indent="-342720">
-              <a:lnSpc>
-                <a:spcPct val="100000"/>
-              </a:lnSpc>
+            <a:off x="457200" y="1604520"/>
+            <a:ext cx="8229240" cy="3977280"/>
+          </a:xfrm>
+          <a:prstGeom prst="rect">
+            <a:avLst/>
+          </a:prstGeom>
+        </p:spPr>
+        <p:txBody>
+          <a:bodyPr lIns="0" rIns="0" tIns="0" bIns="0">
+            <a:normAutofit/>
+          </a:bodyPr>
+          <a:p>
+            <a:pPr marL="432000" indent="-324000">
               <a:spcBef>
-                <a:spcPts val="641"/>
+                <a:spcPts val="1417"/>
               </a:spcBef>
               <a:buClr>
                 <a:srgbClr val="000000"/>
               </a:buClr>
-              <a:buFont typeface="Arial"/>
-              <a:buChar char="•"/>
+              <a:buSzPct val="45000"/>
+              <a:buFont typeface="Wingdings" charset="2"/>
+              <a:buChar char=""/>
             </a:pPr>
             <a:r>
-              <a:rPr b="0" lang="pl-PL" sz="3200" spc="-1" strike="noStrike">
-                <a:solidFill>
-                  <a:srgbClr val="000000"/>
-                </a:solidFill>
-                <a:latin typeface="Calibri"/>
-              </a:rPr>
-              <a:t>Kliknij, aby edytować style wzorca tekstu</a:t>
-            </a:r>
-            <a:endParaRPr b="0" lang="pl-PL" sz="3200" spc="-1" strike="noStrike">
-              <a:solidFill>
-                <a:srgbClr val="000000"/>
-              </a:solidFill>
-              <a:latin typeface="Calibri"/>
-            </a:endParaRPr>
-          </a:p>
-          <a:p>
-            <a:pPr lvl="1" marL="743040" indent="-285480">
-              <a:lnSpc>
-                <a:spcPct val="100000"/>
-              </a:lnSpc>
+              <a:rPr b="0" lang="en-GB" sz="3200" spc="-1" strike="noStrike">
+                <a:latin typeface="Arial"/>
+              </a:rPr>
+              <a:t>Click to edit the outline text format</a:t>
+            </a:r>
+            <a:endParaRPr b="0" lang="en-GB" sz="3200" spc="-1" strike="noStrike">
+              <a:latin typeface="Arial"/>
+            </a:endParaRPr>
+          </a:p>
+          <a:p>
+            <a:pPr lvl="1" marL="864000" indent="-324000">
               <a:spcBef>
-                <a:spcPts val="561"/>
+                <a:spcPts val="1134"/>
               </a:spcBef>
               <a:buClr>
                 <a:srgbClr val="000000"/>
               </a:buClr>
-              <a:buFont typeface="Arial"/>
-              <a:buChar char="–"/>
+              <a:buSzPct val="75000"/>
+              <a:buFont typeface="Symbol" charset="2"/>
+              <a:buChar char=""/>
             </a:pPr>
             <a:r>
-              <a:rPr b="0" lang="pl-PL" sz="2800" spc="-1" strike="noStrike">
-                <a:solidFill>
-                  <a:srgbClr val="000000"/>
-                </a:solidFill>
-                <a:latin typeface="Calibri"/>
-              </a:rPr>
-              <a:t>Drugi poziom</a:t>
-            </a:r>
-            <a:endParaRPr b="0" lang="pl-PL" sz="2800" spc="-1" strike="noStrike">
-              <a:solidFill>
-                <a:srgbClr val="000000"/>
-              </a:solidFill>
-              <a:latin typeface="Calibri"/>
-            </a:endParaRPr>
-          </a:p>
-          <a:p>
-            <a:pPr lvl="2" marL="1143000" indent="-228240">
-              <a:lnSpc>
-                <a:spcPct val="100000"/>
-              </a:lnSpc>
+              <a:rPr b="0" lang="en-GB" sz="2800" spc="-1" strike="noStrike">
+                <a:latin typeface="Arial"/>
+              </a:rPr>
+              <a:t>Second Outline Level</a:t>
+            </a:r>
+            <a:endParaRPr b="0" lang="en-GB" sz="2800" spc="-1" strike="noStrike">
+              <a:latin typeface="Arial"/>
+            </a:endParaRPr>
+          </a:p>
+          <a:p>
+            <a:pPr lvl="2" marL="1296000" indent="-288000">
               <a:spcBef>
-                <a:spcPts val="479"/>
+                <a:spcPts val="850"/>
               </a:spcBef>
               <a:buClr>
                 <a:srgbClr val="000000"/>
               </a:buClr>
-              <a:buFont typeface="Arial"/>
-              <a:buChar char="•"/>
+              <a:buSzPct val="45000"/>
+              <a:buFont typeface="Wingdings" charset="2"/>
+              <a:buChar char=""/>
             </a:pPr>
             <a:r>
-              <a:rPr b="0" lang="pl-PL" sz="2400" spc="-1" strike="noStrike">
-                <a:solidFill>
-                  <a:srgbClr val="000000"/>
-                </a:solidFill>
-                <a:latin typeface="Calibri"/>
-              </a:rPr>
-              <a:t>Trzeci poziom</a:t>
-            </a:r>
-            <a:endParaRPr b="0" lang="pl-PL" sz="2400" spc="-1" strike="noStrike">
-              <a:solidFill>
-                <a:srgbClr val="000000"/>
-              </a:solidFill>
-              <a:latin typeface="Calibri"/>
-            </a:endParaRPr>
-          </a:p>
-          <a:p>
-            <a:pPr lvl="3" marL="1600200" indent="-228240">
-              <a:lnSpc>
-                <a:spcPct val="100000"/>
-              </a:lnSpc>
+              <a:rPr b="0" lang="en-GB" sz="2400" spc="-1" strike="noStrike">
+                <a:latin typeface="Arial"/>
+              </a:rPr>
+              <a:t>Third Outline Level</a:t>
+            </a:r>
+            <a:endParaRPr b="0" lang="en-GB" sz="2400" spc="-1" strike="noStrike">
+              <a:latin typeface="Arial"/>
+            </a:endParaRPr>
+          </a:p>
+          <a:p>
+            <a:pPr lvl="3" marL="1728000" indent="-216000">
               <a:spcBef>
-                <a:spcPts val="400"/>
+                <a:spcPts val="567"/>
               </a:spcBef>
               <a:buClr>
                 <a:srgbClr val="000000"/>
               </a:buClr>
-              <a:buFont typeface="Arial"/>
-              <a:buChar char="–"/>
+              <a:buSzPct val="75000"/>
+              <a:buFont typeface="Symbol" charset="2"/>
+              <a:buChar char=""/>
             </a:pPr>
             <a:r>
-              <a:rPr b="0" lang="pl-PL" sz="2000" spc="-1" strike="noStrike">
-                <a:solidFill>
-                  <a:srgbClr val="000000"/>
-                </a:solidFill>
-                <a:latin typeface="Calibri"/>
-              </a:rPr>
-              <a:t>Czwarty poziom</a:t>
-            </a:r>
-            <a:endParaRPr b="0" lang="pl-PL" sz="2000" spc="-1" strike="noStrike">
-              <a:solidFill>
-                <a:srgbClr val="000000"/>
-              </a:solidFill>
-              <a:latin typeface="Calibri"/>
-            </a:endParaRPr>
-          </a:p>
-          <a:p>
-            <a:pPr lvl="4" marL="2057400" indent="-228240">
-              <a:lnSpc>
-                <a:spcPct val="100000"/>
-              </a:lnSpc>
+              <a:rPr b="0" lang="en-GB" sz="2000" spc="-1" strike="noStrike">
+                <a:latin typeface="Arial"/>
+              </a:rPr>
+              <a:t>Fourth Outline Level</a:t>
+            </a:r>
+            <a:endParaRPr b="0" lang="en-GB" sz="2000" spc="-1" strike="noStrike">
+              <a:latin typeface="Arial"/>
+            </a:endParaRPr>
+          </a:p>
+          <a:p>
+            <a:pPr lvl="4" marL="2160000" indent="-216000">
               <a:spcBef>
-                <a:spcPts val="400"/>
+                <a:spcPts val="283"/>
               </a:spcBef>
               <a:buClr>
                 <a:srgbClr val="000000"/>
               </a:buClr>
-              <a:buFont typeface="Arial"/>
-              <a:buChar char="»"/>
+              <a:buSzPct val="45000"/>
+              <a:buFont typeface="Wingdings" charset="2"/>
+              <a:buChar char=""/>
             </a:pPr>
             <a:r>
-              <a:rPr b="0" lang="pl-PL" sz="2000" spc="-1" strike="noStrike">
-                <a:solidFill>
-                  <a:srgbClr val="000000"/>
-                </a:solidFill>
-                <a:latin typeface="Calibri"/>
-              </a:rPr>
-              <a:t>Piąty poziom</a:t>
-            </a:r>
-            <a:endParaRPr b="0" lang="pl-PL" sz="2000" spc="-1" strike="noStrike">
-              <a:solidFill>
+              <a:rPr b="0" lang="en-GB" sz="2000" spc="-1" strike="noStrike">
+                <a:latin typeface="Arial"/>
+              </a:rPr>
+              <a:t>Fifth Outline Level</a:t>
+            </a:r>
+            <a:endParaRPr b="0" lang="en-GB" sz="2000" spc="-1" strike="noStrike">
+              <a:latin typeface="Arial"/>
+            </a:endParaRPr>
+          </a:p>
+          <a:p>
+            <a:pPr lvl="5" marL="2592000" indent="-216000">
+              <a:spcBef>
+                <a:spcPts val="283"/>
+              </a:spcBef>
+              <a:buClr>
                 <a:srgbClr val="000000"/>
-              </a:solidFill>
-              <a:latin typeface="Calibri"/>
-            </a:endParaRPr>
-          </a:p>
-        </p:txBody>
-      </p:sp>
-      <p:sp>
-        <p:nvSpPr>
-          <p:cNvPr id="43" name="PlaceHolder 3"/>
-          <p:cNvSpPr>
-            <a:spLocks noGrp="1"/>
-          </p:cNvSpPr>
-          <p:nvPr>
-            <p:ph type="dt"/>
-          </p:nvPr>
-        </p:nvSpPr>
-        <p:spPr>
-          <a:xfrm>
-            <a:off x="457200" y="6356520"/>
-            <a:ext cx="2133360" cy="364680"/>
-          </a:xfrm>
-          <a:prstGeom prst="rect">
-            <a:avLst/>
-          </a:prstGeom>
-        </p:spPr>
-        <p:txBody>
-          <a:bodyPr anchor="ctr">
-            <a:noAutofit/>
-          </a:bodyPr>
-          <a:p>
-            <a:pPr>
-              <a:lnSpc>
-                <a:spcPct val="100000"/>
-              </a:lnSpc>
+              </a:buClr>
+              <a:buSzPct val="45000"/>
+              <a:buFont typeface="Wingdings" charset="2"/>
+              <a:buChar char=""/>
             </a:pPr>
-            <a:fld id="{BE83FBB8-014A-4D39-9A6C-410D7E052F61}" type="datetime">
-              <a:rPr b="0" lang="en-GB" sz="1200" spc="-1" strike="noStrike">
-                <a:solidFill>
-                  <a:srgbClr val="8b8b8b"/>
-                </a:solidFill>
-                <a:latin typeface="Calibri"/>
-              </a:rPr>
-              <a:t>06/05/20</a:t>
-            </a:fld>
-            <a:endParaRPr b="0" lang="en-GB" sz="1200" spc="-1" strike="noStrike">
-              <a:latin typeface="Times New Roman"/>
-            </a:endParaRPr>
-          </a:p>
-        </p:txBody>
-      </p:sp>
-      <p:sp>
-        <p:nvSpPr>
-          <p:cNvPr id="44" name="PlaceHolder 4"/>
-          <p:cNvSpPr>
-            <a:spLocks noGrp="1"/>
-          </p:cNvSpPr>
-          <p:nvPr>
-            <p:ph type="ftr"/>
-          </p:nvPr>
-        </p:nvSpPr>
-        <p:spPr>
-          <a:xfrm>
-            <a:off x="3124080" y="6356520"/>
-            <a:ext cx="2895120" cy="364680"/>
-          </a:xfrm>
-          <a:prstGeom prst="rect">
-            <a:avLst/>
-          </a:prstGeom>
-        </p:spPr>
-        <p:txBody>
-          <a:bodyPr anchor="ctr">
-            <a:noAutofit/>
-          </a:bodyPr>
-          <a:p>
-            <a:endParaRPr b="0" lang="en-GB" sz="2400" spc="-1" strike="noStrike">
-              <a:latin typeface="Times New Roman"/>
-            </a:endParaRPr>
-          </a:p>
-        </p:txBody>
-      </p:sp>
-      <p:sp>
-        <p:nvSpPr>
-          <p:cNvPr id="45" name="PlaceHolder 5"/>
-          <p:cNvSpPr>
-            <a:spLocks noGrp="1"/>
-          </p:cNvSpPr>
-          <p:nvPr>
-            <p:ph type="sldNum"/>
-          </p:nvPr>
-        </p:nvSpPr>
-        <p:spPr>
-          <a:xfrm>
-            <a:off x="6553080" y="6356520"/>
-            <a:ext cx="2133360" cy="364680"/>
-          </a:xfrm>
-          <a:prstGeom prst="rect">
-            <a:avLst/>
-          </a:prstGeom>
-        </p:spPr>
-        <p:txBody>
-          <a:bodyPr anchor="ctr">
-            <a:noAutofit/>
-          </a:bodyPr>
-          <a:p>
-            <a:pPr algn="r">
-              <a:lnSpc>
-                <a:spcPct val="100000"/>
-              </a:lnSpc>
+            <a:r>
+              <a:rPr b="0" lang="en-GB" sz="2000" spc="-1" strike="noStrike">
+                <a:latin typeface="Arial"/>
+              </a:rPr>
+              <a:t>Sixth Outline Level</a:t>
+            </a:r>
+            <a:endParaRPr b="0" lang="en-GB" sz="2000" spc="-1" strike="noStrike">
+              <a:latin typeface="Arial"/>
+            </a:endParaRPr>
+          </a:p>
+          <a:p>
+            <a:pPr lvl="6" marL="3024000" indent="-216000">
+              <a:spcBef>
+                <a:spcPts val="283"/>
+              </a:spcBef>
+              <a:buClr>
+                <a:srgbClr val="000000"/>
+              </a:buClr>
+              <a:buSzPct val="45000"/>
+              <a:buFont typeface="Wingdings" charset="2"/>
+              <a:buChar char=""/>
             </a:pPr>
-            <a:fld id="{63A48BF8-1ADA-4F0C-8410-B2D1F9F854BC}" type="slidenum">
-              <a:rPr b="0" lang="en-GB" sz="1200" spc="-1" strike="noStrike">
-                <a:solidFill>
-                  <a:srgbClr val="8b8b8b"/>
-                </a:solidFill>
-                <a:latin typeface="Calibri"/>
-              </a:rPr>
-              <a:t>1</a:t>
-            </a:fld>
-            <a:endParaRPr b="0" lang="en-GB" sz="1200" spc="-1" strike="noStrike">
-              <a:latin typeface="Times New Roman"/>
+            <a:r>
+              <a:rPr b="0" lang="en-GB" sz="2000" spc="-1" strike="noStrike">
+                <a:latin typeface="Arial"/>
+              </a:rPr>
+              <a:t>Seventh Outline Level</a:t>
+            </a:r>
+            <a:endParaRPr b="0" lang="en-GB" sz="2000" spc="-1" strike="noStrike">
+              <a:latin typeface="Arial"/>
             </a:endParaRPr>
           </a:p>
         </p:txBody>
@@ -3771,14 +3291,14 @@
       </p:grpSpPr>
       <p:sp>
         <p:nvSpPr>
-          <p:cNvPr id="82" name="TextShape 1"/>
-          <p:cNvSpPr txBox="1"/>
+          <p:cNvPr id="76" name="CustomShape 1"/>
+          <p:cNvSpPr/>
           <p:nvPr/>
         </p:nvSpPr>
         <p:spPr>
           <a:xfrm>
             <a:off x="3996000" y="2925000"/>
-            <a:ext cx="4891680" cy="863640"/>
+            <a:ext cx="4891320" cy="863280"/>
           </a:xfrm>
           <a:prstGeom prst="rect">
             <a:avLst/>
@@ -3788,8 +3308,14 @@
             <a:noFill/>
           </a:ln>
         </p:spPr>
-        <p:txBody>
-          <a:bodyPr anchor="ctr">
+        <p:style>
+          <a:lnRef idx="0"/>
+          <a:fillRef idx="0"/>
+          <a:effectRef idx="0"/>
+          <a:fontRef idx="minor"/>
+        </p:style>
+        <p:txBody>
+          <a:bodyPr lIns="90000" rIns="90000" tIns="45000" bIns="45000" anchor="ctr">
             <a:normAutofit fontScale="22000"/>
           </a:bodyPr>
           <a:p>
@@ -3799,7 +3325,7 @@
               </a:lnSpc>
             </a:pPr>
             <a:r>
-              <a:rPr b="0" lang="pl-PL" sz="3600" spc="-1" strike="noStrike">
+              <a:rPr b="0" lang="en-GB" sz="3600" spc="-1" strike="noStrike">
                 <a:solidFill>
                   <a:srgbClr val="ffffff"/>
                 </a:solidFill>
@@ -3807,25 +3333,22 @@
               </a:rPr>
               <a:t>Projekt COVID-19 – aplikacja webowa do importu,  przetwarzania i prezentacji danych.  </a:t>
             </a:r>
-            <a:endParaRPr b="0" lang="pl-PL" sz="3600" spc="-1" strike="noStrike">
-              <a:solidFill>
-                <a:srgbClr val="000000"/>
-              </a:solidFill>
-              <a:latin typeface="Calibri"/>
-            </a:endParaRPr>
-          </a:p>
-        </p:txBody>
-      </p:sp>
-      <p:sp>
-        <p:nvSpPr>
-          <p:cNvPr id="83" name="TextShape 2"/>
-          <p:cNvSpPr txBox="1"/>
+            <a:endParaRPr b="0" lang="en-GB" sz="3600" spc="-1" strike="noStrike">
+              <a:latin typeface="Arial"/>
+            </a:endParaRPr>
+          </a:p>
+        </p:txBody>
+      </p:sp>
+      <p:sp>
+        <p:nvSpPr>
+          <p:cNvPr id="77" name="CustomShape 2"/>
+          <p:cNvSpPr/>
           <p:nvPr/>
         </p:nvSpPr>
         <p:spPr>
           <a:xfrm>
             <a:off x="4428000" y="3861000"/>
-            <a:ext cx="4136040" cy="755640"/>
+            <a:ext cx="4135680" cy="755280"/>
           </a:xfrm>
           <a:prstGeom prst="rect">
             <a:avLst/>
@@ -3835,8 +3358,14 @@
             <a:noFill/>
           </a:ln>
         </p:spPr>
-        <p:txBody>
-          <a:bodyPr>
+        <p:style>
+          <a:lnRef idx="0"/>
+          <a:fillRef idx="0"/>
+          <a:effectRef idx="0"/>
+          <a:fontRef idx="minor"/>
+        </p:style>
+        <p:txBody>
+          <a:bodyPr lIns="90000" rIns="90000" tIns="45000" bIns="45000">
             <a:normAutofit fontScale="54000"/>
           </a:bodyPr>
           <a:p>
@@ -3922,14 +3451,14 @@
       </p:sp>
       <p:sp>
         <p:nvSpPr>
-          <p:cNvPr id="84" name="CustomShape 3"/>
+          <p:cNvPr id="78" name="CustomShape 3"/>
           <p:cNvSpPr/>
           <p:nvPr/>
         </p:nvSpPr>
         <p:spPr>
           <a:xfrm>
             <a:off x="4949640" y="4617000"/>
-            <a:ext cx="2984040" cy="539640"/>
+            <a:ext cx="2983680" cy="539280"/>
           </a:xfrm>
           <a:prstGeom prst="rect">
             <a:avLst/>
@@ -3946,7 +3475,7 @@
           <a:fontRef idx="minor"/>
         </p:style>
         <p:txBody>
-          <a:bodyPr>
+          <a:bodyPr lIns="90000" rIns="90000" tIns="45000" bIns="45000">
             <a:normAutofit fontScale="97000"/>
           </a:bodyPr>
           <a:p>
@@ -3964,6 +3493,7 @@
                   <a:srgbClr val="d9d9d9"/>
                 </a:solidFill>
                 <a:latin typeface="Trebuchet MS"/>
+                <a:ea typeface="DejaVu Sans"/>
               </a:rPr>
               <a:t>Promotor:</a:t>
             </a:r>
@@ -3986,6 +3516,7 @@
                   <a:srgbClr val="d9d9d9"/>
                 </a:solidFill>
                 <a:latin typeface="Trebuchet MS"/>
+                <a:ea typeface="DejaVu Sans"/>
               </a:rPr>
               <a:t>Krzysztof Ziółkowski</a:t>
             </a:r>
@@ -4027,7 +3558,7 @@
       </p:grpSpPr>
       <p:pic>
         <p:nvPicPr>
-          <p:cNvPr id="127" name="Obraz 3" descr=""/>
+          <p:cNvPr id="119" name="Obraz 3" descr=""/>
           <p:cNvPicPr/>
           <p:nvPr/>
         </p:nvPicPr>
@@ -4037,8 +3568,8 @@
         </p:blipFill>
         <p:spPr>
           <a:xfrm>
-            <a:off x="539640" y="2061000"/>
-            <a:ext cx="7452000" cy="3409200"/>
+            <a:off x="539640" y="2277000"/>
+            <a:ext cx="7379640" cy="3376080"/>
           </a:xfrm>
           <a:prstGeom prst="rect">
             <a:avLst/>
@@ -4050,14 +3581,14 @@
       </p:pic>
       <p:sp>
         <p:nvSpPr>
-          <p:cNvPr id="128" name="CustomShape 1"/>
+          <p:cNvPr id="120" name="CustomShape 1"/>
           <p:cNvSpPr/>
           <p:nvPr/>
         </p:nvSpPr>
         <p:spPr>
           <a:xfrm>
-            <a:off x="2555640" y="1412640"/>
-            <a:ext cx="4464000" cy="647640"/>
+            <a:off x="2519280" y="1628640"/>
+            <a:ext cx="5400000" cy="647280"/>
           </a:xfrm>
           <a:prstGeom prst="wedgeRoundRectCallout">
             <a:avLst>
@@ -4103,8 +3634,9 @@
                   <a:srgbClr val="ffffff"/>
                 </a:solidFill>
                 <a:latin typeface="Calibri"/>
-              </a:rPr>
-              <a:t>Daily Statistics</a:t>
+                <a:ea typeface="DejaVu Sans"/>
+              </a:rPr>
+              <a:t>Country Comparison</a:t>
             </a:r>
             <a:r>
               <a:rPr b="0" lang="en-GB" sz="1600" spc="-1" strike="noStrike">
@@ -4112,6 +3644,7 @@
                   <a:srgbClr val="ffffff"/>
                 </a:solidFill>
                 <a:latin typeface="Calibri"/>
+                <a:ea typeface="DejaVu Sans"/>
               </a:rPr>
               <a:t>, </a:t>
             </a:r>
@@ -4122,8 +3655,9 @@
                   <a:srgbClr val="ffffff"/>
                 </a:solidFill>
                 <a:latin typeface="Calibri"/>
-              </a:rPr>
-              <a:t>dane kraju na krótszym odcinku czasu (dane dnia)</a:t>
+                <a:ea typeface="DejaVu Sans"/>
+              </a:rPr>
+              <a:t>porównanie danych wybranych państw na wykresie liniowym</a:t>
             </a:r>
             <a:endParaRPr b="0" lang="en-GB" sz="1600" spc="-1" strike="noStrike">
               <a:latin typeface="Arial"/>
@@ -4133,14 +3667,14 @@
       </p:sp>
       <p:sp>
         <p:nvSpPr>
-          <p:cNvPr id="129" name="CustomShape 2"/>
+          <p:cNvPr id="121" name="CustomShape 2"/>
           <p:cNvSpPr/>
           <p:nvPr/>
         </p:nvSpPr>
         <p:spPr>
           <a:xfrm flipV="1" rot="10800000">
-            <a:off x="8609760" y="5084640"/>
-            <a:ext cx="1589400" cy="1583640"/>
+            <a:off x="9000000" y="5904000"/>
+            <a:ext cx="1589040" cy="1583280"/>
           </a:xfrm>
           <a:prstGeom prst="wedgeRoundRectCallout">
             <a:avLst>
@@ -4186,6 +3720,7 @@
                   <a:srgbClr val="ffffff"/>
                 </a:solidFill>
                 <a:latin typeface="Calibri"/>
+                <a:ea typeface="DejaVu Sans"/>
               </a:rPr>
               <a:t>Line Charts</a:t>
             </a:r>
@@ -4195,8 +3730,84 @@
                   <a:srgbClr val="ffffff"/>
                 </a:solidFill>
                 <a:latin typeface="Calibri"/>
+                <a:ea typeface="DejaVu Sans"/>
               </a:rPr>
               <a:t>, dostępne dane na wykresie z możliwością usunięcia lub dodania </a:t>
+            </a:r>
+            <a:endParaRPr b="0" lang="en-GB" sz="1600" spc="-1" strike="noStrike">
+              <a:latin typeface="Arial"/>
+            </a:endParaRPr>
+          </a:p>
+        </p:txBody>
+      </p:sp>
+      <p:sp>
+        <p:nvSpPr>
+          <p:cNvPr id="122" name="CustomShape 3"/>
+          <p:cNvSpPr/>
+          <p:nvPr/>
+        </p:nvSpPr>
+        <p:spPr>
+          <a:xfrm>
+            <a:off x="4356000" y="5301360"/>
+            <a:ext cx="2227680" cy="1431720"/>
+          </a:xfrm>
+          <a:prstGeom prst="wedgeRoundRectCallout">
+            <a:avLst>
+              <a:gd name="adj1" fmla="val 21277"/>
+              <a:gd name="adj2" fmla="val -64743"/>
+              <a:gd name="adj3" fmla="val 16667"/>
+            </a:avLst>
+          </a:prstGeom>
+          <a:solidFill>
+            <a:srgbClr val="92d050"/>
+          </a:solidFill>
+          <a:ln>
+            <a:round/>
+          </a:ln>
+        </p:spPr>
+        <p:style>
+          <a:lnRef idx="2">
+            <a:schemeClr val="accent3">
+              <a:shade val="50000"/>
+            </a:schemeClr>
+          </a:lnRef>
+          <a:fillRef idx="1">
+            <a:schemeClr val="accent3"/>
+          </a:fillRef>
+          <a:effectRef idx="0">
+            <a:schemeClr val="accent3"/>
+          </a:effectRef>
+          <a:fontRef idx="minor"/>
+        </p:style>
+        <p:txBody>
+          <a:bodyPr lIns="90000" rIns="90000" tIns="45000" bIns="45000" anchor="ctr">
+            <a:noAutofit/>
+          </a:bodyPr>
+          <a:p>
+            <a:pPr algn="ctr">
+              <a:lnSpc>
+                <a:spcPct val="100000"/>
+              </a:lnSpc>
+            </a:pPr>
+            <a:r>
+              <a:rPr b="1" lang="en-GB" sz="1600" spc="-1" strike="noStrike">
+                <a:solidFill>
+                  <a:srgbClr val="ffffff"/>
+                </a:solidFill>
+                <a:latin typeface="Calibri"/>
+                <a:ea typeface="DejaVu Sans"/>
+              </a:rPr>
+              <a:t>Specific Dates</a:t>
+            </a:r>
+            <a:r>
+              <a:rPr b="0" lang="en-GB" sz="1600" spc="-1" strike="noStrike">
+                <a:solidFill>
+                  <a:srgbClr val="ffffff"/>
+                </a:solidFill>
+                <a:latin typeface="Calibri"/>
+                <a:ea typeface="DejaVu Sans"/>
+              </a:rPr>
+              <a:t>, najeżdżając na datę pokazują się dane z tego dnia, na którym znajduje się kursor</a:t>
             </a:r>
             <a:endParaRPr b="0" lang="en-GB" sz="1600" spc="-1" strike="noStrike">
               <a:latin typeface="Arial"/>
@@ -4234,72 +3845,34 @@
           <a:chExt cx="0" cy="0"/>
         </a:xfrm>
       </p:grpSpPr>
-      <p:pic>
-        <p:nvPicPr>
-          <p:cNvPr id="130" name="Obraz 3" descr=""/>
-          <p:cNvPicPr/>
+      <p:sp>
+        <p:nvSpPr>
+          <p:cNvPr id="123" name="CustomShape 1"/>
+          <p:cNvSpPr/>
           <p:nvPr/>
-        </p:nvPicPr>
-        <p:blipFill>
-          <a:blip r:embed="rId1"/>
-          <a:srcRect l="23231" t="13770" r="25591" b="12222"/>
-          <a:stretch/>
-        </p:blipFill>
-        <p:spPr>
-          <a:xfrm>
-            <a:off x="1835640" y="2205000"/>
-            <a:ext cx="4680000" cy="3096000"/>
-          </a:xfrm>
-          <a:prstGeom prst="rect">
-            <a:avLst/>
-          </a:prstGeom>
+        </p:nvSpPr>
+        <p:spPr>
+          <a:xfrm>
+            <a:off x="457200" y="1196640"/>
+            <a:ext cx="8228880" cy="503280"/>
+          </a:xfrm>
+          <a:prstGeom prst="rect">
+            <a:avLst/>
+          </a:prstGeom>
+          <a:noFill/>
           <a:ln>
             <a:noFill/>
           </a:ln>
         </p:spPr>
-      </p:pic>
-      <p:sp>
-        <p:nvSpPr>
-          <p:cNvPr id="131" name="CustomShape 1"/>
-          <p:cNvSpPr/>
-          <p:nvPr/>
-        </p:nvSpPr>
-        <p:spPr>
-          <a:xfrm>
-            <a:off x="3204000" y="1556640"/>
-            <a:ext cx="3816000" cy="863640"/>
-          </a:xfrm>
-          <a:prstGeom prst="wedgeRoundRectCallout">
-            <a:avLst>
-              <a:gd name="adj1" fmla="val -20833"/>
-              <a:gd name="adj2" fmla="val 62500"/>
-              <a:gd name="adj3" fmla="val 16667"/>
-            </a:avLst>
-          </a:prstGeom>
-          <a:solidFill>
-            <a:srgbClr val="92d050"/>
-          </a:solidFill>
-          <a:ln>
-            <a:round/>
-          </a:ln>
-        </p:spPr>
         <p:style>
-          <a:lnRef idx="2">
-            <a:schemeClr val="accent3">
-              <a:shade val="50000"/>
-            </a:schemeClr>
-          </a:lnRef>
-          <a:fillRef idx="1">
-            <a:schemeClr val="accent3"/>
-          </a:fillRef>
-          <a:effectRef idx="0">
-            <a:schemeClr val="accent3"/>
-          </a:effectRef>
+          <a:lnRef idx="0"/>
+          <a:fillRef idx="0"/>
+          <a:effectRef idx="0"/>
           <a:fontRef idx="minor"/>
         </p:style>
         <p:txBody>
           <a:bodyPr lIns="90000" rIns="90000" tIns="45000" bIns="45000" anchor="ctr">
-            <a:noAutofit/>
+            <a:normAutofit/>
           </a:bodyPr>
           <a:p>
             <a:pPr algn="ctr">
@@ -4308,80 +3881,245 @@
               </a:lnSpc>
             </a:pPr>
             <a:r>
-              <a:rPr b="1" lang="en-GB" sz="1600" spc="-1" strike="noStrike">
-                <a:solidFill>
-                  <a:srgbClr val="ffffff"/>
-                </a:solidFill>
-                <a:latin typeface="Calibri"/>
-              </a:rPr>
-              <a:t>Country Comparison</a:t>
-            </a:r>
-            <a:r>
-              <a:rPr b="0" lang="en-GB" sz="1600" spc="-1" strike="noStrike">
-                <a:solidFill>
-                  <a:srgbClr val="ffffff"/>
-                </a:solidFill>
-                <a:latin typeface="Calibri"/>
-              </a:rPr>
-              <a:t>,</a:t>
-            </a:r>
-            <a:br/>
-            <a:r>
-              <a:rPr b="0" lang="en-GB" sz="1600" spc="-1" strike="noStrike">
-                <a:solidFill>
-                  <a:srgbClr val="ffffff"/>
-                </a:solidFill>
-                <a:latin typeface="Calibri"/>
-              </a:rPr>
-              <a:t> możliwość dodania do wykresu państw i porównania danych na wykresie liniowym </a:t>
-            </a:r>
-            <a:endParaRPr b="0" lang="en-GB" sz="1600" spc="-1" strike="noStrike">
-              <a:latin typeface="Arial"/>
-            </a:endParaRPr>
-          </a:p>
-        </p:txBody>
-      </p:sp>
-      <p:sp>
-        <p:nvSpPr>
-          <p:cNvPr id="132" name="CustomShape 2"/>
+              <a:rPr b="1" lang="en-GB" sz="2800" spc="-1" strike="noStrike">
+                <a:solidFill>
+                  <a:srgbClr val="000000"/>
+                </a:solidFill>
+                <a:latin typeface="Times New Roman"/>
+              </a:rPr>
+              <a:t>Analiza kodu </a:t>
+            </a:r>
+            <a:endParaRPr b="0" lang="en-GB" sz="2800" spc="-1" strike="noStrike">
+              <a:latin typeface="Arial"/>
+            </a:endParaRPr>
+          </a:p>
+        </p:txBody>
+      </p:sp>
+      <p:sp>
+        <p:nvSpPr>
+          <p:cNvPr id="124" name="CustomShape 2"/>
           <p:cNvSpPr/>
           <p:nvPr/>
         </p:nvSpPr>
         <p:spPr>
           <a:xfrm>
-            <a:off x="2051640" y="5157360"/>
-            <a:ext cx="1872000" cy="1331640"/>
-          </a:xfrm>
-          <a:prstGeom prst="wedgeRoundRectCallout">
-            <a:avLst>
-              <a:gd name="adj1" fmla="val 20376"/>
-              <a:gd name="adj2" fmla="val -67742"/>
-              <a:gd name="adj3" fmla="val 16667"/>
-            </a:avLst>
-          </a:prstGeom>
-          <a:solidFill>
-            <a:srgbClr val="92d050"/>
-          </a:solidFill>
+            <a:off x="0" y="3429000"/>
+            <a:ext cx="394920" cy="503280"/>
+          </a:xfrm>
+          <a:prstGeom prst="rect">
+            <a:avLst/>
+          </a:prstGeom>
+          <a:noFill/>
           <a:ln>
-            <a:round/>
+            <a:noFill/>
           </a:ln>
         </p:spPr>
         <p:style>
           <a:lnRef idx="2">
-            <a:schemeClr val="accent3">
+            <a:schemeClr val="accent1">
               <a:shade val="50000"/>
             </a:schemeClr>
           </a:lnRef>
           <a:fillRef idx="1">
-            <a:schemeClr val="accent3"/>
+            <a:schemeClr val="accent1"/>
           </a:fillRef>
           <a:effectRef idx="0">
-            <a:schemeClr val="accent3"/>
+            <a:schemeClr val="accent1"/>
           </a:effectRef>
           <a:fontRef idx="minor"/>
         </p:style>
-        <p:txBody>
-          <a:bodyPr lIns="90000" rIns="90000" tIns="45000" bIns="45000" anchor="ctr">
+      </p:sp>
+      <p:sp>
+        <p:nvSpPr>
+          <p:cNvPr id="125" name="CustomShape 3"/>
+          <p:cNvSpPr/>
+          <p:nvPr/>
+        </p:nvSpPr>
+        <p:spPr>
+          <a:xfrm>
+            <a:off x="0" y="3429000"/>
+            <a:ext cx="394920" cy="503280"/>
+          </a:xfrm>
+          <a:prstGeom prst="rect">
+            <a:avLst/>
+          </a:prstGeom>
+          <a:noFill/>
+          <a:ln>
+            <a:solidFill>
+              <a:srgbClr val="9ab4e4"/>
+            </a:solidFill>
+            <a:round/>
+          </a:ln>
+        </p:spPr>
+        <p:style>
+          <a:lnRef idx="2">
+            <a:schemeClr val="accent1">
+              <a:shade val="50000"/>
+            </a:schemeClr>
+          </a:lnRef>
+          <a:fillRef idx="1">
+            <a:schemeClr val="accent1"/>
+          </a:fillRef>
+          <a:effectRef idx="0">
+            <a:schemeClr val="accent1"/>
+          </a:effectRef>
+          <a:fontRef idx="minor"/>
+        </p:style>
+      </p:sp>
+      <p:sp>
+        <p:nvSpPr>
+          <p:cNvPr id="126" name="CustomShape 4"/>
+          <p:cNvSpPr/>
+          <p:nvPr/>
+        </p:nvSpPr>
+        <p:spPr>
+          <a:xfrm>
+            <a:off x="0" y="3429000"/>
+            <a:ext cx="394920" cy="503280"/>
+          </a:xfrm>
+          <a:prstGeom prst="rect">
+            <a:avLst/>
+          </a:prstGeom>
+          <a:gradFill rotWithShape="0">
+            <a:gsLst>
+              <a:gs pos="0">
+                <a:srgbClr val="9ab4e4">
+                  <a:alpha val="15294"/>
+                </a:srgbClr>
+              </a:gs>
+              <a:gs pos="100000">
+                <a:srgbClr val="e0e8f5">
+                  <a:alpha val="0"/>
+                </a:srgbClr>
+              </a:gs>
+            </a:gsLst>
+            <a:lin ang="2700000"/>
+          </a:gradFill>
+          <a:ln>
+            <a:noFill/>
+          </a:ln>
+        </p:spPr>
+        <p:style>
+          <a:lnRef idx="2">
+            <a:schemeClr val="accent1">
+              <a:shade val="50000"/>
+            </a:schemeClr>
+          </a:lnRef>
+          <a:fillRef idx="1">
+            <a:schemeClr val="accent1"/>
+          </a:fillRef>
+          <a:effectRef idx="0">
+            <a:schemeClr val="accent1"/>
+          </a:effectRef>
+          <a:fontRef idx="minor"/>
+        </p:style>
+      </p:sp>
+      <p:sp>
+        <p:nvSpPr>
+          <p:cNvPr id="127" name="CustomShape 5"/>
+          <p:cNvSpPr/>
+          <p:nvPr/>
+        </p:nvSpPr>
+        <p:spPr>
+          <a:xfrm>
+            <a:off x="8748360" y="3429000"/>
+            <a:ext cx="394920" cy="503280"/>
+          </a:xfrm>
+          <a:prstGeom prst="rect">
+            <a:avLst/>
+          </a:prstGeom>
+          <a:gradFill rotWithShape="0">
+            <a:gsLst>
+              <a:gs pos="0">
+                <a:srgbClr val="9ab4e4">
+                  <a:alpha val="15294"/>
+                </a:srgbClr>
+              </a:gs>
+              <a:gs pos="100000">
+                <a:srgbClr val="e0e8f5">
+                  <a:alpha val="0"/>
+                </a:srgbClr>
+              </a:gs>
+            </a:gsLst>
+            <a:lin ang="2700000"/>
+          </a:gradFill>
+          <a:ln>
+            <a:noFill/>
+          </a:ln>
+        </p:spPr>
+        <p:style>
+          <a:lnRef idx="2">
+            <a:schemeClr val="accent1">
+              <a:shade val="50000"/>
+            </a:schemeClr>
+          </a:lnRef>
+          <a:fillRef idx="1">
+            <a:schemeClr val="accent1"/>
+          </a:fillRef>
+          <a:effectRef idx="0">
+            <a:schemeClr val="accent1"/>
+          </a:effectRef>
+          <a:fontRef idx="minor"/>
+        </p:style>
+      </p:sp>
+      <p:sp>
+        <p:nvSpPr>
+          <p:cNvPr id="128" name="CustomShape 6"/>
+          <p:cNvSpPr/>
+          <p:nvPr/>
+        </p:nvSpPr>
+        <p:spPr>
+          <a:xfrm>
+            <a:off x="3852000" y="1863720"/>
+            <a:ext cx="1511280" cy="1511280"/>
+          </a:xfrm>
+          <a:prstGeom prst="flowChartConnector">
+            <a:avLst/>
+          </a:prstGeom>
+          <a:blipFill rotWithShape="0">
+            <a:blip r:embed="rId1"/>
+            <a:stretch>
+              <a:fillRect/>
+            </a:stretch>
+          </a:blipFill>
+          <a:ln>
+            <a:noFill/>
+          </a:ln>
+        </p:spPr>
+        <p:style>
+          <a:lnRef idx="0"/>
+          <a:fillRef idx="0"/>
+          <a:effectRef idx="0"/>
+          <a:fontRef idx="minor"/>
+        </p:style>
+      </p:sp>
+      <p:sp>
+        <p:nvSpPr>
+          <p:cNvPr id="129" name="CustomShape 7"/>
+          <p:cNvSpPr/>
+          <p:nvPr/>
+        </p:nvSpPr>
+        <p:spPr>
+          <a:xfrm>
+            <a:off x="247320" y="3573000"/>
+            <a:ext cx="8675640" cy="2735640"/>
+          </a:xfrm>
+          <a:prstGeom prst="rect">
+            <a:avLst/>
+          </a:prstGeom>
+          <a:noFill/>
+          <a:ln>
+            <a:noFill/>
+          </a:ln>
+        </p:spPr>
+        <p:style>
+          <a:lnRef idx="0"/>
+          <a:fillRef idx="0"/>
+          <a:effectRef idx="0"/>
+          <a:fontRef idx="minor"/>
+        </p:style>
+        <p:txBody>
+          <a:bodyPr lIns="90000" rIns="90000" tIns="45000" bIns="45000">
             <a:noAutofit/>
           </a:bodyPr>
           <a:p>
@@ -4389,109 +4127,77 @@
               <a:lnSpc>
                 <a:spcPct val="100000"/>
               </a:lnSpc>
+              <a:spcBef>
+                <a:spcPts val="400"/>
+              </a:spcBef>
             </a:pPr>
             <a:r>
-              <a:rPr b="1" lang="en-GB" sz="1600" spc="-1" strike="noStrike">
-                <a:solidFill>
-                  <a:srgbClr val="ffffff"/>
-                </a:solidFill>
-                <a:latin typeface="Calibri"/>
-              </a:rPr>
-              <a:t>World Map</a:t>
-            </a:r>
-            <a:r>
-              <a:rPr b="0" lang="en-GB" sz="1600" spc="-1" strike="noStrike">
-                <a:solidFill>
-                  <a:srgbClr val="ffffff"/>
-                </a:solidFill>
-                <a:latin typeface="Calibri"/>
-              </a:rPr>
-              <a:t>, </a:t>
-            </a:r>
-            <a:br/>
-            <a:r>
-              <a:rPr b="0" lang="en-GB" sz="1600" spc="-1" strike="noStrike">
-                <a:solidFill>
-                  <a:srgbClr val="ffffff"/>
-                </a:solidFill>
-                <a:latin typeface="Calibri"/>
-              </a:rPr>
-              <a:t>powrót do głównej mapy z danymi </a:t>
-            </a:r>
-            <a:endParaRPr b="0" lang="en-GB" sz="1600" spc="-1" strike="noStrike">
-              <a:latin typeface="Arial"/>
-            </a:endParaRPr>
-          </a:p>
-        </p:txBody>
-      </p:sp>
-      <p:sp>
-        <p:nvSpPr>
-          <p:cNvPr id="133" name="CustomShape 3"/>
-          <p:cNvSpPr/>
-          <p:nvPr/>
-        </p:nvSpPr>
-        <p:spPr>
-          <a:xfrm>
-            <a:off x="4500000" y="5157360"/>
-            <a:ext cx="1944000" cy="1331640"/>
-          </a:xfrm>
-          <a:prstGeom prst="wedgeRoundRectCallout">
-            <a:avLst>
-              <a:gd name="adj1" fmla="val -20385"/>
-              <a:gd name="adj2" fmla="val -67742"/>
-              <a:gd name="adj3" fmla="val 16667"/>
-            </a:avLst>
-          </a:prstGeom>
-          <a:solidFill>
-            <a:srgbClr val="92d050"/>
-          </a:solidFill>
-          <a:ln>
-            <a:round/>
-          </a:ln>
-        </p:spPr>
-        <p:style>
-          <a:lnRef idx="2">
-            <a:schemeClr val="accent3">
-              <a:shade val="50000"/>
-            </a:schemeClr>
-          </a:lnRef>
-          <a:fillRef idx="1">
-            <a:schemeClr val="accent3"/>
-          </a:fillRef>
-          <a:effectRef idx="0">
-            <a:schemeClr val="accent3"/>
-          </a:effectRef>
-          <a:fontRef idx="minor"/>
-        </p:style>
-        <p:txBody>
-          <a:bodyPr lIns="90000" rIns="90000" tIns="45000" bIns="45000" anchor="ctr">
-            <a:noAutofit/>
-          </a:bodyPr>
+              <a:rPr b="0" lang="en-GB" sz="2000" spc="-1" strike="noStrike">
+                <a:solidFill>
+                  <a:srgbClr val="000000"/>
+                </a:solidFill>
+                <a:latin typeface="Times New Roman"/>
+              </a:rPr>
+              <a:t>Analiza kodu przestawiona będzie w podziale na funkcje jakie posiada aplikacja. </a:t>
+            </a:r>
+            <a:endParaRPr b="0" lang="en-GB" sz="2000" spc="-1" strike="noStrike">
+              <a:latin typeface="Arial"/>
+            </a:endParaRPr>
+          </a:p>
           <a:p>
             <a:pPr algn="ctr">
               <a:lnSpc>
                 <a:spcPct val="100000"/>
               </a:lnSpc>
+              <a:spcBef>
+                <a:spcPts val="400"/>
+              </a:spcBef>
             </a:pPr>
             <a:r>
-              <a:rPr b="1" lang="en-GB" sz="1600" spc="-1" strike="noStrike">
-                <a:solidFill>
-                  <a:srgbClr val="ffffff"/>
-                </a:solidFill>
+              <a:rPr b="0" lang="en-GB" sz="2000" spc="-1" strike="noStrike">
+                <a:solidFill>
+                  <a:srgbClr val="000000"/>
+                </a:solidFill>
+                <a:latin typeface="Times New Roman"/>
+              </a:rPr>
+              <a:t>Umożliwi to nam dokładne wyjaśnienie podejścia oraz omówienie bibliotek, które zostały wykorzystane do wykonania tego projektu. </a:t>
+            </a:r>
+            <a:endParaRPr b="0" lang="en-GB" sz="2000" spc="-1" strike="noStrike">
+              <a:latin typeface="Arial"/>
+            </a:endParaRPr>
+          </a:p>
+          <a:p>
+            <a:pPr algn="ctr">
+              <a:lnSpc>
+                <a:spcPct val="100000"/>
+              </a:lnSpc>
+              <a:spcBef>
+                <a:spcPts val="400"/>
+              </a:spcBef>
+            </a:pPr>
+            <a:r>
+              <a:rPr b="0" lang="en-GB" sz="2000" spc="-1" strike="noStrike">
+                <a:solidFill>
+                  <a:srgbClr val="000000"/>
+                </a:solidFill>
+                <a:latin typeface="Times New Roman"/>
+              </a:rPr>
+              <a:t>Więcej informacji i dostęp do kodu znajdziemy po adresem: </a:t>
+            </a:r>
+            <a:br/>
+            <a:br/>
+            <a:r>
+              <a:rPr b="0" lang="en-GB" sz="2000" spc="-1" strike="noStrike" u="sng">
+                <a:solidFill>
+                  <a:srgbClr val="0000ff"/>
+                </a:solidFill>
+                <a:uFillTx/>
                 <a:latin typeface="Calibri"/>
-              </a:rPr>
-              <a:t>Generate Chart</a:t>
-            </a:r>
-            <a:r>
-              <a:rPr b="0" lang="en-GB" sz="1600" spc="-1" strike="noStrike">
-                <a:solidFill>
-                  <a:srgbClr val="ffffff"/>
-                </a:solidFill>
-                <a:latin typeface="Calibri"/>
-              </a:rPr>
-              <a:t>, wygeneruje na wykres w wybranymi państwami </a:t>
-            </a:r>
-            <a:endParaRPr b="0" lang="en-GB" sz="1600" spc="-1" strike="noStrike">
+                <a:hlinkClick r:id="rId2"/>
+              </a:rPr>
+              <a:t>https://github.com/janiszewskibartlomiej/COVID-19-Thesis-Postgraduate_studies_on_WSB#start-instructions</a:t>
+            </a:r>
+            <a:endParaRPr b="0" lang="en-GB" sz="2000" spc="-1" strike="noStrike">
               <a:latin typeface="Arial"/>
             </a:endParaRPr>
           </a:p>
@@ -4527,9 +4233,59 @@
           <a:chExt cx="0" cy="0"/>
         </a:xfrm>
       </p:grpSpPr>
+      <p:sp>
+        <p:nvSpPr>
+          <p:cNvPr id="130" name="CustomShape 1"/>
+          <p:cNvSpPr/>
+          <p:nvPr/>
+        </p:nvSpPr>
+        <p:spPr>
+          <a:xfrm>
+            <a:off x="410400" y="836640"/>
+            <a:ext cx="8228880" cy="1142280"/>
+          </a:xfrm>
+          <a:prstGeom prst="rect">
+            <a:avLst/>
+          </a:prstGeom>
+          <a:noFill/>
+          <a:ln>
+            <a:noFill/>
+          </a:ln>
+        </p:spPr>
+        <p:style>
+          <a:lnRef idx="0"/>
+          <a:fillRef idx="0"/>
+          <a:effectRef idx="0"/>
+          <a:fontRef idx="minor"/>
+        </p:style>
+        <p:txBody>
+          <a:bodyPr lIns="90000" rIns="90000" tIns="45000" bIns="45000" anchor="ctr">
+            <a:normAutofit/>
+          </a:bodyPr>
+          <a:p>
+            <a:pPr algn="ctr">
+              <a:lnSpc>
+                <a:spcPct val="100000"/>
+              </a:lnSpc>
+            </a:pPr>
+            <a:r>
+              <a:rPr b="0" lang="en-GB" sz="2000" spc="-1" strike="noStrike">
+                <a:solidFill>
+                  <a:srgbClr val="000000"/>
+                </a:solidFill>
+                <a:latin typeface="Calibri"/>
+              </a:rPr>
+              <a:t>Wersje Aplikacji i skończone zadania </a:t>
+            </a:r>
+            <a:endParaRPr b="0" lang="en-GB" sz="2000" spc="-1" strike="noStrike">
+              <a:latin typeface="Arial"/>
+            </a:endParaRPr>
+          </a:p>
+        </p:txBody>
+      </p:sp>
       <p:pic>
         <p:nvPicPr>
-          <p:cNvPr id="134" name="Obraz 3" descr=""/>
+          <p:cNvPr id="131" name="Obraz 5" descr=""/>
           <p:cNvPicPr/>
           <p:nvPr/>
         </p:nvPicPr>
@@ -4539,8 +4295,8 @@
         </p:blipFill>
         <p:spPr>
           <a:xfrm>
-            <a:off x="539640" y="2277000"/>
-            <a:ext cx="7380000" cy="3376440"/>
+            <a:off x="410400" y="1755000"/>
+            <a:ext cx="8337240" cy="4516200"/>
           </a:xfrm>
           <a:prstGeom prst="rect">
             <a:avLst/>
@@ -4550,235 +4306,6 @@
           </a:ln>
         </p:spPr>
       </p:pic>
-      <p:sp>
-        <p:nvSpPr>
-          <p:cNvPr id="135" name="CustomShape 1"/>
-          <p:cNvSpPr/>
-          <p:nvPr/>
-        </p:nvSpPr>
-        <p:spPr>
-          <a:xfrm>
-            <a:off x="2519280" y="1628640"/>
-            <a:ext cx="5400360" cy="647640"/>
-          </a:xfrm>
-          <a:prstGeom prst="wedgeRoundRectCallout">
-            <a:avLst>
-              <a:gd name="adj1" fmla="val -20833"/>
-              <a:gd name="adj2" fmla="val 62500"/>
-              <a:gd name="adj3" fmla="val 16667"/>
-            </a:avLst>
-          </a:prstGeom>
-          <a:solidFill>
-            <a:srgbClr val="92d050"/>
-          </a:solidFill>
-          <a:ln>
-            <a:round/>
-          </a:ln>
-        </p:spPr>
-        <p:style>
-          <a:lnRef idx="2">
-            <a:schemeClr val="accent3">
-              <a:shade val="50000"/>
-            </a:schemeClr>
-          </a:lnRef>
-          <a:fillRef idx="1">
-            <a:schemeClr val="accent3"/>
-          </a:fillRef>
-          <a:effectRef idx="0">
-            <a:schemeClr val="accent3"/>
-          </a:effectRef>
-          <a:fontRef idx="minor"/>
-        </p:style>
-        <p:txBody>
-          <a:bodyPr lIns="90000" rIns="90000" tIns="45000" bIns="45000" anchor="ctr">
-            <a:noAutofit/>
-          </a:bodyPr>
-          <a:p>
-            <a:pPr algn="ctr">
-              <a:lnSpc>
-                <a:spcPct val="100000"/>
-              </a:lnSpc>
-            </a:pPr>
-            <a:r>
-              <a:rPr b="1" lang="en-GB" sz="1600" spc="-1" strike="noStrike">
-                <a:solidFill>
-                  <a:srgbClr val="ffffff"/>
-                </a:solidFill>
-                <a:latin typeface="Calibri"/>
-              </a:rPr>
-              <a:t>Country Comparison</a:t>
-            </a:r>
-            <a:r>
-              <a:rPr b="0" lang="en-GB" sz="1600" spc="-1" strike="noStrike">
-                <a:solidFill>
-                  <a:srgbClr val="ffffff"/>
-                </a:solidFill>
-                <a:latin typeface="Calibri"/>
-              </a:rPr>
-              <a:t>, </a:t>
-            </a:r>
-            <a:br/>
-            <a:r>
-              <a:rPr b="0" lang="en-GB" sz="1600" spc="-1" strike="noStrike">
-                <a:solidFill>
-                  <a:srgbClr val="ffffff"/>
-                </a:solidFill>
-                <a:latin typeface="Calibri"/>
-              </a:rPr>
-              <a:t>porównanie danych wybranych państw na wykresie liniowym</a:t>
-            </a:r>
-            <a:endParaRPr b="0" lang="en-GB" sz="1600" spc="-1" strike="noStrike">
-              <a:latin typeface="Arial"/>
-            </a:endParaRPr>
-          </a:p>
-        </p:txBody>
-      </p:sp>
-      <p:sp>
-        <p:nvSpPr>
-          <p:cNvPr id="136" name="CustomShape 2"/>
-          <p:cNvSpPr/>
-          <p:nvPr/>
-        </p:nvSpPr>
-        <p:spPr>
-          <a:xfrm flipV="1" rot="10800000">
-            <a:off x="8898120" y="5619240"/>
-            <a:ext cx="1589400" cy="1583640"/>
-          </a:xfrm>
-          <a:prstGeom prst="wedgeRoundRectCallout">
-            <a:avLst>
-              <a:gd name="adj1" fmla="val 20376"/>
-              <a:gd name="adj2" fmla="val -60317"/>
-              <a:gd name="adj3" fmla="val 16667"/>
-            </a:avLst>
-          </a:prstGeom>
-          <a:solidFill>
-            <a:srgbClr val="92d050"/>
-          </a:solidFill>
-          <a:ln>
-            <a:round/>
-          </a:ln>
-        </p:spPr>
-        <p:style>
-          <a:lnRef idx="2">
-            <a:schemeClr val="accent3">
-              <a:shade val="50000"/>
-            </a:schemeClr>
-          </a:lnRef>
-          <a:fillRef idx="1">
-            <a:schemeClr val="accent3"/>
-          </a:fillRef>
-          <a:effectRef idx="0">
-            <a:schemeClr val="accent3"/>
-          </a:effectRef>
-          <a:fontRef idx="minor"/>
-        </p:style>
-        <p:txBody>
-          <a:bodyPr lIns="90000" rIns="90000" tIns="45000" bIns="45000" anchor="ctr">
-            <a:noAutofit/>
-          </a:bodyPr>
-          <a:p>
-            <a:pPr algn="ctr">
-              <a:lnSpc>
-                <a:spcPct val="100000"/>
-              </a:lnSpc>
-            </a:pPr>
-            <a:r>
-              <a:rPr b="1" lang="en-GB" sz="1600" spc="-1" strike="noStrike">
-                <a:solidFill>
-                  <a:srgbClr val="ffffff"/>
-                </a:solidFill>
-                <a:latin typeface="Calibri"/>
-              </a:rPr>
-              <a:t>Line Charts</a:t>
-            </a:r>
-            <a:r>
-              <a:rPr b="0" lang="en-GB" sz="1600" spc="-1" strike="noStrike">
-                <a:solidFill>
-                  <a:srgbClr val="ffffff"/>
-                </a:solidFill>
-                <a:latin typeface="Calibri"/>
-              </a:rPr>
-              <a:t>, dostępne dane na wykresie z możliwością usunięcia lub dodania </a:t>
-            </a:r>
-            <a:endParaRPr b="0" lang="en-GB" sz="1600" spc="-1" strike="noStrike">
-              <a:latin typeface="Arial"/>
-            </a:endParaRPr>
-          </a:p>
-        </p:txBody>
-      </p:sp>
-      <p:sp>
-        <p:nvSpPr>
-          <p:cNvPr id="137" name="CustomShape 3"/>
-          <p:cNvSpPr/>
-          <p:nvPr/>
-        </p:nvSpPr>
-        <p:spPr>
-          <a:xfrm>
-            <a:off x="4356000" y="5301360"/>
-            <a:ext cx="2228040" cy="1432080"/>
-          </a:xfrm>
-          <a:prstGeom prst="wedgeRoundRectCallout">
-            <a:avLst>
-              <a:gd name="adj1" fmla="val 21277"/>
-              <a:gd name="adj2" fmla="val -64743"/>
-              <a:gd name="adj3" fmla="val 16667"/>
-            </a:avLst>
-          </a:prstGeom>
-          <a:solidFill>
-            <a:srgbClr val="92d050"/>
-          </a:solidFill>
-          <a:ln>
-            <a:round/>
-          </a:ln>
-        </p:spPr>
-        <p:style>
-          <a:lnRef idx="2">
-            <a:schemeClr val="accent3">
-              <a:shade val="50000"/>
-            </a:schemeClr>
-          </a:lnRef>
-          <a:fillRef idx="1">
-            <a:schemeClr val="accent3"/>
-          </a:fillRef>
-          <a:effectRef idx="0">
-            <a:schemeClr val="accent3"/>
-          </a:effectRef>
-          <a:fontRef idx="minor"/>
-        </p:style>
-        <p:txBody>
-          <a:bodyPr lIns="90000" rIns="90000" tIns="45000" bIns="45000" anchor="ctr">
-            <a:noAutofit/>
-          </a:bodyPr>
-          <a:p>
-            <a:pPr algn="ctr">
-              <a:lnSpc>
-                <a:spcPct val="100000"/>
-              </a:lnSpc>
-            </a:pPr>
-            <a:r>
-              <a:rPr b="1" lang="en-GB" sz="1600" spc="-1" strike="noStrike">
-                <a:solidFill>
-                  <a:srgbClr val="ffffff"/>
-                </a:solidFill>
-                <a:latin typeface="Calibri"/>
-              </a:rPr>
-              <a:t>Specific Dates</a:t>
-            </a:r>
-            <a:r>
-              <a:rPr b="0" lang="en-GB" sz="1600" spc="-1" strike="noStrike">
-                <a:solidFill>
-                  <a:srgbClr val="ffffff"/>
-                </a:solidFill>
-                <a:latin typeface="Calibri"/>
-              </a:rPr>
-              <a:t>, najeżdżając na datę pokazują się dane z tego dnia, na którym znajduje się kursor</a:t>
-            </a:r>
-            <a:endParaRPr b="0" lang="en-GB" sz="1600" spc="-1" strike="noStrike">
-              <a:latin typeface="Arial"/>
-            </a:endParaRPr>
-          </a:p>
-        </p:txBody>
-      </p:sp>
     </p:spTree>
   </p:cSld>
   <mc:AlternateContent>
@@ -4811,14 +4338,14 @@
       </p:grpSpPr>
       <p:sp>
         <p:nvSpPr>
-          <p:cNvPr id="138" name="TextShape 1"/>
-          <p:cNvSpPr txBox="1"/>
+          <p:cNvPr id="132" name="CustomShape 1"/>
+          <p:cNvSpPr/>
           <p:nvPr/>
         </p:nvSpPr>
         <p:spPr>
           <a:xfrm>
-            <a:off x="410400" y="836640"/>
-            <a:ext cx="8229240" cy="1142640"/>
+            <a:off x="323640" y="1196640"/>
+            <a:ext cx="8228880" cy="1142280"/>
           </a:xfrm>
           <a:prstGeom prst="rect">
             <a:avLst/>
@@ -4828,8 +4355,14 @@
             <a:noFill/>
           </a:ln>
         </p:spPr>
-        <p:txBody>
-          <a:bodyPr anchor="ctr">
+        <p:style>
+          <a:lnRef idx="0"/>
+          <a:fillRef idx="0"/>
+          <a:effectRef idx="0"/>
+          <a:fontRef idx="minor"/>
+        </p:style>
+        <p:txBody>
+          <a:bodyPr lIns="90000" rIns="90000" tIns="45000" bIns="45000" anchor="ctr">
             <a:normAutofit/>
           </a:bodyPr>
           <a:p>
@@ -4839,26 +4372,33 @@
               </a:lnSpc>
             </a:pPr>
             <a:r>
-              <a:rPr b="0" lang="pl-PL" sz="2000" spc="-1" strike="noStrike">
+              <a:rPr b="0" lang="en-GB" sz="2000" spc="-1" strike="noStrike">
                 <a:solidFill>
                   <a:srgbClr val="000000"/>
                 </a:solidFill>
                 <a:latin typeface="Calibri"/>
               </a:rPr>
-              <a:t>Wersje Aplikacji i skończone zadania </a:t>
-            </a:r>
-            <a:endParaRPr b="0" lang="pl-PL" sz="2000" spc="-1" strike="noStrike">
-              <a:solidFill>
-                <a:srgbClr val="000000"/>
-              </a:solidFill>
-              <a:latin typeface="Calibri"/>
+              <a:t>Podsumowanie</a:t>
+            </a:r>
+            <a:br/>
+            <a:r>
+              <a:rPr b="0" lang="en-GB" sz="2000" spc="-1" strike="noStrike">
+                <a:solidFill>
+                  <a:srgbClr val="000000"/>
+                </a:solidFill>
+                <a:latin typeface="Calibri"/>
+              </a:rPr>
+              <a:t>Omówienie problem i rozwiązań </a:t>
+            </a:r>
+            <a:endParaRPr b="0" lang="en-GB" sz="2000" spc="-1" strike="noStrike">
+              <a:latin typeface="Arial"/>
             </a:endParaRPr>
           </a:p>
         </p:txBody>
       </p:sp>
       <p:pic>
         <p:nvPicPr>
-          <p:cNvPr id="139" name="Obraz 5" descr=""/>
+          <p:cNvPr id="133" name="Obraz 4" descr=""/>
           <p:cNvPicPr/>
           <p:nvPr/>
         </p:nvPicPr>
@@ -4868,118 +4408,8 @@
         </p:blipFill>
         <p:spPr>
           <a:xfrm>
-            <a:off x="410400" y="1755000"/>
-            <a:ext cx="8337600" cy="4516560"/>
-          </a:xfrm>
-          <a:prstGeom prst="rect">
-            <a:avLst/>
-          </a:prstGeom>
-          <a:ln>
-            <a:noFill/>
-          </a:ln>
-        </p:spPr>
-      </p:pic>
-    </p:spTree>
-  </p:cSld>
-  <mc:AlternateContent>
-    <mc:Choice Requires="p14">
-      <p:transition spd="slow" p14:dur="2000"/>
-    </mc:Choice>
-    <mc:Fallback>
-      <p:transition spd="slow"/>
-    </mc:Fallback>
-  </mc:AlternateContent>
-</p:sld>
-</file>
-
-<file path=ppt/slides/slide14.xml><?xml version="1.0" encoding="utf-8"?>
-<p:sld xmlns:a="http://schemas.openxmlformats.org/drawingml/2006/main" xmlns:p="http://schemas.openxmlformats.org/presentationml/2006/main" xmlns:r="http://schemas.openxmlformats.org/officeDocument/2006/relationships" xmlns:p14="http://schemas.microsoft.com/office/powerpoint/2010/main" xmlns:p15="http://schemas.microsoft.com/office/powerpoint/2012/main" xmlns:mc="http://schemas.openxmlformats.org/markup-compatibility/2006">
-  <p:cSld>
-    <p:spTree>
-      <p:nvGrpSpPr>
-        <p:cNvPr id="1" name=""/>
-        <p:cNvGrpSpPr/>
-        <p:nvPr/>
-      </p:nvGrpSpPr>
-      <p:grpSpPr>
-        <a:xfrm>
-          <a:off x="0" y="0"/>
-          <a:ext cx="0" cy="0"/>
-          <a:chOff x="0" y="0"/>
-          <a:chExt cx="0" cy="0"/>
-        </a:xfrm>
-      </p:grpSpPr>
-      <p:sp>
-        <p:nvSpPr>
-          <p:cNvPr id="140" name="TextShape 1"/>
-          <p:cNvSpPr txBox="1"/>
-          <p:nvPr/>
-        </p:nvSpPr>
-        <p:spPr>
-          <a:xfrm>
-            <a:off x="323640" y="1196640"/>
-            <a:ext cx="8229240" cy="1142640"/>
-          </a:xfrm>
-          <a:prstGeom prst="rect">
-            <a:avLst/>
-          </a:prstGeom>
-          <a:noFill/>
-          <a:ln>
-            <a:noFill/>
-          </a:ln>
-        </p:spPr>
-        <p:txBody>
-          <a:bodyPr anchor="ctr">
-            <a:normAutofit/>
-          </a:bodyPr>
-          <a:p>
-            <a:pPr algn="ctr">
-              <a:lnSpc>
-                <a:spcPct val="100000"/>
-              </a:lnSpc>
-            </a:pPr>
-            <a:r>
-              <a:rPr b="0" lang="pl-PL" sz="2000" spc="-1" strike="noStrike">
-                <a:solidFill>
-                  <a:srgbClr val="000000"/>
-                </a:solidFill>
-                <a:latin typeface="Calibri"/>
-              </a:rPr>
-              <a:t>Podsumowanie</a:t>
-            </a:r>
-            <a:br/>
-            <a:r>
-              <a:rPr b="0" lang="pl-PL" sz="2000" spc="-1" strike="noStrike">
-                <a:solidFill>
-                  <a:srgbClr val="000000"/>
-                </a:solidFill>
-                <a:latin typeface="Calibri"/>
-              </a:rPr>
-              <a:t>Omówienie problem i rozwiązań </a:t>
-            </a:r>
-            <a:endParaRPr b="0" lang="pl-PL" sz="2000" spc="-1" strike="noStrike">
-              <a:solidFill>
-                <a:srgbClr val="000000"/>
-              </a:solidFill>
-              <a:latin typeface="Calibri"/>
-            </a:endParaRPr>
-          </a:p>
-        </p:txBody>
-      </p:sp>
-      <p:pic>
-        <p:nvPicPr>
-          <p:cNvPr id="141" name="Obraz 4" descr=""/>
-          <p:cNvPicPr/>
-          <p:nvPr/>
-        </p:nvPicPr>
-        <p:blipFill>
-          <a:blip r:embed="rId1"/>
-          <a:stretch/>
-        </p:blipFill>
-        <p:spPr>
-          <a:xfrm>
             <a:off x="346320" y="2637000"/>
-            <a:ext cx="8460720" cy="3152880"/>
+            <a:ext cx="8460360" cy="3152520"/>
           </a:xfrm>
           <a:prstGeom prst="rect">
             <a:avLst/>
@@ -5021,14 +4451,14 @@
       </p:grpSpPr>
       <p:sp>
         <p:nvSpPr>
-          <p:cNvPr id="85" name="TextShape 1"/>
-          <p:cNvSpPr txBox="1"/>
+          <p:cNvPr id="79" name="CustomShape 1"/>
+          <p:cNvSpPr/>
           <p:nvPr/>
         </p:nvSpPr>
         <p:spPr>
           <a:xfrm>
             <a:off x="457200" y="1196640"/>
-            <a:ext cx="8229240" cy="503640"/>
+            <a:ext cx="8228880" cy="503280"/>
           </a:xfrm>
           <a:prstGeom prst="rect">
             <a:avLst/>
@@ -5038,8 +4468,14 @@
             <a:noFill/>
           </a:ln>
         </p:spPr>
-        <p:txBody>
-          <a:bodyPr anchor="ctr">
+        <p:style>
+          <a:lnRef idx="0"/>
+          <a:fillRef idx="0"/>
+          <a:effectRef idx="0"/>
+          <a:fontRef idx="minor"/>
+        </p:style>
+        <p:txBody>
+          <a:bodyPr lIns="90000" rIns="90000" tIns="45000" bIns="45000" anchor="ctr">
             <a:normAutofit/>
           </a:bodyPr>
           <a:p>
@@ -5049,7 +4485,7 @@
               </a:lnSpc>
             </a:pPr>
             <a:r>
-              <a:rPr b="1" lang="pl-PL" sz="2800" spc="-1" strike="noStrike">
+              <a:rPr b="1" lang="en-GB" sz="2800" spc="-1" strike="noStrike">
                 <a:solidFill>
                   <a:srgbClr val="000000"/>
                 </a:solidFill>
@@ -5057,25 +4493,22 @@
               </a:rPr>
               <a:t>Cel pracy </a:t>
             </a:r>
-            <a:endParaRPr b="0" lang="pl-PL" sz="2800" spc="-1" strike="noStrike">
-              <a:solidFill>
-                <a:srgbClr val="000000"/>
-              </a:solidFill>
-              <a:latin typeface="Calibri"/>
-            </a:endParaRPr>
-          </a:p>
-        </p:txBody>
-      </p:sp>
-      <p:sp>
-        <p:nvSpPr>
-          <p:cNvPr id="86" name="TextShape 2"/>
-          <p:cNvSpPr txBox="1"/>
+            <a:endParaRPr b="0" lang="en-GB" sz="2800" spc="-1" strike="noStrike">
+              <a:latin typeface="Arial"/>
+            </a:endParaRPr>
+          </a:p>
+        </p:txBody>
+      </p:sp>
+      <p:sp>
+        <p:nvSpPr>
+          <p:cNvPr id="80" name="CustomShape 2"/>
+          <p:cNvSpPr/>
           <p:nvPr/>
         </p:nvSpPr>
         <p:spPr>
           <a:xfrm>
             <a:off x="457200" y="1872000"/>
-            <a:ext cx="8229240" cy="2421000"/>
+            <a:ext cx="8228880" cy="2420640"/>
           </a:xfrm>
           <a:prstGeom prst="rect">
             <a:avLst/>
@@ -5085,8 +4518,14 @@
             <a:noFill/>
           </a:ln>
         </p:spPr>
-        <p:txBody>
-          <a:bodyPr>
+        <p:style>
+          <a:lnRef idx="0"/>
+          <a:fillRef idx="0"/>
+          <a:effectRef idx="0"/>
+          <a:fontRef idx="minor"/>
+        </p:style>
+        <p:txBody>
+          <a:bodyPr lIns="90000" rIns="90000" tIns="45000" bIns="45000">
             <a:normAutofit fontScale="64000"/>
           </a:bodyPr>
           <a:p>
@@ -5099,7 +4538,7 @@
               </a:spcBef>
             </a:pPr>
             <a:r>
-              <a:rPr b="0" lang="pl-PL" sz="2400" spc="-1" strike="noStrike">
+              <a:rPr b="0" lang="en-GB" sz="2400" spc="-1" strike="noStrike">
                 <a:solidFill>
                   <a:srgbClr val="000000"/>
                 </a:solidFill>
@@ -5107,11 +4546,8 @@
               </a:rPr>
               <a:t>Prezentacja przypadków korona wirusa na mapie Świata w postaci danych liczbowych oraz na wykresach liniowych.</a:t>
             </a:r>
-            <a:endParaRPr b="0" lang="pl-PL" sz="2400" spc="-1" strike="noStrike">
-              <a:solidFill>
-                <a:srgbClr val="000000"/>
-              </a:solidFill>
-              <a:latin typeface="Calibri"/>
+            <a:endParaRPr b="0" lang="en-GB" sz="2400" spc="-1" strike="noStrike">
+              <a:latin typeface="Arial"/>
             </a:endParaRPr>
           </a:p>
           <a:p>
@@ -5124,7 +4560,7 @@
               </a:spcBef>
             </a:pPr>
             <a:r>
-              <a:rPr b="0" lang="pl-PL" sz="2400" spc="-1" strike="noStrike">
+              <a:rPr b="0" lang="en-GB" sz="2400" spc="-1" strike="noStrike">
                 <a:solidFill>
                   <a:srgbClr val="000000"/>
                 </a:solidFill>
@@ -5132,11 +4568,8 @@
               </a:rPr>
               <a:t>Cel osiągnięto poprzez import przypadków  historycznych do bazy danych, codzienne aktualizacje przypadków, przetworzenie danych w języku Python oraz przedstawienie wyników w formie aplikacji webowej , która umożliwia użytkownikowi podgląd aktualnych danych, historycznych jak również generować dynamiczne wykresy dla poszczególnych krajów osobno lub  jako porównanie danych dwóch dowolnych krajów. </a:t>
             </a:r>
-            <a:endParaRPr b="0" lang="pl-PL" sz="2400" spc="-1" strike="noStrike">
-              <a:solidFill>
-                <a:srgbClr val="000000"/>
-              </a:solidFill>
-              <a:latin typeface="Calibri"/>
+            <a:endParaRPr b="0" lang="en-GB" sz="2400" spc="-1" strike="noStrike">
+              <a:latin typeface="Arial"/>
             </a:endParaRPr>
           </a:p>
           <a:p>
@@ -5148,25 +4581,22 @@
                 <a:spcPts val="479"/>
               </a:spcBef>
             </a:pPr>
-            <a:endParaRPr b="0" lang="pl-PL" sz="2400" spc="-1" strike="noStrike">
-              <a:solidFill>
-                <a:srgbClr val="000000"/>
-              </a:solidFill>
-              <a:latin typeface="Calibri"/>
-            </a:endParaRPr>
-          </a:p>
-        </p:txBody>
-      </p:sp>
-      <p:sp>
-        <p:nvSpPr>
-          <p:cNvPr id="87" name="CustomShape 3"/>
+            <a:endParaRPr b="0" lang="en-GB" sz="2400" spc="-1" strike="noStrike">
+              <a:latin typeface="Arial"/>
+            </a:endParaRPr>
+          </a:p>
+        </p:txBody>
+      </p:sp>
+      <p:sp>
+        <p:nvSpPr>
+          <p:cNvPr id="81" name="CustomShape 3"/>
           <p:cNvSpPr/>
           <p:nvPr/>
         </p:nvSpPr>
         <p:spPr>
           <a:xfrm>
             <a:off x="0" y="3429000"/>
-            <a:ext cx="395280" cy="503640"/>
+            <a:ext cx="394920" cy="503280"/>
           </a:xfrm>
           <a:prstGeom prst="rect">
             <a:avLst/>
@@ -5193,14 +4623,14 @@
       </p:sp>
       <p:sp>
         <p:nvSpPr>
-          <p:cNvPr id="88" name="CustomShape 4"/>
+          <p:cNvPr id="82" name="CustomShape 4"/>
           <p:cNvSpPr/>
           <p:nvPr/>
         </p:nvSpPr>
         <p:spPr>
           <a:xfrm>
             <a:off x="0" y="3429000"/>
-            <a:ext cx="395280" cy="503640"/>
+            <a:ext cx="394920" cy="503280"/>
           </a:xfrm>
           <a:prstGeom prst="rect">
             <a:avLst/>
@@ -5230,14 +4660,14 @@
       </p:sp>
       <p:sp>
         <p:nvSpPr>
-          <p:cNvPr id="89" name="CustomShape 5"/>
+          <p:cNvPr id="83" name="CustomShape 5"/>
           <p:cNvSpPr/>
           <p:nvPr/>
         </p:nvSpPr>
         <p:spPr>
           <a:xfrm>
             <a:off x="0" y="3429000"/>
-            <a:ext cx="395280" cy="503640"/>
+            <a:ext cx="394920" cy="503280"/>
           </a:xfrm>
           <a:prstGeom prst="rect">
             <a:avLst/>
@@ -5246,7 +4676,7 @@
             <a:gsLst>
               <a:gs pos="0">
                 <a:srgbClr val="9ab4e4">
-                  <a:alpha val="14117"/>
+                  <a:alpha val="15294"/>
                 </a:srgbClr>
               </a:gs>
               <a:gs pos="100000">
@@ -5278,14 +4708,14 @@
       </p:sp>
       <p:sp>
         <p:nvSpPr>
-          <p:cNvPr id="90" name="CustomShape 6"/>
+          <p:cNvPr id="84" name="CustomShape 6"/>
           <p:cNvSpPr/>
           <p:nvPr/>
         </p:nvSpPr>
         <p:spPr>
           <a:xfrm>
             <a:off x="8748360" y="3429000"/>
-            <a:ext cx="395280" cy="503640"/>
+            <a:ext cx="394920" cy="503280"/>
           </a:xfrm>
           <a:prstGeom prst="rect">
             <a:avLst/>
@@ -5294,7 +4724,7 @@
             <a:gsLst>
               <a:gs pos="0">
                 <a:srgbClr val="9ab4e4">
-                  <a:alpha val="14117"/>
+                  <a:alpha val="15294"/>
                 </a:srgbClr>
               </a:gs>
               <a:gs pos="100000">
@@ -5326,14 +4756,14 @@
       </p:sp>
       <p:sp>
         <p:nvSpPr>
-          <p:cNvPr id="91" name="CustomShape 7"/>
+          <p:cNvPr id="85" name="CustomShape 7"/>
           <p:cNvSpPr/>
           <p:nvPr/>
         </p:nvSpPr>
         <p:spPr>
           <a:xfrm>
             <a:off x="792000" y="4437000"/>
-            <a:ext cx="6948000" cy="1841400"/>
+            <a:ext cx="6947640" cy="1887120"/>
           </a:xfrm>
           <a:prstGeom prst="rect">
             <a:avLst/>
@@ -5365,6 +4795,7 @@
                   <a:srgbClr val="000000"/>
                 </a:solidFill>
                 <a:latin typeface="Times New Roman"/>
+                <a:ea typeface="DejaVu Sans"/>
               </a:rPr>
               <a:t>Stos technologiczny :</a:t>
             </a:r>
@@ -5373,7 +4804,17 @@
             </a:endParaRPr>
           </a:p>
           <a:p>
-            <a:pPr marL="216000" indent="-216000">
+            <a:pPr>
+              <a:lnSpc>
+                <a:spcPct val="100000"/>
+              </a:lnSpc>
+            </a:pPr>
+            <a:endParaRPr b="0" lang="en-GB" sz="2400" spc="-1" strike="noStrike">
+              <a:latin typeface="Arial"/>
+            </a:endParaRPr>
+          </a:p>
+          <a:p>
+            <a:pPr marL="216000" indent="-215640">
               <a:lnSpc>
                 <a:spcPct val="100000"/>
               </a:lnSpc>
@@ -5383,27 +4824,13 @@
               <a:buFont typeface="Wingdings" charset="2"/>
               <a:buChar char=""/>
             </a:pPr>
-            <a:endParaRPr b="0" lang="en-GB" sz="2400" spc="-1" strike="noStrike">
-              <a:latin typeface="Arial"/>
-            </a:endParaRPr>
-          </a:p>
-          <a:p>
-            <a:pPr marL="216000" indent="-216000">
-              <a:lnSpc>
-                <a:spcPct val="100000"/>
-              </a:lnSpc>
-              <a:buClr>
-                <a:srgbClr val="000000"/>
-              </a:buClr>
-              <a:buFont typeface="Wingdings" charset="2"/>
-              <a:buChar char=""/>
-            </a:pPr>
             <a:r>
               <a:rPr b="0" lang="en-GB" sz="2000" spc="-1" strike="noStrike">
                 <a:solidFill>
                   <a:srgbClr val="000000"/>
                 </a:solidFill>
                 <a:latin typeface="Times New Roman"/>
+                <a:ea typeface="DejaVu Sans"/>
               </a:rPr>
               <a:t> </a:t>
             </a:r>
@@ -5413,6 +4840,7 @@
                   <a:srgbClr val="000000"/>
                 </a:solidFill>
                 <a:latin typeface="Times New Roman"/>
+                <a:ea typeface="DejaVu Sans"/>
               </a:rPr>
               <a:t>Python (requests, Flask, folium, plotly, pandas)</a:t>
             </a:r>
@@ -5421,7 +4849,7 @@
             </a:endParaRPr>
           </a:p>
           <a:p>
-            <a:pPr indent="-216000">
+            <a:pPr marL="216000" indent="-215640">
               <a:lnSpc>
                 <a:spcPct val="100000"/>
               </a:lnSpc>
@@ -5440,6 +4868,7 @@
                   <a:srgbClr val="000000"/>
                 </a:solidFill>
                 <a:latin typeface="Times New Roman"/>
+                <a:ea typeface="DejaVu Sans"/>
               </a:rPr>
               <a:t> </a:t>
             </a:r>
@@ -5449,6 +4878,7 @@
                   <a:srgbClr val="000000"/>
                 </a:solidFill>
                 <a:latin typeface="Times New Roman"/>
+                <a:ea typeface="DejaVu Sans"/>
               </a:rPr>
               <a:t>SQL, baza danych SQLite</a:t>
             </a:r>
@@ -5457,7 +4887,7 @@
             </a:endParaRPr>
           </a:p>
           <a:p>
-            <a:pPr indent="-216000">
+            <a:pPr marL="216000" indent="-215640">
               <a:lnSpc>
                 <a:spcPct val="100000"/>
               </a:lnSpc>
@@ -5476,6 +4906,7 @@
                   <a:srgbClr val="000000"/>
                 </a:solidFill>
                 <a:latin typeface="Times New Roman"/>
+                <a:ea typeface="DejaVu Sans"/>
               </a:rPr>
               <a:t> </a:t>
             </a:r>
@@ -5485,6 +4916,7 @@
                   <a:srgbClr val="000000"/>
                 </a:solidFill>
                 <a:latin typeface="Times New Roman"/>
+                <a:ea typeface="DejaVu Sans"/>
               </a:rPr>
               <a:t>JavaScript, HTML5, CSS3 </a:t>
             </a:r>
@@ -5526,14 +4958,14 @@
       </p:grpSpPr>
       <p:sp>
         <p:nvSpPr>
-          <p:cNvPr id="92" name="TextShape 1"/>
-          <p:cNvSpPr txBox="1"/>
+          <p:cNvPr id="86" name="CustomShape 1"/>
+          <p:cNvSpPr/>
           <p:nvPr/>
         </p:nvSpPr>
         <p:spPr>
           <a:xfrm>
             <a:off x="403560" y="1052640"/>
-            <a:ext cx="8229240" cy="503640"/>
+            <a:ext cx="8228880" cy="503280"/>
           </a:xfrm>
           <a:prstGeom prst="rect">
             <a:avLst/>
@@ -5543,8 +4975,14 @@
             <a:noFill/>
           </a:ln>
         </p:spPr>
-        <p:txBody>
-          <a:bodyPr anchor="ctr">
+        <p:style>
+          <a:lnRef idx="0"/>
+          <a:fillRef idx="0"/>
+          <a:effectRef idx="0"/>
+          <a:fontRef idx="minor"/>
+        </p:style>
+        <p:txBody>
+          <a:bodyPr lIns="90000" rIns="90000" tIns="45000" bIns="45000" anchor="ctr">
             <a:normAutofit/>
           </a:bodyPr>
           <a:p>
@@ -5554,7 +4992,7 @@
               </a:lnSpc>
             </a:pPr>
             <a:r>
-              <a:rPr b="1" lang="pl-PL" sz="2800" spc="-1" strike="noStrike">
+              <a:rPr b="1" lang="en-GB" sz="2800" spc="-1" strike="noStrike">
                 <a:solidFill>
                   <a:srgbClr val="000000"/>
                 </a:solidFill>
@@ -5562,25 +5000,22 @@
               </a:rPr>
               <a:t>Problemy i rozwiązania</a:t>
             </a:r>
-            <a:endParaRPr b="0" lang="pl-PL" sz="2800" spc="-1" strike="noStrike">
-              <a:solidFill>
-                <a:srgbClr val="000000"/>
-              </a:solidFill>
-              <a:latin typeface="Calibri"/>
-            </a:endParaRPr>
-          </a:p>
-        </p:txBody>
-      </p:sp>
-      <p:sp>
-        <p:nvSpPr>
-          <p:cNvPr id="93" name="CustomShape 2"/>
+            <a:endParaRPr b="0" lang="en-GB" sz="2800" spc="-1" strike="noStrike">
+              <a:latin typeface="Arial"/>
+            </a:endParaRPr>
+          </a:p>
+        </p:txBody>
+      </p:sp>
+      <p:sp>
+        <p:nvSpPr>
+          <p:cNvPr id="87" name="CustomShape 2"/>
           <p:cNvSpPr/>
           <p:nvPr/>
         </p:nvSpPr>
         <p:spPr>
           <a:xfrm>
             <a:off x="0" y="3429000"/>
-            <a:ext cx="395280" cy="503640"/>
+            <a:ext cx="394920" cy="503280"/>
           </a:xfrm>
           <a:prstGeom prst="rect">
             <a:avLst/>
@@ -5607,14 +5042,14 @@
       </p:sp>
       <p:sp>
         <p:nvSpPr>
-          <p:cNvPr id="94" name="CustomShape 3"/>
+          <p:cNvPr id="88" name="CustomShape 3"/>
           <p:cNvSpPr/>
           <p:nvPr/>
         </p:nvSpPr>
         <p:spPr>
           <a:xfrm>
             <a:off x="0" y="3429000"/>
-            <a:ext cx="395280" cy="503640"/>
+            <a:ext cx="394920" cy="503280"/>
           </a:xfrm>
           <a:prstGeom prst="rect">
             <a:avLst/>
@@ -5644,14 +5079,14 @@
       </p:sp>
       <p:sp>
         <p:nvSpPr>
-          <p:cNvPr id="95" name="CustomShape 4"/>
+          <p:cNvPr id="89" name="CustomShape 4"/>
           <p:cNvSpPr/>
           <p:nvPr/>
         </p:nvSpPr>
         <p:spPr>
           <a:xfrm>
             <a:off x="0" y="3429000"/>
-            <a:ext cx="395280" cy="503640"/>
+            <a:ext cx="394920" cy="503280"/>
           </a:xfrm>
           <a:prstGeom prst="rect">
             <a:avLst/>
@@ -5660,7 +5095,7 @@
             <a:gsLst>
               <a:gs pos="0">
                 <a:srgbClr val="9ab4e4">
-                  <a:alpha val="14117"/>
+                  <a:alpha val="15294"/>
                 </a:srgbClr>
               </a:gs>
               <a:gs pos="100000">
@@ -5692,14 +5127,14 @@
       </p:sp>
       <p:sp>
         <p:nvSpPr>
-          <p:cNvPr id="96" name="CustomShape 5"/>
+          <p:cNvPr id="90" name="CustomShape 5"/>
           <p:cNvSpPr/>
           <p:nvPr/>
         </p:nvSpPr>
         <p:spPr>
           <a:xfrm>
             <a:off x="8748360" y="3429000"/>
-            <a:ext cx="395280" cy="503640"/>
+            <a:ext cx="394920" cy="503280"/>
           </a:xfrm>
           <a:prstGeom prst="rect">
             <a:avLst/>
@@ -5708,7 +5143,7 @@
             <a:gsLst>
               <a:gs pos="0">
                 <a:srgbClr val="9ab4e4">
-                  <a:alpha val="14117"/>
+                  <a:alpha val="15294"/>
                 </a:srgbClr>
               </a:gs>
               <a:gs pos="100000">
@@ -5740,14 +5175,14 @@
       </p:sp>
       <p:sp>
         <p:nvSpPr>
-          <p:cNvPr id="97" name="CustomShape 6"/>
+          <p:cNvPr id="91" name="CustomShape 6"/>
           <p:cNvSpPr/>
           <p:nvPr/>
         </p:nvSpPr>
         <p:spPr>
           <a:xfrm>
             <a:off x="2771640" y="1845000"/>
-            <a:ext cx="6729120" cy="3926520"/>
+            <a:ext cx="6728760" cy="3926160"/>
           </a:xfrm>
           <a:prstGeom prst="rect">
             <a:avLst/>
@@ -5779,6 +5214,7 @@
                   <a:srgbClr val="000000"/>
                 </a:solidFill>
                 <a:latin typeface="Arial"/>
+                <a:ea typeface="DejaVu Sans"/>
               </a:rPr>
               <a:t>1. Schemat - indetyfikowanie kolumn i danych, które są kluczowe dla projektu </a:t>
             </a:r>
@@ -5798,6 +5234,7 @@
                   <a:srgbClr val="000000"/>
                 </a:solidFill>
                 <a:latin typeface="Arial"/>
+                <a:ea typeface="DejaVu Sans"/>
               </a:rPr>
               <a:t>2. API - odnalezienie odpowiedniej struktury do naszych schematów</a:t>
             </a:r>
@@ -5817,6 +5254,7 @@
                   <a:srgbClr val="000000"/>
                 </a:solidFill>
                 <a:latin typeface="Arial"/>
+                <a:ea typeface="DejaVu Sans"/>
               </a:rPr>
               <a:t>3. Czas importowania dancyh </a:t>
             </a:r>
@@ -5836,6 +5274,7 @@
                   <a:srgbClr val="000000"/>
                 </a:solidFill>
                 <a:latin typeface="Arial"/>
+                <a:ea typeface="DejaVu Sans"/>
               </a:rPr>
               <a:t>4. Eliminowanie nieporządanych danych (duplikaty, puste komórki)</a:t>
             </a:r>
@@ -5855,6 +5294,7 @@
                   <a:srgbClr val="000000"/>
                 </a:solidFill>
                 <a:latin typeface="Arial"/>
+                <a:ea typeface="DejaVu Sans"/>
               </a:rPr>
               <a:t>5. Limity importowania danych i ich poszerzanie</a:t>
             </a:r>
@@ -5874,6 +5314,7 @@
                   <a:srgbClr val="000000"/>
                 </a:solidFill>
                 <a:latin typeface="Arial"/>
+                <a:ea typeface="DejaVu Sans"/>
               </a:rPr>
               <a:t>6. SQL - kwerendy do filtrowania danych i łączenia danych z 3 API </a:t>
             </a:r>
@@ -5893,6 +5334,7 @@
                   <a:srgbClr val="000000"/>
                 </a:solidFill>
                 <a:latin typeface="Arial"/>
+                <a:ea typeface="DejaVu Sans"/>
               </a:rPr>
               <a:t>7. Refractor - elastyczne metody, dodawanie kodu dla różnych metod</a:t>
             </a:r>
@@ -5912,6 +5354,7 @@
                   <a:srgbClr val="000000"/>
                 </a:solidFill>
                 <a:latin typeface="Arial"/>
+                <a:ea typeface="DejaVu Sans"/>
               </a:rPr>
               <a:t>8. Java - użycie metod i class </a:t>
             </a:r>
@@ -5931,6 +5374,7 @@
                   <a:srgbClr val="000000"/>
                 </a:solidFill>
                 <a:latin typeface="Arial"/>
+                <a:ea typeface="DejaVu Sans"/>
               </a:rPr>
               <a:t>9. HTML5 i CSS3 - zastosowanie do wizualizacji danych</a:t>
             </a:r>
@@ -5950,6 +5394,7 @@
                   <a:srgbClr val="000000"/>
                 </a:solidFill>
                 <a:latin typeface="Arial"/>
+                <a:ea typeface="DejaVu Sans"/>
               </a:rPr>
               <a:t>10. Java Script - to tworzenia interaktywnych wykresów i przycisków</a:t>
             </a:r>
@@ -5969,6 +5414,7 @@
                   <a:srgbClr val="000000"/>
                 </a:solidFill>
                 <a:latin typeface="Arial"/>
+                <a:ea typeface="DejaVu Sans"/>
               </a:rPr>
               <a:t>11. Python Folium - wizualizacja danych na mapie świata </a:t>
             </a:r>
@@ -5988,6 +5434,7 @@
                   <a:srgbClr val="000000"/>
                 </a:solidFill>
                 <a:latin typeface="Arial"/>
+                <a:ea typeface="DejaVu Sans"/>
               </a:rPr>
               <a:t>12. Flask - umieszczenie danych na serwerze</a:t>
             </a:r>
@@ -5999,14 +5446,14 @@
       </p:sp>
       <p:sp>
         <p:nvSpPr>
-          <p:cNvPr id="98" name="CustomShape 7"/>
+          <p:cNvPr id="92" name="CustomShape 7"/>
           <p:cNvSpPr/>
           <p:nvPr/>
         </p:nvSpPr>
         <p:spPr>
           <a:xfrm>
             <a:off x="516960" y="2614320"/>
-            <a:ext cx="2133360" cy="2133360"/>
+            <a:ext cx="2133000" cy="2133000"/>
           </a:xfrm>
           <a:prstGeom prst="flowChartConnector">
             <a:avLst/>
@@ -6060,14 +5507,14 @@
       </p:grpSpPr>
       <p:sp>
         <p:nvSpPr>
-          <p:cNvPr id="99" name="TextShape 1"/>
-          <p:cNvSpPr txBox="1"/>
+          <p:cNvPr id="93" name="CustomShape 1"/>
+          <p:cNvSpPr/>
           <p:nvPr/>
         </p:nvSpPr>
         <p:spPr>
           <a:xfrm>
             <a:off x="457200" y="1196640"/>
-            <a:ext cx="8229240" cy="503640"/>
+            <a:ext cx="8228880" cy="503280"/>
           </a:xfrm>
           <a:prstGeom prst="rect">
             <a:avLst/>
@@ -6077,8 +5524,14 @@
             <a:noFill/>
           </a:ln>
         </p:spPr>
-        <p:txBody>
-          <a:bodyPr anchor="ctr">
+        <p:style>
+          <a:lnRef idx="0"/>
+          <a:fillRef idx="0"/>
+          <a:effectRef idx="0"/>
+          <a:fontRef idx="minor"/>
+        </p:style>
+        <p:txBody>
+          <a:bodyPr lIns="90000" rIns="90000" tIns="45000" bIns="45000" anchor="ctr">
             <a:normAutofit/>
           </a:bodyPr>
           <a:p>
@@ -6088,7 +5541,7 @@
               </a:lnSpc>
             </a:pPr>
             <a:r>
-              <a:rPr b="1" lang="pl-PL" sz="2800" spc="-1" strike="noStrike">
+              <a:rPr b="1" lang="en-GB" sz="2800" spc="-1" strike="noStrike">
                 <a:solidFill>
                   <a:srgbClr val="000000"/>
                 </a:solidFill>
@@ -6096,25 +5549,22 @@
               </a:rPr>
               <a:t>Demo aplikacji</a:t>
             </a:r>
-            <a:endParaRPr b="0" lang="pl-PL" sz="2800" spc="-1" strike="noStrike">
-              <a:solidFill>
-                <a:srgbClr val="000000"/>
-              </a:solidFill>
-              <a:latin typeface="Calibri"/>
-            </a:endParaRPr>
-          </a:p>
-        </p:txBody>
-      </p:sp>
-      <p:sp>
-        <p:nvSpPr>
-          <p:cNvPr id="100" name="CustomShape 2"/>
+            <a:endParaRPr b="0" lang="en-GB" sz="2800" spc="-1" strike="noStrike">
+              <a:latin typeface="Arial"/>
+            </a:endParaRPr>
+          </a:p>
+        </p:txBody>
+      </p:sp>
+      <p:sp>
+        <p:nvSpPr>
+          <p:cNvPr id="94" name="CustomShape 2"/>
           <p:cNvSpPr/>
           <p:nvPr/>
         </p:nvSpPr>
         <p:spPr>
           <a:xfrm>
             <a:off x="0" y="3429000"/>
-            <a:ext cx="395280" cy="503640"/>
+            <a:ext cx="394920" cy="503280"/>
           </a:xfrm>
           <a:prstGeom prst="rect">
             <a:avLst/>
@@ -6141,14 +5591,14 @@
       </p:sp>
       <p:sp>
         <p:nvSpPr>
-          <p:cNvPr id="101" name="CustomShape 3"/>
+          <p:cNvPr id="95" name="CustomShape 3"/>
           <p:cNvSpPr/>
           <p:nvPr/>
         </p:nvSpPr>
         <p:spPr>
           <a:xfrm>
             <a:off x="0" y="3429000"/>
-            <a:ext cx="395280" cy="503640"/>
+            <a:ext cx="394920" cy="503280"/>
           </a:xfrm>
           <a:prstGeom prst="rect">
             <a:avLst/>
@@ -6178,14 +5628,14 @@
       </p:sp>
       <p:sp>
         <p:nvSpPr>
-          <p:cNvPr id="102" name="CustomShape 4"/>
+          <p:cNvPr id="96" name="CustomShape 4"/>
           <p:cNvSpPr/>
           <p:nvPr/>
         </p:nvSpPr>
         <p:spPr>
           <a:xfrm>
             <a:off x="0" y="3429000"/>
-            <a:ext cx="395280" cy="503640"/>
+            <a:ext cx="394920" cy="503280"/>
           </a:xfrm>
           <a:prstGeom prst="rect">
             <a:avLst/>
@@ -6194,7 +5644,7 @@
             <a:gsLst>
               <a:gs pos="0">
                 <a:srgbClr val="9ab4e4">
-                  <a:alpha val="14117"/>
+                  <a:alpha val="15294"/>
                 </a:srgbClr>
               </a:gs>
               <a:gs pos="100000">
@@ -6226,14 +5676,14 @@
       </p:sp>
       <p:sp>
         <p:nvSpPr>
-          <p:cNvPr id="103" name="CustomShape 5"/>
+          <p:cNvPr id="97" name="CustomShape 5"/>
           <p:cNvSpPr/>
           <p:nvPr/>
         </p:nvSpPr>
         <p:spPr>
           <a:xfrm>
             <a:off x="8748360" y="3429000"/>
-            <a:ext cx="395280" cy="503640"/>
+            <a:ext cx="394920" cy="503280"/>
           </a:xfrm>
           <a:prstGeom prst="rect">
             <a:avLst/>
@@ -6242,7 +5692,7 @@
             <a:gsLst>
               <a:gs pos="0">
                 <a:srgbClr val="9ab4e4">
-                  <a:alpha val="14117"/>
+                  <a:alpha val="15294"/>
                 </a:srgbClr>
               </a:gs>
               <a:gs pos="100000">
@@ -6274,7 +5724,7 @@
       </p:sp>
       <p:pic>
         <p:nvPicPr>
-          <p:cNvPr id="104" name="" descr=""/>
+          <p:cNvPr id="98" name="" descr=""/>
           <p:cNvPicPr/>
           <p:nvPr/>
         </p:nvPicPr>
@@ -6285,7 +5735,7 @@
         <p:spPr>
           <a:xfrm rot="21595200">
             <a:off x="2880" y="1742040"/>
-            <a:ext cx="9143640" cy="4371480"/>
+            <a:ext cx="9143280" cy="4371120"/>
           </a:xfrm>
           <a:prstGeom prst="rect">
             <a:avLst/>
@@ -6325,28 +5775,94 @@
           <a:chExt cx="0" cy="0"/>
         </a:xfrm>
       </p:grpSpPr>
-      <p:sp>
-        <p:nvSpPr>
-          <p:cNvPr id="105" name="TextShape 1"/>
-          <p:cNvSpPr txBox="1"/>
+      <p:pic>
+        <p:nvPicPr>
+          <p:cNvPr id="99" name="Obraz 3" descr=""/>
+          <p:cNvPicPr/>
           <p:nvPr/>
-        </p:nvSpPr>
-        <p:spPr>
-          <a:xfrm>
-            <a:off x="457200" y="1196640"/>
-            <a:ext cx="8229240" cy="503640"/>
-          </a:xfrm>
-          <a:prstGeom prst="rect">
-            <a:avLst/>
-          </a:prstGeom>
-          <a:noFill/>
+        </p:nvPicPr>
+        <p:blipFill>
+          <a:blip r:embed="rId1"/>
+          <a:stretch/>
+        </p:blipFill>
+        <p:spPr>
+          <a:xfrm>
+            <a:off x="1187640" y="2132640"/>
+            <a:ext cx="7154640" cy="3273120"/>
+          </a:xfrm>
+          <a:prstGeom prst="rect">
+            <a:avLst/>
+          </a:prstGeom>
           <a:ln>
             <a:noFill/>
           </a:ln>
         </p:spPr>
-        <p:txBody>
-          <a:bodyPr anchor="ctr">
-            <a:normAutofit/>
+      </p:pic>
+      <p:pic>
+        <p:nvPicPr>
+          <p:cNvPr id="100" name="Obraz 6" descr=""/>
+          <p:cNvPicPr/>
+          <p:nvPr/>
+        </p:nvPicPr>
+        <p:blipFill>
+          <a:blip r:embed="rId2"/>
+          <a:stretch/>
+        </p:blipFill>
+        <p:spPr>
+          <a:xfrm>
+            <a:off x="1547640" y="3766320"/>
+            <a:ext cx="1268280" cy="1461960"/>
+          </a:xfrm>
+          <a:prstGeom prst="rect">
+            <a:avLst/>
+          </a:prstGeom>
+          <a:ln>
+            <a:noFill/>
+          </a:ln>
+        </p:spPr>
+      </p:pic>
+      <p:sp>
+        <p:nvSpPr>
+          <p:cNvPr id="101" name="CustomShape 1"/>
+          <p:cNvSpPr/>
+          <p:nvPr/>
+        </p:nvSpPr>
+        <p:spPr>
+          <a:xfrm>
+            <a:off x="4212000" y="1196640"/>
+            <a:ext cx="2807640" cy="791280"/>
+          </a:xfrm>
+          <a:prstGeom prst="wedgeRoundRectCallout">
+            <a:avLst>
+              <a:gd name="adj1" fmla="val -20833"/>
+              <a:gd name="adj2" fmla="val 62500"/>
+              <a:gd name="adj3" fmla="val 16667"/>
+            </a:avLst>
+          </a:prstGeom>
+          <a:solidFill>
+            <a:srgbClr val="92d050"/>
+          </a:solidFill>
+          <a:ln>
+            <a:round/>
+          </a:ln>
+        </p:spPr>
+        <p:style>
+          <a:lnRef idx="2">
+            <a:schemeClr val="accent3">
+              <a:shade val="50000"/>
+            </a:schemeClr>
+          </a:lnRef>
+          <a:fillRef idx="1">
+            <a:schemeClr val="accent3"/>
+          </a:fillRef>
+          <a:effectRef idx="0">
+            <a:schemeClr val="accent3"/>
+          </a:effectRef>
+          <a:fontRef idx="minor"/>
+        </p:style>
+        <p:txBody>
+          <a:bodyPr lIns="90000" rIns="90000" tIns="45000" bIns="45000" anchor="ctr">
+            <a:noAutofit/>
           </a:bodyPr>
           <a:p>
             <a:pPr algn="ctr">
@@ -6355,210 +5871,229 @@
               </a:lnSpc>
             </a:pPr>
             <a:r>
-              <a:rPr b="1" lang="pl-PL" sz="2800" spc="-1" strike="noStrike">
-                <a:solidFill>
-                  <a:srgbClr val="000000"/>
-                </a:solidFill>
-                <a:latin typeface="Times New Roman"/>
-              </a:rPr>
-              <a:t>Analiza kodu </a:t>
-            </a:r>
-            <a:endParaRPr b="0" lang="pl-PL" sz="2800" spc="-1" strike="noStrike">
-              <a:solidFill>
-                <a:srgbClr val="000000"/>
-              </a:solidFill>
-              <a:latin typeface="Calibri"/>
-            </a:endParaRPr>
-          </a:p>
-        </p:txBody>
-      </p:sp>
-      <p:sp>
-        <p:nvSpPr>
-          <p:cNvPr id="106" name="CustomShape 2"/>
+              <a:rPr b="1" lang="en-GB" sz="1600" spc="-1" strike="noStrike">
+                <a:solidFill>
+                  <a:srgbClr val="ffffff"/>
+                </a:solidFill>
+                <a:latin typeface="Calibri"/>
+                <a:ea typeface="DejaVu Sans"/>
+              </a:rPr>
+              <a:t>Overall Statistics</a:t>
+            </a:r>
+            <a:r>
+              <a:rPr b="0" lang="en-GB" sz="1600" spc="-1" strike="noStrike">
+                <a:solidFill>
+                  <a:srgbClr val="ffffff"/>
+                </a:solidFill>
+                <a:latin typeface="Calibri"/>
+                <a:ea typeface="DejaVu Sans"/>
+              </a:rPr>
+              <a:t>, </a:t>
+            </a:r>
+            <a:br/>
+            <a:r>
+              <a:rPr b="0" lang="en-GB" sz="1600" spc="-1" strike="noStrike">
+                <a:solidFill>
+                  <a:srgbClr val="ffffff"/>
+                </a:solidFill>
+                <a:latin typeface="Calibri"/>
+                <a:ea typeface="DejaVu Sans"/>
+              </a:rPr>
+              <a:t>suma wszystkich przypadków</a:t>
+            </a:r>
+            <a:endParaRPr b="0" lang="en-GB" sz="1600" spc="-1" strike="noStrike">
+              <a:latin typeface="Arial"/>
+            </a:endParaRPr>
+          </a:p>
+        </p:txBody>
+      </p:sp>
+      <p:sp>
+        <p:nvSpPr>
+          <p:cNvPr id="102" name="CustomShape 2"/>
           <p:cNvSpPr/>
           <p:nvPr/>
         </p:nvSpPr>
         <p:spPr>
-          <a:xfrm>
-            <a:off x="0" y="3429000"/>
-            <a:ext cx="395280" cy="503640"/>
-          </a:xfrm>
-          <a:prstGeom prst="rect">
-            <a:avLst/>
-          </a:prstGeom>
-          <a:noFill/>
+          <a:xfrm flipH="1">
+            <a:off x="5867280" y="3429000"/>
+            <a:ext cx="2303640" cy="1367280"/>
+          </a:xfrm>
+          <a:prstGeom prst="wedgeRoundRectCallout">
+            <a:avLst>
+              <a:gd name="adj1" fmla="val -20833"/>
+              <a:gd name="adj2" fmla="val 62500"/>
+              <a:gd name="adj3" fmla="val 16667"/>
+            </a:avLst>
+          </a:prstGeom>
+          <a:solidFill>
+            <a:srgbClr val="92d050"/>
+          </a:solidFill>
           <a:ln>
-            <a:noFill/>
+            <a:round/>
           </a:ln>
         </p:spPr>
         <p:style>
           <a:lnRef idx="2">
-            <a:schemeClr val="accent1">
+            <a:schemeClr val="accent3">
               <a:shade val="50000"/>
             </a:schemeClr>
           </a:lnRef>
           <a:fillRef idx="1">
-            <a:schemeClr val="accent1"/>
+            <a:schemeClr val="accent3"/>
           </a:fillRef>
           <a:effectRef idx="0">
-            <a:schemeClr val="accent1"/>
+            <a:schemeClr val="accent3"/>
           </a:effectRef>
           <a:fontRef idx="minor"/>
         </p:style>
-      </p:sp>
-      <p:sp>
-        <p:nvSpPr>
-          <p:cNvPr id="107" name="CustomShape 3"/>
+        <p:txBody>
+          <a:bodyPr lIns="90000" rIns="90000" tIns="45000" bIns="45000" anchor="ctr">
+            <a:noAutofit/>
+          </a:bodyPr>
+          <a:p>
+            <a:pPr algn="ctr">
+              <a:lnSpc>
+                <a:spcPct val="100000"/>
+              </a:lnSpc>
+            </a:pPr>
+            <a:r>
+              <a:rPr b="1" lang="en-GB" sz="1600" spc="-1" strike="noStrike">
+                <a:solidFill>
+                  <a:srgbClr val="ffffff"/>
+                </a:solidFill>
+                <a:latin typeface="Calibri"/>
+                <a:ea typeface="DejaVu Sans"/>
+              </a:rPr>
+              <a:t>Indicator</a:t>
+            </a:r>
+            <a:r>
+              <a:rPr b="0" lang="en-GB" sz="1600" spc="-1" strike="noStrike">
+                <a:solidFill>
+                  <a:srgbClr val="ffffff"/>
+                </a:solidFill>
+                <a:latin typeface="Calibri"/>
+                <a:ea typeface="DejaVu Sans"/>
+              </a:rPr>
+              <a:t>,</a:t>
+            </a:r>
+            <a:br/>
+            <a:r>
+              <a:rPr b="0" lang="en-GB" sz="1600" spc="-1" strike="noStrike">
+                <a:solidFill>
+                  <a:srgbClr val="ffffff"/>
+                </a:solidFill>
+                <a:latin typeface="Calibri"/>
+                <a:ea typeface="DejaVu Sans"/>
+              </a:rPr>
+              <a:t> wskaźnik pojawiający się jeśli w danym kraju pojawiły się przypadki Covid19</a:t>
+            </a:r>
+            <a:endParaRPr b="0" lang="en-GB" sz="1600" spc="-1" strike="noStrike">
+              <a:latin typeface="Arial"/>
+            </a:endParaRPr>
+          </a:p>
+        </p:txBody>
+      </p:sp>
+      <p:sp>
+        <p:nvSpPr>
+          <p:cNvPr id="103" name="CustomShape 3"/>
           <p:cNvSpPr/>
           <p:nvPr/>
         </p:nvSpPr>
         <p:spPr>
-          <a:xfrm>
-            <a:off x="0" y="3429000"/>
-            <a:ext cx="395280" cy="503640"/>
-          </a:xfrm>
-          <a:prstGeom prst="rect">
-            <a:avLst/>
-          </a:prstGeom>
-          <a:noFill/>
+          <a:xfrm flipH="1">
+            <a:off x="1186920" y="1845000"/>
+            <a:ext cx="2571840" cy="863280"/>
+          </a:xfrm>
+          <a:prstGeom prst="wedgeRoundRectCallout">
+            <a:avLst>
+              <a:gd name="adj1" fmla="val -20833"/>
+              <a:gd name="adj2" fmla="val 62500"/>
+              <a:gd name="adj3" fmla="val 16667"/>
+            </a:avLst>
+          </a:prstGeom>
+          <a:solidFill>
+            <a:srgbClr val="92d050"/>
+          </a:solidFill>
           <a:ln>
-            <a:solidFill>
-              <a:srgbClr val="9ab4e4"/>
-            </a:solidFill>
             <a:round/>
           </a:ln>
         </p:spPr>
         <p:style>
           <a:lnRef idx="2">
-            <a:schemeClr val="accent1">
+            <a:schemeClr val="accent3">
               <a:shade val="50000"/>
             </a:schemeClr>
           </a:lnRef>
           <a:fillRef idx="1">
-            <a:schemeClr val="accent1"/>
+            <a:schemeClr val="accent3"/>
           </a:fillRef>
           <a:effectRef idx="0">
-            <a:schemeClr val="accent1"/>
+            <a:schemeClr val="accent3"/>
           </a:effectRef>
           <a:fontRef idx="minor"/>
         </p:style>
-      </p:sp>
-      <p:sp>
-        <p:nvSpPr>
-          <p:cNvPr id="108" name="CustomShape 4"/>
+        <p:txBody>
+          <a:bodyPr lIns="90000" rIns="90000" tIns="45000" bIns="45000" anchor="ctr">
+            <a:noAutofit/>
+          </a:bodyPr>
+          <a:p>
+            <a:pPr algn="ctr">
+              <a:lnSpc>
+                <a:spcPct val="100000"/>
+              </a:lnSpc>
+            </a:pPr>
+            <a:r>
+              <a:rPr b="1" lang="en-GB" sz="1600" spc="-1" strike="noStrike">
+                <a:solidFill>
+                  <a:srgbClr val="ffffff"/>
+                </a:solidFill>
+                <a:latin typeface="Calibri"/>
+                <a:ea typeface="DejaVu Sans"/>
+              </a:rPr>
+              <a:t>Country Specific Stats</a:t>
+            </a:r>
+            <a:r>
+              <a:rPr b="0" lang="en-GB" sz="1600" spc="-1" strike="noStrike">
+                <a:solidFill>
+                  <a:srgbClr val="ffffff"/>
+                </a:solidFill>
+                <a:latin typeface="Calibri"/>
+                <a:ea typeface="DejaVu Sans"/>
+              </a:rPr>
+              <a:t>,</a:t>
+            </a:r>
+            <a:br/>
+            <a:r>
+              <a:rPr b="0" lang="en-GB" sz="1600" spc="-1" strike="noStrike">
+                <a:solidFill>
+                  <a:srgbClr val="ffffff"/>
+                </a:solidFill>
+                <a:latin typeface="Calibri"/>
+                <a:ea typeface="DejaVu Sans"/>
+              </a:rPr>
+              <a:t> dane przypadków w wybranym kraju </a:t>
+            </a:r>
+            <a:endParaRPr b="0" lang="en-GB" sz="1600" spc="-1" strike="noStrike">
+              <a:latin typeface="Arial"/>
+            </a:endParaRPr>
+          </a:p>
+        </p:txBody>
+      </p:sp>
+      <p:sp>
+        <p:nvSpPr>
+          <p:cNvPr id="104" name="CustomShape 4"/>
           <p:cNvSpPr/>
           <p:nvPr/>
         </p:nvSpPr>
         <p:spPr>
           <a:xfrm>
-            <a:off x="0" y="3429000"/>
-            <a:ext cx="395280" cy="503640"/>
-          </a:xfrm>
-          <a:prstGeom prst="rect">
-            <a:avLst/>
-          </a:prstGeom>
-          <a:gradFill rotWithShape="0">
-            <a:gsLst>
-              <a:gs pos="0">
-                <a:srgbClr val="9ab4e4">
-                  <a:alpha val="14117"/>
-                </a:srgbClr>
-              </a:gs>
-              <a:gs pos="100000">
-                <a:srgbClr val="e0e8f5">
-                  <a:alpha val="0"/>
-                </a:srgbClr>
-              </a:gs>
-            </a:gsLst>
-            <a:lin ang="2700000"/>
-          </a:gradFill>
-          <a:ln>
-            <a:noFill/>
-          </a:ln>
-        </p:spPr>
-        <p:style>
-          <a:lnRef idx="2">
-            <a:schemeClr val="accent1">
-              <a:shade val="50000"/>
-            </a:schemeClr>
-          </a:lnRef>
-          <a:fillRef idx="1">
-            <a:schemeClr val="accent1"/>
-          </a:fillRef>
-          <a:effectRef idx="0">
-            <a:schemeClr val="accent1"/>
-          </a:effectRef>
-          <a:fontRef idx="minor"/>
-        </p:style>
-      </p:sp>
-      <p:sp>
-        <p:nvSpPr>
-          <p:cNvPr id="109" name="CustomShape 5"/>
-          <p:cNvSpPr/>
-          <p:nvPr/>
-        </p:nvSpPr>
-        <p:spPr>
-          <a:xfrm>
-            <a:off x="8748360" y="3429000"/>
-            <a:ext cx="395280" cy="503640"/>
-          </a:xfrm>
-          <a:prstGeom prst="rect">
-            <a:avLst/>
-          </a:prstGeom>
-          <a:gradFill rotWithShape="0">
-            <a:gsLst>
-              <a:gs pos="0">
-                <a:srgbClr val="9ab4e4">
-                  <a:alpha val="14117"/>
-                </a:srgbClr>
-              </a:gs>
-              <a:gs pos="100000">
-                <a:srgbClr val="e0e8f5">
-                  <a:alpha val="0"/>
-                </a:srgbClr>
-              </a:gs>
-            </a:gsLst>
-            <a:lin ang="2700000"/>
-          </a:gradFill>
-          <a:ln>
-            <a:noFill/>
-          </a:ln>
-        </p:spPr>
-        <p:style>
-          <a:lnRef idx="2">
-            <a:schemeClr val="accent1">
-              <a:shade val="50000"/>
-            </a:schemeClr>
-          </a:lnRef>
-          <a:fillRef idx="1">
-            <a:schemeClr val="accent1"/>
-          </a:fillRef>
-          <a:effectRef idx="0">
-            <a:schemeClr val="accent1"/>
-          </a:effectRef>
-          <a:fontRef idx="minor"/>
-        </p:style>
-      </p:sp>
-      <p:sp>
-        <p:nvSpPr>
-          <p:cNvPr id="110" name="CustomShape 6"/>
-          <p:cNvSpPr/>
-          <p:nvPr/>
-        </p:nvSpPr>
-        <p:spPr>
-          <a:xfrm>
-            <a:off x="3852000" y="1863720"/>
-            <a:ext cx="1511640" cy="1511640"/>
-          </a:xfrm>
-          <a:prstGeom prst="flowChartConnector">
-            <a:avLst/>
-          </a:prstGeom>
-          <a:blipFill rotWithShape="0">
-            <a:blip r:embed="rId1"/>
-            <a:stretch>
-              <a:fillRect/>
-            </a:stretch>
-          </a:blipFill>
+            <a:off x="1377000" y="3838320"/>
+            <a:ext cx="1429560" cy="1306800"/>
+          </a:xfrm>
+          <a:prstGeom prst="rect">
+            <a:avLst/>
+          </a:prstGeom>
+          <a:noFill/>
           <a:ln>
             <a:noFill/>
           </a:ln>
@@ -6569,116 +6104,38 @@
           <a:effectRef idx="0"/>
           <a:fontRef idx="minor"/>
         </p:style>
-      </p:sp>
-      <p:sp>
-        <p:nvSpPr>
-          <p:cNvPr id="111" name="TextShape 7"/>
-          <p:cNvSpPr txBox="1"/>
-          <p:nvPr/>
-        </p:nvSpPr>
-        <p:spPr>
-          <a:xfrm>
-            <a:off x="247320" y="3573000"/>
-            <a:ext cx="8676000" cy="2736000"/>
-          </a:xfrm>
-          <a:prstGeom prst="rect">
-            <a:avLst/>
-          </a:prstGeom>
-          <a:noFill/>
-          <a:ln>
-            <a:noFill/>
-          </a:ln>
-        </p:spPr>
-        <p:txBody>
-          <a:bodyPr>
-            <a:noAutofit/>
+        <p:txBody>
+          <a:bodyPr lIns="90000" rIns="90000" tIns="45000" bIns="45000">
+            <a:spAutoFit/>
           </a:bodyPr>
           <a:p>
             <a:pPr algn="ctr">
               <a:lnSpc>
                 <a:spcPct val="100000"/>
               </a:lnSpc>
-              <a:spcBef>
-                <a:spcPts val="400"/>
-              </a:spcBef>
             </a:pPr>
             <a:r>
-              <a:rPr b="0" lang="pl-PL" sz="2000" spc="-1" strike="noStrike">
-                <a:solidFill>
-                  <a:srgbClr val="000000"/>
-                </a:solidFill>
-                <a:latin typeface="Times New Roman"/>
-              </a:rPr>
-              <a:t>Analiza kodu przestawiona będzie w podziale na funkcje jakie posiada aplikacja. </a:t>
-            </a:r>
-            <a:endParaRPr b="0" lang="pl-PL" sz="2000" spc="-1" strike="noStrike">
-              <a:solidFill>
-                <a:srgbClr val="000000"/>
-              </a:solidFill>
-              <a:latin typeface="Calibri"/>
-            </a:endParaRPr>
-          </a:p>
-          <a:p>
-            <a:pPr algn="ctr">
-              <a:lnSpc>
-                <a:spcPct val="100000"/>
-              </a:lnSpc>
-              <a:spcBef>
-                <a:spcPts val="400"/>
-              </a:spcBef>
-            </a:pPr>
-            <a:r>
-              <a:rPr b="0" lang="pl-PL" sz="2000" spc="-1" strike="noStrike">
-                <a:solidFill>
-                  <a:srgbClr val="000000"/>
-                </a:solidFill>
-                <a:latin typeface="Times New Roman"/>
-              </a:rPr>
-              <a:t>Umożliwi to nam dokładne wyjaśnienie podejścia oraz omówienie bibliotek, które zostały wykorzystane do wykonania tego projektu. </a:t>
-            </a:r>
-            <a:endParaRPr b="0" lang="pl-PL" sz="2000" spc="-1" strike="noStrike">
-              <a:solidFill>
-                <a:srgbClr val="000000"/>
-              </a:solidFill>
-              <a:latin typeface="Calibri"/>
-            </a:endParaRPr>
-          </a:p>
-          <a:p>
-            <a:pPr algn="ctr">
-              <a:lnSpc>
-                <a:spcPct val="100000"/>
-              </a:lnSpc>
-              <a:spcBef>
-                <a:spcPts val="400"/>
-              </a:spcBef>
-            </a:pPr>
-            <a:r>
-              <a:rPr b="0" lang="pl-PL" sz="2000" spc="-1" strike="noStrike">
-                <a:solidFill>
-                  <a:srgbClr val="000000"/>
-                </a:solidFill>
-                <a:latin typeface="Times New Roman"/>
-              </a:rPr>
-              <a:t>Więcej informacji i dostęp do kodu znajdziemy po adresem: </a:t>
-            </a:r>
-            <a:br/>
-            <a:br/>
-            <a:r>
-              <a:rPr b="0" lang="pl-PL" sz="2000" spc="-1" strike="noStrike" u="sng">
-                <a:solidFill>
-                  <a:srgbClr val="0000ff"/>
-                </a:solidFill>
-                <a:uFillTx/>
+              <a:rPr b="1" lang="en-GB" sz="1600" spc="-1" strike="noStrike">
+                <a:solidFill>
+                  <a:srgbClr val="ffffff"/>
+                </a:solidFill>
                 <a:latin typeface="Calibri"/>
-                <a:hlinkClick r:id="rId2"/>
-              </a:rPr>
-              <a:t>https://github.com/janiszewskibartlomiej/COVID-19-Thesis-Postgraduate_studies_on_WSB#start-instructions</a:t>
-            </a:r>
-            <a:endParaRPr b="0" lang="pl-PL" sz="2000" spc="-1" strike="noStrike">
-              <a:solidFill>
-                <a:srgbClr val="000000"/>
-              </a:solidFill>
-              <a:latin typeface="Calibri"/>
+                <a:ea typeface="DejaVu Sans"/>
+              </a:rPr>
+              <a:t>Charts</a:t>
+            </a:r>
+            <a:r>
+              <a:rPr b="0" lang="en-GB" sz="1600" spc="-1" strike="noStrike">
+                <a:solidFill>
+                  <a:srgbClr val="ffffff"/>
+                </a:solidFill>
+                <a:latin typeface="Calibri"/>
+                <a:ea typeface="DejaVu Sans"/>
+              </a:rPr>
+              <a:t>, możliwość przejścia w dane szczegółowe</a:t>
+            </a:r>
+            <a:endParaRPr b="0" lang="en-GB" sz="1600" spc="-1" strike="noStrike">
+              <a:latin typeface="Arial"/>
             </a:endParaRPr>
           </a:p>
         </p:txBody>
@@ -6713,28 +6170,71 @@
           <a:chExt cx="0" cy="0"/>
         </a:xfrm>
       </p:grpSpPr>
-      <p:sp>
-        <p:nvSpPr>
-          <p:cNvPr id="112" name="TextShape 1"/>
-          <p:cNvSpPr txBox="1"/>
+      <p:pic>
+        <p:nvPicPr>
+          <p:cNvPr id="105" name="Obraz 3" descr=""/>
+          <p:cNvPicPr/>
           <p:nvPr/>
-        </p:nvSpPr>
-        <p:spPr>
-          <a:xfrm>
-            <a:off x="1259640" y="1124640"/>
-            <a:ext cx="6645240" cy="1142640"/>
-          </a:xfrm>
-          <a:prstGeom prst="rect">
-            <a:avLst/>
-          </a:prstGeom>
-          <a:noFill/>
+        </p:nvPicPr>
+        <p:blipFill>
+          <a:blip r:embed="rId1"/>
+          <a:stretch/>
+        </p:blipFill>
+        <p:spPr>
+          <a:xfrm>
+            <a:off x="611640" y="2133000"/>
+            <a:ext cx="7667640" cy="3507840"/>
+          </a:xfrm>
+          <a:prstGeom prst="rect">
+            <a:avLst/>
+          </a:prstGeom>
           <a:ln>
             <a:noFill/>
           </a:ln>
         </p:spPr>
-        <p:txBody>
-          <a:bodyPr anchor="ctr">
-            <a:normAutofit/>
+      </p:pic>
+      <p:sp>
+        <p:nvSpPr>
+          <p:cNvPr id="106" name="CustomShape 1"/>
+          <p:cNvSpPr/>
+          <p:nvPr/>
+        </p:nvSpPr>
+        <p:spPr>
+          <a:xfrm>
+            <a:off x="2915640" y="1268640"/>
+            <a:ext cx="4031640" cy="647280"/>
+          </a:xfrm>
+          <a:prstGeom prst="wedgeRoundRectCallout">
+            <a:avLst>
+              <a:gd name="adj1" fmla="val -20833"/>
+              <a:gd name="adj2" fmla="val 62500"/>
+              <a:gd name="adj3" fmla="val 16667"/>
+            </a:avLst>
+          </a:prstGeom>
+          <a:solidFill>
+            <a:srgbClr val="92d050"/>
+          </a:solidFill>
+          <a:ln>
+            <a:round/>
+          </a:ln>
+        </p:spPr>
+        <p:style>
+          <a:lnRef idx="2">
+            <a:schemeClr val="accent3">
+              <a:shade val="50000"/>
+            </a:schemeClr>
+          </a:lnRef>
+          <a:fillRef idx="1">
+            <a:schemeClr val="accent3"/>
+          </a:fillRef>
+          <a:effectRef idx="0">
+            <a:schemeClr val="accent3"/>
+          </a:effectRef>
+          <a:fontRef idx="minor"/>
+        </p:style>
+        <p:txBody>
+          <a:bodyPr lIns="90000" rIns="90000" tIns="45000" bIns="45000" anchor="ctr">
+            <a:noAutofit/>
           </a:bodyPr>
           <a:p>
             <a:pPr algn="ctr">
@@ -6743,110 +6243,111 @@
               </a:lnSpc>
             </a:pPr>
             <a:r>
-              <a:rPr b="1" lang="pl-PL" sz="2800" spc="-1" strike="noStrike">
-                <a:solidFill>
-                  <a:srgbClr val="000000"/>
-                </a:solidFill>
-                <a:latin typeface="Times New Roman"/>
-              </a:rPr>
-              <a:t>Funkcja aplikacji i omówienie kodu </a:t>
-            </a:r>
-            <a:endParaRPr b="0" lang="pl-PL" sz="2800" spc="-1" strike="noStrike">
-              <a:solidFill>
-                <a:srgbClr val="000000"/>
-              </a:solidFill>
-              <a:latin typeface="Calibri"/>
-            </a:endParaRPr>
-          </a:p>
-        </p:txBody>
-      </p:sp>
-      <p:sp>
-        <p:nvSpPr>
-          <p:cNvPr id="113" name="TextShape 2"/>
-          <p:cNvSpPr txBox="1"/>
+              <a:rPr b="1" lang="en-GB" sz="1600" spc="-1" strike="noStrike">
+                <a:solidFill>
+                  <a:srgbClr val="ffffff"/>
+                </a:solidFill>
+                <a:latin typeface="Calibri"/>
+                <a:ea typeface="DejaVu Sans"/>
+              </a:rPr>
+              <a:t>Daily World Statistics</a:t>
+            </a:r>
+            <a:r>
+              <a:rPr b="0" lang="en-GB" sz="1600" spc="-1" strike="noStrike">
+                <a:solidFill>
+                  <a:srgbClr val="ffffff"/>
+                </a:solidFill>
+                <a:latin typeface="Calibri"/>
+                <a:ea typeface="DejaVu Sans"/>
+              </a:rPr>
+              <a:t>, </a:t>
+            </a:r>
+            <a:br/>
+            <a:r>
+              <a:rPr b="0" lang="en-GB" sz="1600" spc="-1" strike="noStrike">
+                <a:solidFill>
+                  <a:srgbClr val="ffffff"/>
+                </a:solidFill>
+                <a:latin typeface="Calibri"/>
+                <a:ea typeface="DejaVu Sans"/>
+              </a:rPr>
+              <a:t>dane świata widoczne na wykresie liniowym</a:t>
+            </a:r>
+            <a:endParaRPr b="0" lang="en-GB" sz="1600" spc="-1" strike="noStrike">
+              <a:latin typeface="Arial"/>
+            </a:endParaRPr>
+          </a:p>
+        </p:txBody>
+      </p:sp>
+      <p:sp>
+        <p:nvSpPr>
+          <p:cNvPr id="107" name="CustomShape 2"/>
+          <p:cNvSpPr/>
           <p:nvPr/>
         </p:nvSpPr>
         <p:spPr>
-          <a:xfrm>
-            <a:off x="867600" y="2349000"/>
-            <a:ext cx="7428960" cy="3541320"/>
-          </a:xfrm>
-          <a:prstGeom prst="rect">
-            <a:avLst/>
-          </a:prstGeom>
-          <a:noFill/>
+          <a:xfrm flipV="1" rot="10800000">
+            <a:off x="8640000" y="5184000"/>
+            <a:ext cx="1583280" cy="1583280"/>
+          </a:xfrm>
+          <a:prstGeom prst="wedgeRoundRectCallout">
+            <a:avLst>
+              <a:gd name="adj1" fmla="val 20376"/>
+              <a:gd name="adj2" fmla="val -60317"/>
+              <a:gd name="adj3" fmla="val 16667"/>
+            </a:avLst>
+          </a:prstGeom>
+          <a:solidFill>
+            <a:srgbClr val="92d050"/>
+          </a:solidFill>
           <a:ln>
-            <a:noFill/>
+            <a:round/>
           </a:ln>
         </p:spPr>
-        <p:txBody>
-          <a:bodyPr>
-            <a:normAutofit/>
+        <p:style>
+          <a:lnRef idx="2">
+            <a:schemeClr val="accent3"/>
+          </a:lnRef>
+          <a:fillRef idx="1">
+            <a:schemeClr val="lt1"/>
+          </a:fillRef>
+          <a:effectRef idx="0">
+            <a:schemeClr val="accent3"/>
+          </a:effectRef>
+          <a:fontRef idx="minor"/>
+        </p:style>
+        <p:txBody>
+          <a:bodyPr lIns="90000" rIns="90000" tIns="45000" bIns="45000" anchor="ctr">
+            <a:noAutofit/>
           </a:bodyPr>
           <a:p>
             <a:pPr algn="ctr">
               <a:lnSpc>
                 <a:spcPct val="100000"/>
               </a:lnSpc>
-              <a:spcBef>
-                <a:spcPts val="641"/>
-              </a:spcBef>
             </a:pPr>
             <a:r>
-              <a:rPr b="0" lang="pl-PL" sz="3200" spc="-1" strike="noStrike">
-                <a:solidFill>
-                  <a:srgbClr val="000000"/>
+              <a:rPr b="1" lang="en-GB" sz="1600" spc="-1" strike="noStrike">
+                <a:solidFill>
+                  <a:srgbClr val="ffffff"/>
                 </a:solidFill>
                 <a:latin typeface="Calibri"/>
-              </a:rPr>
-              <a:t>W następnych slajdach skupimy się na omówieniu funkcjonalności aplikacji, formie wizualnej wraz z nią zostanie omówiony osobno kod. </a:t>
-            </a:r>
-            <a:endParaRPr b="0" lang="pl-PL" sz="3200" spc="-1" strike="noStrike">
-              <a:solidFill>
-                <a:srgbClr val="000000"/>
-              </a:solidFill>
-              <a:latin typeface="Calibri"/>
-            </a:endParaRPr>
-          </a:p>
-          <a:p>
-            <a:pPr algn="ctr">
-              <a:lnSpc>
-                <a:spcPct val="100000"/>
-              </a:lnSpc>
-              <a:spcBef>
-                <a:spcPts val="641"/>
-              </a:spcBef>
-            </a:pPr>
-            <a:endParaRPr b="0" lang="pl-PL" sz="3200" spc="-1" strike="noStrike">
-              <a:solidFill>
-                <a:srgbClr val="000000"/>
-              </a:solidFill>
-              <a:latin typeface="Calibri"/>
-            </a:endParaRPr>
-          </a:p>
-          <a:p>
-            <a:pPr algn="ctr">
-              <a:lnSpc>
-                <a:spcPct val="100000"/>
-              </a:lnSpc>
-              <a:spcBef>
-                <a:spcPts val="641"/>
-              </a:spcBef>
-            </a:pPr>
-            <a:r>
-              <a:rPr b="0" lang="pl-PL" sz="3200" spc="-1" strike="noStrike">
-                <a:solidFill>
-                  <a:srgbClr val="000000"/>
+                <a:ea typeface="DejaVu Sans"/>
+              </a:rPr>
+              <a:t>Line Charts</a:t>
+            </a:r>
+            <a:r>
+              <a:rPr b="0" lang="en-GB" sz="1600" spc="-1" strike="noStrike">
+                <a:solidFill>
+                  <a:srgbClr val="ffffff"/>
                 </a:solidFill>
                 <a:latin typeface="Calibri"/>
-              </a:rPr>
-              <a:t>Kod będzie przestawiony osobno w środowiskach które zostały wykorzystane do stworzenia tej aplikacji. </a:t>
-            </a:r>
-            <a:endParaRPr b="0" lang="pl-PL" sz="3200" spc="-1" strike="noStrike">
-              <a:solidFill>
-                <a:srgbClr val="000000"/>
-              </a:solidFill>
-              <a:latin typeface="Calibri"/>
+                <a:ea typeface="DejaVu Sans"/>
+              </a:rPr>
+              <a:t>, dostępne dane na wykresie z możliwością usunięcia lub dodania</a:t>
+            </a:r>
+            <a:endParaRPr b="0" lang="en-GB" sz="1600" spc="-1" strike="noStrike">
+              <a:latin typeface="Arial"/>
             </a:endParaRPr>
           </a:p>
         </p:txBody>
@@ -6883,7 +6384,7 @@
       </p:grpSpPr>
       <p:pic>
         <p:nvPicPr>
-          <p:cNvPr id="114" name="Obraz 3" descr=""/>
+          <p:cNvPr id="108" name="Obraz 3" descr=""/>
           <p:cNvPicPr/>
           <p:nvPr/>
         </p:nvPicPr>
@@ -6893,8 +6394,8 @@
         </p:blipFill>
         <p:spPr>
           <a:xfrm>
-            <a:off x="1187640" y="2132640"/>
-            <a:ext cx="7155000" cy="3273480"/>
+            <a:off x="395640" y="1989000"/>
+            <a:ext cx="7667640" cy="3507840"/>
           </a:xfrm>
           <a:prstGeom prst="rect">
             <a:avLst/>
@@ -6904,39 +6405,16 @@
           </a:ln>
         </p:spPr>
       </p:pic>
-      <p:pic>
-        <p:nvPicPr>
-          <p:cNvPr id="115" name="Obraz 6" descr=""/>
-          <p:cNvPicPr/>
-          <p:nvPr/>
-        </p:nvPicPr>
-        <p:blipFill>
-          <a:blip r:embed="rId2"/>
-          <a:stretch/>
-        </p:blipFill>
-        <p:spPr>
-          <a:xfrm>
-            <a:off x="1547640" y="3766320"/>
-            <a:ext cx="1268640" cy="1462320"/>
-          </a:xfrm>
-          <a:prstGeom prst="rect">
-            <a:avLst/>
-          </a:prstGeom>
-          <a:ln>
-            <a:noFill/>
-          </a:ln>
-        </p:spPr>
-      </p:pic>
-      <p:sp>
-        <p:nvSpPr>
-          <p:cNvPr id="116" name="CustomShape 1"/>
+      <p:sp>
+        <p:nvSpPr>
+          <p:cNvPr id="109" name="CustomShape 1"/>
           <p:cNvSpPr/>
           <p:nvPr/>
         </p:nvSpPr>
         <p:spPr>
           <a:xfrm>
-            <a:off x="4212000" y="1196640"/>
-            <a:ext cx="2808000" cy="791640"/>
+            <a:off x="2915640" y="1316160"/>
+            <a:ext cx="4535640" cy="647280"/>
           </a:xfrm>
           <a:prstGeom prst="wedgeRoundRectCallout">
             <a:avLst>
@@ -6982,8 +6460,9 @@
                   <a:srgbClr val="ffffff"/>
                 </a:solidFill>
                 <a:latin typeface="Calibri"/>
-              </a:rPr>
-              <a:t>Overall Statistics</a:t>
+                <a:ea typeface="DejaVu Sans"/>
+              </a:rPr>
+              <a:t>Country Charts</a:t>
             </a:r>
             <a:r>
               <a:rPr b="0" lang="en-GB" sz="1600" spc="-1" strike="noStrike">
@@ -6991,8 +6470,9 @@
                   <a:srgbClr val="ffffff"/>
                 </a:solidFill>
                 <a:latin typeface="Calibri"/>
-              </a:rPr>
-              <a:t>, </a:t>
+                <a:ea typeface="DejaVu Sans"/>
+              </a:rPr>
+              <a:t>,</a:t>
             </a:r>
             <a:br/>
             <a:r>
@@ -7001,8 +6481,9 @@
                   <a:srgbClr val="ffffff"/>
                 </a:solidFill>
                 <a:latin typeface="Calibri"/>
-              </a:rPr>
-              <a:t>czyli suma wszystkich przypadków</a:t>
+                <a:ea typeface="DejaVu Sans"/>
+              </a:rPr>
+              <a:t> zestawienie danych w formie wykresu liniowego</a:t>
             </a:r>
             <a:endParaRPr b="0" lang="en-GB" sz="1600" spc="-1" strike="noStrike">
               <a:latin typeface="Arial"/>
@@ -7012,19 +6493,19 @@
       </p:sp>
       <p:sp>
         <p:nvSpPr>
-          <p:cNvPr id="117" name="CustomShape 2"/>
+          <p:cNvPr id="110" name="CustomShape 2"/>
           <p:cNvSpPr/>
           <p:nvPr/>
         </p:nvSpPr>
         <p:spPr>
-          <a:xfrm flipH="1">
-            <a:off x="5868000" y="3429000"/>
-            <a:ext cx="2304000" cy="1367640"/>
+          <a:xfrm flipV="1" rot="10800000">
+            <a:off x="8639640" y="4895280"/>
+            <a:ext cx="1655640" cy="1583280"/>
           </a:xfrm>
           <a:prstGeom prst="wedgeRoundRectCallout">
             <a:avLst>
-              <a:gd name="adj1" fmla="val -20833"/>
-              <a:gd name="adj2" fmla="val 62500"/>
+              <a:gd name="adj1" fmla="val 20376"/>
+              <a:gd name="adj2" fmla="val -60317"/>
               <a:gd name="adj3" fmla="val 16667"/>
             </a:avLst>
           </a:prstGeom>
@@ -7065,8 +6546,9 @@
                   <a:srgbClr val="ffffff"/>
                 </a:solidFill>
                 <a:latin typeface="Calibri"/>
-              </a:rPr>
-              <a:t>Indicator</a:t>
+                <a:ea typeface="DejaVu Sans"/>
+              </a:rPr>
+              <a:t>Line Charts</a:t>
             </a:r>
             <a:r>
               <a:rPr b="0" lang="en-GB" sz="1600" spc="-1" strike="noStrike">
@@ -7074,18 +6556,9 @@
                   <a:srgbClr val="ffffff"/>
                 </a:solidFill>
                 <a:latin typeface="Calibri"/>
-              </a:rPr>
-              <a:t>,</a:t>
-            </a:r>
-            <a:br/>
-            <a:r>
-              <a:rPr b="0" lang="en-GB" sz="1600" spc="-1" strike="noStrike">
-                <a:solidFill>
-                  <a:srgbClr val="ffffff"/>
-                </a:solidFill>
-                <a:latin typeface="Calibri"/>
-              </a:rPr>
-              <a:t> czyli wskaźnik pojawiający się jeśli w danym kraju pojawiły się przypadki Covid19</a:t>
+                <a:ea typeface="DejaVu Sans"/>
+              </a:rPr>
+              <a:t>, dostępne dane na wykresie z możliwością usunięcia lub dodania </a:t>
             </a:r>
             <a:endParaRPr b="0" lang="en-GB" sz="1600" spc="-1" strike="noStrike">
               <a:latin typeface="Arial"/>
@@ -7095,19 +6568,19 @@
       </p:sp>
       <p:sp>
         <p:nvSpPr>
-          <p:cNvPr id="118" name="CustomShape 3"/>
+          <p:cNvPr id="111" name="CustomShape 3"/>
           <p:cNvSpPr/>
           <p:nvPr/>
         </p:nvSpPr>
         <p:spPr>
-          <a:xfrm flipH="1">
-            <a:off x="1186920" y="1845000"/>
-            <a:ext cx="2572200" cy="863640"/>
+          <a:xfrm>
+            <a:off x="4229640" y="5301360"/>
+            <a:ext cx="2227680" cy="1431720"/>
           </a:xfrm>
           <a:prstGeom prst="wedgeRoundRectCallout">
             <a:avLst>
-              <a:gd name="adj1" fmla="val -20833"/>
-              <a:gd name="adj2" fmla="val 62500"/>
+              <a:gd name="adj1" fmla="val 21277"/>
+              <a:gd name="adj2" fmla="val -64743"/>
               <a:gd name="adj3" fmla="val 16667"/>
             </a:avLst>
           </a:prstGeom>
@@ -7148,8 +6621,9 @@
                   <a:srgbClr val="ffffff"/>
                 </a:solidFill>
                 <a:latin typeface="Calibri"/>
-              </a:rPr>
-              <a:t>Country Specific Stats</a:t>
+                <a:ea typeface="DejaVu Sans"/>
+              </a:rPr>
+              <a:t>Specific Dates</a:t>
             </a:r>
             <a:r>
               <a:rPr b="0" lang="en-GB" sz="1600" spc="-1" strike="noStrike">
@@ -7157,77 +6631,9 @@
                   <a:srgbClr val="ffffff"/>
                 </a:solidFill>
                 <a:latin typeface="Calibri"/>
-              </a:rPr>
-              <a:t>,</a:t>
-            </a:r>
-            <a:br/>
-            <a:r>
-              <a:rPr b="0" lang="en-GB" sz="1600" spc="-1" strike="noStrike">
-                <a:solidFill>
-                  <a:srgbClr val="ffffff"/>
-                </a:solidFill>
-                <a:latin typeface="Calibri"/>
-              </a:rPr>
-              <a:t> dane przypadków w wybranym kraju </a:t>
-            </a:r>
-            <a:endParaRPr b="0" lang="en-GB" sz="1600" spc="-1" strike="noStrike">
-              <a:latin typeface="Arial"/>
-            </a:endParaRPr>
-          </a:p>
-        </p:txBody>
-      </p:sp>
-      <p:sp>
-        <p:nvSpPr>
-          <p:cNvPr id="119" name="CustomShape 4"/>
-          <p:cNvSpPr/>
-          <p:nvPr/>
-        </p:nvSpPr>
-        <p:spPr>
-          <a:xfrm>
-            <a:off x="1377000" y="3838320"/>
-            <a:ext cx="1429920" cy="1307160"/>
-          </a:xfrm>
-          <a:prstGeom prst="rect">
-            <a:avLst/>
-          </a:prstGeom>
-          <a:noFill/>
-          <a:ln>
-            <a:noFill/>
-          </a:ln>
-        </p:spPr>
-        <p:style>
-          <a:lnRef idx="0"/>
-          <a:fillRef idx="0"/>
-          <a:effectRef idx="0"/>
-          <a:fontRef idx="minor"/>
-        </p:style>
-        <p:txBody>
-          <a:bodyPr lIns="90000" rIns="90000" tIns="45000" bIns="45000">
-            <a:spAutoFit/>
-          </a:bodyPr>
-          <a:p>
-            <a:pPr algn="ctr">
-              <a:lnSpc>
-                <a:spcPct val="100000"/>
-              </a:lnSpc>
-            </a:pPr>
-            <a:r>
-              <a:rPr b="1" lang="en-GB" sz="1600" spc="-1" strike="noStrike">
-                <a:solidFill>
-                  <a:srgbClr val="ffffff"/>
-                </a:solidFill>
-                <a:latin typeface="Calibri"/>
-              </a:rPr>
-              <a:t>Charts</a:t>
-            </a:r>
-            <a:r>
-              <a:rPr b="0" lang="en-GB" sz="1600" spc="-1" strike="noStrike">
-                <a:solidFill>
-                  <a:srgbClr val="ffffff"/>
-                </a:solidFill>
-                <a:latin typeface="Calibri"/>
-              </a:rPr>
-              <a:t>, możliwość przejścia w dane szczegółowe</a:t>
+                <a:ea typeface="DejaVu Sans"/>
+              </a:rPr>
+              <a:t>, najeżdżając na wykres pokazują się dane z tego dnia, na którym znajduje się kursor</a:t>
             </a:r>
             <a:endParaRPr b="0" lang="en-GB" sz="1600" spc="-1" strike="noStrike">
               <a:latin typeface="Arial"/>
@@ -7267,7 +6673,7 @@
       </p:grpSpPr>
       <p:pic>
         <p:nvPicPr>
-          <p:cNvPr id="120" name="Obraz 3" descr=""/>
+          <p:cNvPr id="112" name="Obraz 3" descr=""/>
           <p:cNvPicPr/>
           <p:nvPr/>
         </p:nvPicPr>
@@ -7277,8 +6683,8 @@
         </p:blipFill>
         <p:spPr>
           <a:xfrm>
-            <a:off x="611640" y="2133000"/>
-            <a:ext cx="7668000" cy="3508200"/>
+            <a:off x="539640" y="2061000"/>
+            <a:ext cx="7451640" cy="3408840"/>
           </a:xfrm>
           <a:prstGeom prst="rect">
             <a:avLst/>
@@ -7290,14 +6696,14 @@
       </p:pic>
       <p:sp>
         <p:nvSpPr>
-          <p:cNvPr id="121" name="CustomShape 1"/>
+          <p:cNvPr id="113" name="CustomShape 1"/>
           <p:cNvSpPr/>
           <p:nvPr/>
         </p:nvSpPr>
         <p:spPr>
           <a:xfrm>
-            <a:off x="2915640" y="1268640"/>
-            <a:ext cx="4032000" cy="647640"/>
+            <a:off x="2555640" y="1412640"/>
+            <a:ext cx="4463640" cy="647280"/>
           </a:xfrm>
           <a:prstGeom prst="wedgeRoundRectCallout">
             <a:avLst>
@@ -7343,8 +6749,9 @@
                   <a:srgbClr val="ffffff"/>
                 </a:solidFill>
                 <a:latin typeface="Calibri"/>
-              </a:rPr>
-              <a:t>Daily World Statistics</a:t>
+                <a:ea typeface="DejaVu Sans"/>
+              </a:rPr>
+              <a:t>Daily Statistics</a:t>
             </a:r>
             <a:r>
               <a:rPr b="0" lang="en-GB" sz="1600" spc="-1" strike="noStrike">
@@ -7352,6 +6759,7 @@
                   <a:srgbClr val="ffffff"/>
                 </a:solidFill>
                 <a:latin typeface="Calibri"/>
+                <a:ea typeface="DejaVu Sans"/>
               </a:rPr>
               <a:t>, </a:t>
             </a:r>
@@ -7362,8 +6770,9 @@
                   <a:srgbClr val="ffffff"/>
                 </a:solidFill>
                 <a:latin typeface="Calibri"/>
-              </a:rPr>
-              <a:t>dane świata widoczne na wykresie liniowym</a:t>
+                <a:ea typeface="DejaVu Sans"/>
+              </a:rPr>
+              <a:t>dane kraju na krótszym odcinku czasu (dane dnia)</a:t>
             </a:r>
             <a:endParaRPr b="0" lang="en-GB" sz="1600" spc="-1" strike="noStrike">
               <a:latin typeface="Arial"/>
@@ -7373,14 +6782,14 @@
       </p:sp>
       <p:sp>
         <p:nvSpPr>
-          <p:cNvPr id="122" name="CustomShape 2"/>
+          <p:cNvPr id="114" name="CustomShape 2"/>
           <p:cNvSpPr/>
           <p:nvPr/>
         </p:nvSpPr>
         <p:spPr>
           <a:xfrm flipV="1" rot="10800000">
-            <a:off x="8676360" y="5084640"/>
-            <a:ext cx="1583640" cy="1583640"/>
+            <a:off x="8640000" y="5040000"/>
+            <a:ext cx="1589040" cy="1583280"/>
           </a:xfrm>
           <a:prstGeom prst="wedgeRoundRectCallout">
             <a:avLst>
@@ -7398,10 +6807,12 @@
         </p:spPr>
         <p:style>
           <a:lnRef idx="2">
-            <a:schemeClr val="accent3"/>
+            <a:schemeClr val="accent3">
+              <a:shade val="50000"/>
+            </a:schemeClr>
           </a:lnRef>
           <a:fillRef idx="1">
-            <a:schemeClr val="lt1"/>
+            <a:schemeClr val="accent3"/>
           </a:fillRef>
           <a:effectRef idx="0">
             <a:schemeClr val="accent3"/>
@@ -7424,6 +6835,7 @@
                   <a:srgbClr val="ffffff"/>
                 </a:solidFill>
                 <a:latin typeface="Calibri"/>
+                <a:ea typeface="DejaVu Sans"/>
               </a:rPr>
               <a:t>Line Charts</a:t>
             </a:r>
@@ -7433,8 +6845,9 @@
                   <a:srgbClr val="ffffff"/>
                 </a:solidFill>
                 <a:latin typeface="Calibri"/>
-              </a:rPr>
-              <a:t>, dostępne dane na wykresie z możliwością usunięcia lub dodania</a:t>
+                <a:ea typeface="DejaVu Sans"/>
+              </a:rPr>
+              <a:t>, dostępne dane na wykresie z możliwością usunięcia lub dodania </a:t>
             </a:r>
             <a:endParaRPr b="0" lang="en-GB" sz="1600" spc="-1" strike="noStrike">
               <a:latin typeface="Arial"/>
@@ -7474,18 +6887,19 @@
       </p:grpSpPr>
       <p:pic>
         <p:nvPicPr>
-          <p:cNvPr id="123" name="Obraz 3" descr=""/>
+          <p:cNvPr id="115" name="Obraz 3" descr=""/>
           <p:cNvPicPr/>
           <p:nvPr/>
         </p:nvPicPr>
         <p:blipFill>
           <a:blip r:embed="rId1"/>
+          <a:srcRect l="23233" t="13770" r="25593" b="12222"/>
           <a:stretch/>
         </p:blipFill>
         <p:spPr>
           <a:xfrm>
-            <a:off x="395640" y="1989000"/>
-            <a:ext cx="7668000" cy="3508200"/>
+            <a:off x="1835640" y="2205000"/>
+            <a:ext cx="4679640" cy="3095640"/>
           </a:xfrm>
           <a:prstGeom prst="rect">
             <a:avLst/>
@@ -7497,14 +6911,14 @@
       </p:pic>
       <p:sp>
         <p:nvSpPr>
-          <p:cNvPr id="124" name="CustomShape 1"/>
+          <p:cNvPr id="116" name="CustomShape 1"/>
           <p:cNvSpPr/>
           <p:nvPr/>
         </p:nvSpPr>
         <p:spPr>
           <a:xfrm>
-            <a:off x="2915640" y="1316160"/>
-            <a:ext cx="4536000" cy="647640"/>
+            <a:off x="3204000" y="1556640"/>
+            <a:ext cx="3815640" cy="863280"/>
           </a:xfrm>
           <a:prstGeom prst="wedgeRoundRectCallout">
             <a:avLst>
@@ -7550,8 +6964,9 @@
                   <a:srgbClr val="ffffff"/>
                 </a:solidFill>
                 <a:latin typeface="Calibri"/>
-              </a:rPr>
-              <a:t>Country Charts</a:t>
+                <a:ea typeface="DejaVu Sans"/>
+              </a:rPr>
+              <a:t>Country Comparison</a:t>
             </a:r>
             <a:r>
               <a:rPr b="0" lang="en-GB" sz="1600" spc="-1" strike="noStrike">
@@ -7559,6 +6974,7 @@
                   <a:srgbClr val="ffffff"/>
                 </a:solidFill>
                 <a:latin typeface="Calibri"/>
+                <a:ea typeface="DejaVu Sans"/>
               </a:rPr>
               <a:t>,</a:t>
             </a:r>
@@ -7569,8 +6985,9 @@
                   <a:srgbClr val="ffffff"/>
                 </a:solidFill>
                 <a:latin typeface="Calibri"/>
-              </a:rPr>
-              <a:t> zestawienie danych w formie wykresu liniowego</a:t>
+                <a:ea typeface="DejaVu Sans"/>
+              </a:rPr>
+              <a:t> możliwość dodania do wykresu państw i porównania danych na wykresie liniowym </a:t>
             </a:r>
             <a:endParaRPr b="0" lang="en-GB" sz="1600" spc="-1" strike="noStrike">
               <a:latin typeface="Arial"/>
@@ -7580,19 +6997,19 @@
       </p:sp>
       <p:sp>
         <p:nvSpPr>
-          <p:cNvPr id="125" name="CustomShape 2"/>
+          <p:cNvPr id="117" name="CustomShape 2"/>
           <p:cNvSpPr/>
           <p:nvPr/>
         </p:nvSpPr>
         <p:spPr>
-          <a:xfrm flipV="1" rot="10800000">
-            <a:off x="8676360" y="4940280"/>
-            <a:ext cx="1656000" cy="1583640"/>
+          <a:xfrm>
+            <a:off x="2051640" y="5157360"/>
+            <a:ext cx="1871640" cy="1331280"/>
           </a:xfrm>
           <a:prstGeom prst="wedgeRoundRectCallout">
             <a:avLst>
               <a:gd name="adj1" fmla="val 20376"/>
-              <a:gd name="adj2" fmla="val -60317"/>
+              <a:gd name="adj2" fmla="val -67742"/>
               <a:gd name="adj3" fmla="val 16667"/>
             </a:avLst>
           </a:prstGeom>
@@ -7633,8 +7050,9 @@
                   <a:srgbClr val="ffffff"/>
                 </a:solidFill>
                 <a:latin typeface="Calibri"/>
-              </a:rPr>
-              <a:t>Line Charts</a:t>
+                <a:ea typeface="DejaVu Sans"/>
+              </a:rPr>
+              <a:t>World Map</a:t>
             </a:r>
             <a:r>
               <a:rPr b="0" lang="en-GB" sz="1600" spc="-1" strike="noStrike">
@@ -7642,8 +7060,20 @@
                   <a:srgbClr val="ffffff"/>
                 </a:solidFill>
                 <a:latin typeface="Calibri"/>
-              </a:rPr>
-              <a:t>, dostępne dane na wykresie z możliwością usunięcia lub dodania </a:t>
+                <a:ea typeface="DejaVu Sans"/>
+              </a:rPr>
+              <a:t>, </a:t>
+            </a:r>
+            <a:br/>
+            <a:r>
+              <a:rPr b="0" lang="en-GB" sz="1600" spc="-1" strike="noStrike">
+                <a:solidFill>
+                  <a:srgbClr val="ffffff"/>
+                </a:solidFill>
+                <a:latin typeface="Calibri"/>
+                <a:ea typeface="DejaVu Sans"/>
+              </a:rPr>
+              <a:t>powrót do głównej mapy z danymi </a:t>
             </a:r>
             <a:endParaRPr b="0" lang="en-GB" sz="1600" spc="-1" strike="noStrike">
               <a:latin typeface="Arial"/>
@@ -7653,19 +7083,19 @@
       </p:sp>
       <p:sp>
         <p:nvSpPr>
-          <p:cNvPr id="126" name="CustomShape 3"/>
+          <p:cNvPr id="118" name="CustomShape 3"/>
           <p:cNvSpPr/>
           <p:nvPr/>
         </p:nvSpPr>
         <p:spPr>
           <a:xfrm>
-            <a:off x="4229640" y="5301360"/>
-            <a:ext cx="2228040" cy="1432080"/>
+            <a:off x="4500000" y="5157360"/>
+            <a:ext cx="1943640" cy="1331280"/>
           </a:xfrm>
           <a:prstGeom prst="wedgeRoundRectCallout">
             <a:avLst>
-              <a:gd name="adj1" fmla="val 21277"/>
-              <a:gd name="adj2" fmla="val -64743"/>
+              <a:gd name="adj1" fmla="val -20385"/>
+              <a:gd name="adj2" fmla="val -67742"/>
               <a:gd name="adj3" fmla="val 16667"/>
             </a:avLst>
           </a:prstGeom>
@@ -7706,8 +7136,9 @@
                   <a:srgbClr val="ffffff"/>
                 </a:solidFill>
                 <a:latin typeface="Calibri"/>
-              </a:rPr>
-              <a:t>Specific Dates</a:t>
+                <a:ea typeface="DejaVu Sans"/>
+              </a:rPr>
+              <a:t>Generate Chart</a:t>
             </a:r>
             <a:r>
               <a:rPr b="0" lang="en-GB" sz="1600" spc="-1" strike="noStrike">
@@ -7715,8 +7146,9 @@
                   <a:srgbClr val="ffffff"/>
                 </a:solidFill>
                 <a:latin typeface="Calibri"/>
-              </a:rPr>
-              <a:t>, najeżdżając na datę pokazują się dane z tego dnia, na którym znajduje się kursor</a:t>
+                <a:ea typeface="DejaVu Sans"/>
+              </a:rPr>
+              <a:t>, wygeneruje wykres z wybranymi państwami </a:t>
             </a:r>
             <a:endParaRPr b="0" lang="en-GB" sz="1600" spc="-1" strike="noStrike">
               <a:latin typeface="Arial"/>

--- a/docs/WSB_prezentacja_pracy_dyplomowej.pptx
+++ b/docs/WSB_prezentacja_pracy_dyplomowej.pptx
@@ -6675,16 +6675,106 @@
               </a:lnSpc>
             </a:pPr>
             <a:r>
-              <a:rPr lang="en-GB" sz="2000" b="0" strike="noStrike" spc="-1">
+              <a:rPr lang="en-GB" sz="2000" b="0" strike="noStrike" spc="-1" dirty="0" err="1">
                 <a:solidFill>
                   <a:srgbClr val="000000"/>
                 </a:solidFill>
                 <a:latin typeface="Arial"/>
                 <a:ea typeface="DejaVu Sans"/>
               </a:rPr>
-              <a:t>Wersje Aplikacji i skończone zadania </a:t>
-            </a:r>
-            <a:endParaRPr lang="en-GB" sz="2000" b="0" strike="noStrike" spc="-1">
+              <a:t>Wersje</a:t>
+            </a:r>
+            <a:r>
+              <a:rPr lang="en-GB" sz="2000" b="0" strike="noStrike" spc="-1" dirty="0">
+                <a:solidFill>
+                  <a:srgbClr val="000000"/>
+                </a:solidFill>
+                <a:latin typeface="Arial"/>
+                <a:ea typeface="DejaVu Sans"/>
+              </a:rPr>
+              <a:t> </a:t>
+            </a:r>
+            <a:r>
+              <a:rPr lang="en-GB" sz="2000" b="0" strike="noStrike" spc="-1" dirty="0" err="1">
+                <a:solidFill>
+                  <a:srgbClr val="000000"/>
+                </a:solidFill>
+                <a:latin typeface="Arial"/>
+                <a:ea typeface="DejaVu Sans"/>
+              </a:rPr>
+              <a:t>Aplikacji</a:t>
+            </a:r>
+            <a:r>
+              <a:rPr lang="en-GB" sz="2000" b="0" strike="noStrike" spc="-1" dirty="0">
+                <a:solidFill>
+                  <a:srgbClr val="000000"/>
+                </a:solidFill>
+                <a:latin typeface="Arial"/>
+                <a:ea typeface="DejaVu Sans"/>
+              </a:rPr>
+              <a:t> </a:t>
+            </a:r>
+            <a:r>
+              <a:rPr lang="en-GB" sz="2000" b="0" strike="noStrike" spc="-1" dirty="0" err="1">
+                <a:solidFill>
+                  <a:srgbClr val="000000"/>
+                </a:solidFill>
+                <a:latin typeface="Arial"/>
+                <a:ea typeface="DejaVu Sans"/>
+              </a:rPr>
+              <a:t>i</a:t>
+            </a:r>
+            <a:r>
+              <a:rPr lang="en-GB" sz="2000" b="0" strike="noStrike" spc="-1" dirty="0">
+                <a:solidFill>
+                  <a:srgbClr val="000000"/>
+                </a:solidFill>
+                <a:latin typeface="Arial"/>
+                <a:ea typeface="DejaVu Sans"/>
+              </a:rPr>
+              <a:t> </a:t>
+            </a:r>
+            <a:r>
+              <a:rPr lang="en-GB" sz="2000" b="0" strike="noStrike" spc="-1" dirty="0" err="1">
+                <a:solidFill>
+                  <a:srgbClr val="000000"/>
+                </a:solidFill>
+                <a:latin typeface="Arial"/>
+                <a:ea typeface="DejaVu Sans"/>
+              </a:rPr>
+              <a:t>skończone</a:t>
+            </a:r>
+            <a:r>
+              <a:rPr lang="en-GB" sz="2000" b="0" strike="noStrike" spc="-1" dirty="0">
+                <a:solidFill>
+                  <a:srgbClr val="000000"/>
+                </a:solidFill>
+                <a:latin typeface="Arial"/>
+                <a:ea typeface="DejaVu Sans"/>
+              </a:rPr>
+              <a:t> </a:t>
+            </a:r>
+            <a:r>
+              <a:rPr lang="en-GB" sz="2000" b="0" strike="noStrike" spc="-1" dirty="0" err="1">
+                <a:solidFill>
+                  <a:srgbClr val="000000"/>
+                </a:solidFill>
+                <a:latin typeface="Arial"/>
+                <a:ea typeface="DejaVu Sans"/>
+              </a:rPr>
+              <a:t>zadania</a:t>
+            </a:r>
+            <a:r>
+              <a:rPr lang="en-GB" sz="2000" b="0" strike="noStrike" spc="-1" dirty="0">
+                <a:solidFill>
+                  <a:srgbClr val="000000"/>
+                </a:solidFill>
+                <a:latin typeface="Arial"/>
+                <a:ea typeface="DejaVu Sans"/>
+              </a:rPr>
+              <a:t> </a:t>
+            </a:r>
+            <a:endParaRPr lang="en-GB" sz="2000" b="0" strike="noStrike" spc="-1" dirty="0">
               <a:latin typeface="Arial"/>
             </a:endParaRPr>
           </a:p>
@@ -7385,13 +7475,13 @@
           <p:nvPr>
             <p:extLst>
               <p:ext uri="{D42A27DB-BD31-4B8C-83A1-F6EECF244321}">
-                <p14:modId xmlns:p14="http://schemas.microsoft.com/office/powerpoint/2010/main" val="4182773525"/>
+                <p14:modId xmlns:p14="http://schemas.microsoft.com/office/powerpoint/2010/main" val="2762260324"/>
               </p:ext>
             </p:extLst>
           </p:nvPr>
         </p:nvGraphicFramePr>
         <p:xfrm>
-          <a:off x="362880" y="1299892"/>
+          <a:off x="362880" y="1196752"/>
           <a:ext cx="4065104" cy="3311441"/>
         </p:xfrm>
         <a:graphic>
@@ -8818,14 +8908,14 @@
           <p:nvPr>
             <p:extLst>
               <p:ext uri="{D42A27DB-BD31-4B8C-83A1-F6EECF244321}">
-                <p14:modId xmlns:p14="http://schemas.microsoft.com/office/powerpoint/2010/main" val="3018574969"/>
+                <p14:modId xmlns:p14="http://schemas.microsoft.com/office/powerpoint/2010/main" val="3988998398"/>
               </p:ext>
             </p:extLst>
           </p:nvPr>
         </p:nvGraphicFramePr>
         <p:xfrm>
-          <a:off x="4549680" y="1299893"/>
-          <a:ext cx="4198784" cy="3757932"/>
+          <a:off x="4549680" y="1205640"/>
+          <a:ext cx="4198784" cy="3662280"/>
         </p:xfrm>
         <a:graphic>
           <a:graphicData uri="http://schemas.openxmlformats.org/drawingml/2006/table">
@@ -8835,7 +8925,7 @@
                 <a:gridCol w="2216880"/>
                 <a:gridCol w="1981904"/>
               </a:tblGrid>
-              <a:tr h="231323">
+              <a:tr h="227641">
                 <a:tc>
                   <a:txBody>
                     <a:bodyPr/>
@@ -8943,7 +9033,7 @@
                   </a:tcPr>
                 </a:tc>
               </a:tr>
-              <a:tr h="373841">
+              <a:tr h="367890">
                 <a:tc>
                   <a:txBody>
                     <a:bodyPr/>
@@ -8955,10 +9045,22 @@
                         </a:lnSpc>
                       </a:pPr>
                       <a:r>
-                        <a:rPr lang="en-GB" sz="900" b="0" strike="noStrike" spc="-1">
-                          <a:latin typeface="Arial"/>
-                        </a:rPr>
-                        <a:t>__init__                                    </a:t>
+                        <a:rPr lang="en-GB" sz="900" b="0" strike="noStrike" spc="-1" dirty="0">
+                          <a:latin typeface="Arial"/>
+                        </a:rPr>
+                        <a:t>__</a:t>
+                      </a:r>
+                      <a:r>
+                        <a:rPr lang="en-GB" sz="900" b="0" strike="noStrike" spc="-1" dirty="0" err="1">
+                          <a:latin typeface="Arial"/>
+                        </a:rPr>
+                        <a:t>init</a:t>
+                      </a:r>
+                      <a:r>
+                        <a:rPr lang="en-GB" sz="900" b="0" strike="noStrike" spc="-1" dirty="0">
+                          <a:latin typeface="Arial"/>
+                        </a:rPr>
+                        <a:t>__                                    </a:t>
                       </a:r>
                     </a:p>
                   </a:txBody>
@@ -9033,7 +9135,7 @@
                   </a:tcPr>
                 </a:tc>
               </a:tr>
-              <a:tr h="516361">
+              <a:tr h="508140">
                 <a:tc>
                   <a:txBody>
                     <a:bodyPr/>
@@ -9231,7 +9333,7 @@
                   </a:tcPr>
                 </a:tc>
               </a:tr>
-              <a:tr h="373841">
+              <a:tr h="367890">
                 <a:tc>
                   <a:txBody>
                     <a:bodyPr/>
@@ -9321,7 +9423,7 @@
                   </a:tcPr>
                 </a:tc>
               </a:tr>
-              <a:tr h="943918">
+              <a:tr h="928889">
                 <a:tc>
                   <a:txBody>
                     <a:bodyPr/>
@@ -9627,7 +9729,7 @@
                   </a:tcPr>
                 </a:tc>
               </a:tr>
-              <a:tr h="373841">
+              <a:tr h="367890">
                 <a:tc>
                   <a:txBody>
                     <a:bodyPr/>
@@ -9683,10 +9785,64 @@
                         </a:lnSpc>
                       </a:pPr>
                       <a:r>
-                        <a:rPr lang="en-GB" sz="900" b="0" strike="noStrike" spc="-1">
-                          <a:latin typeface="Arial"/>
-                        </a:rPr>
-                        <a:t>załadowanie danych z API JSON i zapis do pliku  </a:t>
+                        <a:rPr lang="en-GB" sz="900" b="0" strike="noStrike" spc="-1" dirty="0" err="1">
+                          <a:latin typeface="Arial"/>
+                        </a:rPr>
+                        <a:t>załadowanie</a:t>
+                      </a:r>
+                      <a:r>
+                        <a:rPr lang="en-GB" sz="900" b="0" strike="noStrike" spc="-1" dirty="0">
+                          <a:latin typeface="Arial"/>
+                        </a:rPr>
+                        <a:t> </a:t>
+                      </a:r>
+                      <a:r>
+                        <a:rPr lang="en-GB" sz="900" b="0" strike="noStrike" spc="-1" dirty="0" err="1">
+                          <a:latin typeface="Arial"/>
+                        </a:rPr>
+                        <a:t>danych</a:t>
+                      </a:r>
+                      <a:r>
+                        <a:rPr lang="en-GB" sz="900" b="0" strike="noStrike" spc="-1" dirty="0">
+                          <a:latin typeface="Arial"/>
+                        </a:rPr>
+                        <a:t> z API JSON </a:t>
+                      </a:r>
+                      <a:r>
+                        <a:rPr lang="en-GB" sz="900" b="0" strike="noStrike" spc="-1" dirty="0" err="1">
+                          <a:latin typeface="Arial"/>
+                        </a:rPr>
+                        <a:t>i</a:t>
+                      </a:r>
+                      <a:r>
+                        <a:rPr lang="en-GB" sz="900" b="0" strike="noStrike" spc="-1" dirty="0">
+                          <a:latin typeface="Arial"/>
+                        </a:rPr>
+                        <a:t> </a:t>
+                      </a:r>
+                      <a:r>
+                        <a:rPr lang="en-GB" sz="900" b="0" strike="noStrike" spc="-1" dirty="0" err="1">
+                          <a:latin typeface="Arial"/>
+                        </a:rPr>
+                        <a:t>zapis</a:t>
+                      </a:r>
+                      <a:r>
+                        <a:rPr lang="en-GB" sz="900" b="0" strike="noStrike" spc="-1" dirty="0">
+                          <a:latin typeface="Arial"/>
+                        </a:rPr>
+                        <a:t> do </a:t>
+                      </a:r>
+                      <a:r>
+                        <a:rPr lang="en-GB" sz="900" b="0" strike="noStrike" spc="-1" dirty="0" err="1">
+                          <a:latin typeface="Arial"/>
+                        </a:rPr>
+                        <a:t>pliku</a:t>
+                      </a:r>
+                      <a:r>
+                        <a:rPr lang="en-GB" sz="900" b="0" strike="noStrike" spc="-1" dirty="0">
+                          <a:latin typeface="Arial"/>
+                        </a:rPr>
+                        <a:t>  </a:t>
                       </a:r>
                     </a:p>
                   </a:txBody>
@@ -9717,7 +9873,7 @@
                   </a:tcPr>
                 </a:tc>
               </a:tr>
-              <a:tr h="373841">
+              <a:tr h="367890">
                 <a:tc>
                   <a:txBody>
                     <a:bodyPr/>
@@ -9807,7 +9963,7 @@
                   </a:tcPr>
                 </a:tc>
               </a:tr>
-              <a:tr h="222985">
+              <a:tr h="227641">
                 <a:tc>
                   <a:txBody>
                     <a:bodyPr/>
@@ -9921,7 +10077,7 @@
                   </a:tcPr>
                 </a:tc>
               </a:tr>
-              <a:tr h="231323">
+              <a:tr h="227641">
                 <a:tc>
                   <a:txBody>
                     <a:bodyPr/>
@@ -10052,24 +10208,24 @@
           <p:nvPr>
             <p:extLst>
               <p:ext uri="{D42A27DB-BD31-4B8C-83A1-F6EECF244321}">
-                <p14:modId xmlns:p14="http://schemas.microsoft.com/office/powerpoint/2010/main" val="268367891"/>
+                <p14:modId xmlns:p14="http://schemas.microsoft.com/office/powerpoint/2010/main" val="3095583001"/>
               </p:ext>
             </p:extLst>
           </p:nvPr>
         </p:nvGraphicFramePr>
         <p:xfrm>
-          <a:off x="4549680" y="5085184"/>
-          <a:ext cx="4320000" cy="1317879"/>
+          <a:off x="4549680" y="4968467"/>
+          <a:ext cx="4198784" cy="1317879"/>
         </p:xfrm>
         <a:graphic>
           <a:graphicData uri="http://schemas.openxmlformats.org/drawingml/2006/table">
             <a:tbl>
               <a:tblPr/>
               <a:tblGrid>
-                <a:gridCol w="1898640"/>
-                <a:gridCol w="2421360"/>
+                <a:gridCol w="1845366"/>
+                <a:gridCol w="2353418"/>
               </a:tblGrid>
-              <a:tr h="140361">
+              <a:tr h="250311">
                 <a:tc>
                   <a:txBody>
                     <a:bodyPr/>
@@ -10177,7 +10333,7 @@
                   </a:tcPr>
                 </a:tc>
               </a:tr>
-              <a:tr h="330976">
+              <a:tr h="378588">
                 <a:tc>
                   <a:txBody>
                     <a:bodyPr/>
@@ -10333,7 +10489,7 @@
                   </a:tcPr>
                 </a:tc>
               </a:tr>
-              <a:tr h="590523">
+              <a:tr h="667245">
                 <a:tc>
                   <a:txBody>
                     <a:bodyPr/>
@@ -14713,14 +14869,34 @@
               <a:t> </a:t>
             </a:r>
             <a:r>
-              <a:rPr lang="en-GB" sz="2400" b="0" strike="noStrike" spc="-1" dirty="0" err="1">
+              <a:rPr lang="pl-PL" sz="2400" spc="-1" dirty="0" err="1" smtClean="0">
                 <a:solidFill>
                   <a:srgbClr val="000000"/>
                 </a:solidFill>
                 <a:latin typeface="Times New Roman"/>
                 <a:ea typeface="DejaVu Sans"/>
               </a:rPr>
-              <a:t>Świata</a:t>
+              <a:t>ś</a:t>
+            </a:r>
+            <a:r>
+              <a:rPr lang="en-GB" sz="2400" b="0" strike="noStrike" spc="-1" dirty="0" err="1" smtClean="0">
+                <a:solidFill>
+                  <a:srgbClr val="000000"/>
+                </a:solidFill>
+                <a:latin typeface="Times New Roman"/>
+                <a:ea typeface="DejaVu Sans"/>
+              </a:rPr>
+              <a:t>wiata</a:t>
+            </a:r>
+            <a:r>
+              <a:rPr lang="en-GB" sz="2400" b="0" strike="noStrike" spc="-1" dirty="0" smtClean="0">
+                <a:solidFill>
+                  <a:srgbClr val="000000"/>
+                </a:solidFill>
+                <a:latin typeface="Times New Roman"/>
+                <a:ea typeface="DejaVu Sans"/>
+              </a:rPr>
+              <a:t> </a:t>
             </a:r>
             <a:r>
               <a:rPr lang="en-GB" sz="2400" b="0" strike="noStrike" spc="-1" dirty="0">
@@ -14730,7 +14906,7 @@
                 <a:latin typeface="Times New Roman"/>
                 <a:ea typeface="DejaVu Sans"/>
               </a:rPr>
-              <a:t> w </a:t>
+              <a:t>w </a:t>
             </a:r>
             <a:r>
               <a:rPr lang="en-GB" sz="2400" b="0" strike="noStrike" spc="-1" dirty="0" err="1">
@@ -14906,17 +15082,37 @@
               <a:t> </a:t>
             </a:r>
             <a:r>
-              <a:rPr lang="en-GB" sz="2400" b="0" strike="noStrike" spc="-1" dirty="0" err="1">
+              <a:rPr lang="pl-PL" sz="2400" b="0" strike="noStrike" spc="-1" dirty="0" smtClean="0">
                 <a:solidFill>
                   <a:srgbClr val="000000"/>
                 </a:solidFill>
                 <a:latin typeface="Times New Roman"/>
                 <a:ea typeface="DejaVu Sans"/>
               </a:rPr>
-              <a:t>osiągnięto</a:t>
-            </a:r>
-            <a:r>
-              <a:rPr lang="en-GB" sz="2400" b="0" strike="noStrike" spc="-1" dirty="0">
+              <a:t>próbowano </a:t>
+            </a:r>
+            <a:r>
+              <a:rPr lang="en-GB" sz="2400" b="0" strike="noStrike" spc="-1" dirty="0" err="1" smtClean="0">
+                <a:solidFill>
+                  <a:srgbClr val="000000"/>
+                </a:solidFill>
+                <a:latin typeface="Times New Roman"/>
+                <a:ea typeface="DejaVu Sans"/>
+              </a:rPr>
+              <a:t>osiągn</a:t>
+            </a:r>
+            <a:r>
+              <a:rPr lang="pl-PL" sz="2400" b="0" strike="noStrike" spc="-1" dirty="0" err="1" smtClean="0">
+                <a:solidFill>
+                  <a:srgbClr val="000000"/>
+                </a:solidFill>
+                <a:latin typeface="Times New Roman"/>
+                <a:ea typeface="DejaVu Sans"/>
+              </a:rPr>
+              <a:t>ąć</a:t>
+            </a:r>
+            <a:r>
+              <a:rPr lang="en-GB" sz="2400" b="0" strike="noStrike" spc="-1" dirty="0" smtClean="0">
                 <a:solidFill>
                   <a:srgbClr val="000000"/>
                 </a:solidFill>
@@ -16484,29 +16680,6 @@
           </a:ln>
         </p:spPr>
       </p:pic>
-      <p:pic>
-        <p:nvPicPr>
-          <p:cNvPr id="131" name="Obraz 6"/>
-          <p:cNvPicPr/>
-          <p:nvPr/>
-        </p:nvPicPr>
-        <p:blipFill>
-          <a:blip r:embed="rId3" cstate="print"/>
-          <a:stretch/>
-        </p:blipFill>
-        <p:spPr>
-          <a:xfrm>
-            <a:off x="1547640" y="3766320"/>
-            <a:ext cx="1267560" cy="1461240"/>
-          </a:xfrm>
-          <a:prstGeom prst="rect">
-            <a:avLst/>
-          </a:prstGeom>
-          <a:ln>
-            <a:noFill/>
-          </a:ln>
-        </p:spPr>
-      </p:pic>
       <p:sp>
         <p:nvSpPr>
           <p:cNvPr id="132" name="CustomShape 1"/>
@@ -16515,8 +16688,8 @@
         </p:nvSpPr>
         <p:spPr>
           <a:xfrm>
-            <a:off x="4212000" y="1196640"/>
-            <a:ext cx="2806920" cy="790560"/>
+            <a:off x="4212000" y="1484784"/>
+            <a:ext cx="2736264" cy="502416"/>
           </a:xfrm>
           <a:prstGeom prst="wedgeRoundRectCallout">
             <a:avLst>
@@ -16558,40 +16731,46 @@
               </a:lnSpc>
             </a:pPr>
             <a:r>
-              <a:rPr lang="en-GB" sz="1600" b="1" strike="noStrike" spc="-1">
+              <a:rPr lang="en-GB" sz="1600" b="0" strike="noStrike" spc="-1" dirty="0" smtClean="0">
                 <a:solidFill>
                   <a:srgbClr val="FFFFFF"/>
                 </a:solidFill>
                 <a:latin typeface="Calibri"/>
                 <a:ea typeface="DejaVu Sans"/>
               </a:rPr>
-              <a:t>Overall Statistics</a:t>
-            </a:r>
-            <a:r>
-              <a:rPr lang="en-GB" sz="1600" b="0" strike="noStrike" spc="-1">
+              <a:t>Suma </a:t>
+            </a:r>
+            <a:r>
+              <a:rPr lang="en-GB" sz="1600" b="0" strike="noStrike" spc="-1" dirty="0" err="1">
                 <a:solidFill>
                   <a:srgbClr val="FFFFFF"/>
                 </a:solidFill>
                 <a:latin typeface="Calibri"/>
                 <a:ea typeface="DejaVu Sans"/>
               </a:rPr>
-              <a:t>, </a:t>
-            </a:r>
-            <a:r>
-              <a:t/>
-            </a:r>
-            <a:br/>
-            <a:r>
-              <a:rPr lang="en-GB" sz="1600" b="0" strike="noStrike" spc="-1">
+              <a:t>wszystkich</a:t>
+            </a:r>
+            <a:r>
+              <a:rPr lang="en-GB" sz="1600" b="0" strike="noStrike" spc="-1" dirty="0">
                 <a:solidFill>
                   <a:srgbClr val="FFFFFF"/>
                 </a:solidFill>
                 <a:latin typeface="Calibri"/>
                 <a:ea typeface="DejaVu Sans"/>
               </a:rPr>
-              <a:t>Suma wszystkich przypadków</a:t>
-            </a:r>
-            <a:endParaRPr lang="en-GB" sz="1600" b="0" strike="noStrike" spc="-1">
+              <a:t> </a:t>
+            </a:r>
+            <a:r>
+              <a:rPr lang="en-GB" sz="1600" b="0" strike="noStrike" spc="-1" dirty="0" err="1">
+                <a:solidFill>
+                  <a:srgbClr val="FFFFFF"/>
+                </a:solidFill>
+                <a:latin typeface="Calibri"/>
+                <a:ea typeface="DejaVu Sans"/>
+              </a:rPr>
+              <a:t>przypadków</a:t>
+            </a:r>
+            <a:endParaRPr lang="en-GB" sz="1600" b="0" strike="noStrike" spc="-1" dirty="0">
               <a:latin typeface="Arial"/>
             </a:endParaRPr>
           </a:p>
@@ -16605,8 +16784,8 @@
         </p:nvSpPr>
         <p:spPr>
           <a:xfrm flipH="1">
-            <a:off x="5866560" y="3429000"/>
-            <a:ext cx="2302920" cy="1366560"/>
+            <a:off x="5866560" y="3645024"/>
+            <a:ext cx="2302920" cy="1150536"/>
           </a:xfrm>
           <a:prstGeom prst="wedgeRoundRectCallout">
             <a:avLst>
@@ -16648,40 +16827,56 @@
               </a:lnSpc>
             </a:pPr>
             <a:r>
-              <a:rPr lang="en-GB" sz="1600" b="1" strike="noStrike" spc="-1">
+              <a:rPr lang="en-GB" sz="1600" b="0" strike="noStrike" spc="-1" dirty="0" smtClean="0">
                 <a:solidFill>
                   <a:srgbClr val="FFFFFF"/>
                 </a:solidFill>
                 <a:latin typeface="Calibri"/>
                 <a:ea typeface="DejaVu Sans"/>
               </a:rPr>
-              <a:t>Indicator</a:t>
-            </a:r>
-            <a:r>
-              <a:rPr lang="en-GB" sz="1600" b="0" strike="noStrike" spc="-1">
+              <a:t> </a:t>
+            </a:r>
+            <a:r>
+              <a:rPr lang="pl-PL" sz="1600" b="0" strike="noStrike" spc="-1" dirty="0" smtClean="0">
                 <a:solidFill>
                   <a:srgbClr val="FFFFFF"/>
                 </a:solidFill>
                 <a:latin typeface="Calibri"/>
                 <a:ea typeface="DejaVu Sans"/>
               </a:rPr>
-              <a:t>,</a:t>
-            </a:r>
-            <a:r>
-              <a:t/>
-            </a:r>
-            <a:br/>
-            <a:r>
-              <a:rPr lang="en-GB" sz="1600" b="0" strike="noStrike" spc="-1">
+              <a:t>Marker generowany jeżeli są </a:t>
+            </a:r>
+            <a:r>
+              <a:rPr lang="en-GB" sz="1600" b="0" strike="noStrike" spc="-1" dirty="0" err="1" smtClean="0">
                 <a:solidFill>
                   <a:srgbClr val="FFFFFF"/>
                 </a:solidFill>
                 <a:latin typeface="Calibri"/>
                 <a:ea typeface="DejaVu Sans"/>
               </a:rPr>
-              <a:t> Wskaźnik pojawiający się jeśli w danym kraju pojawiły się przypadki Covid19</a:t>
-            </a:r>
-            <a:endParaRPr lang="en-GB" sz="1600" b="0" strike="noStrike" spc="-1">
+              <a:t>przypadki</a:t>
+            </a:r>
+            <a:r>
+              <a:rPr lang="en-GB" sz="1600" b="0" strike="noStrike" spc="-1" dirty="0" smtClean="0">
+                <a:solidFill>
+                  <a:srgbClr val="FFFFFF"/>
+                </a:solidFill>
+                <a:latin typeface="Calibri"/>
+                <a:ea typeface="DejaVu Sans"/>
+              </a:rPr>
+              <a:t> Covid19</a:t>
+            </a:r>
+            <a:r>
+              <a:rPr lang="pl-PL" sz="1600" b="0" strike="noStrike" spc="-1" dirty="0" smtClean="0">
+                <a:solidFill>
+                  <a:srgbClr val="FFFFFF"/>
+                </a:solidFill>
+                <a:latin typeface="Calibri"/>
+                <a:ea typeface="DejaVu Sans"/>
+              </a:rPr>
+              <a:t> w danym kraju</a:t>
+            </a:r>
+            <a:endParaRPr lang="en-GB" sz="1600" b="0" strike="noStrike" spc="-1" dirty="0">
               <a:latin typeface="Arial"/>
             </a:endParaRPr>
           </a:p>
@@ -16695,8 +16890,8 @@
         </p:nvSpPr>
         <p:spPr>
           <a:xfrm flipH="1">
-            <a:off x="1186200" y="1845000"/>
-            <a:ext cx="2571120" cy="862560"/>
+            <a:off x="1835696" y="2060848"/>
+            <a:ext cx="1921624" cy="646712"/>
           </a:xfrm>
           <a:prstGeom prst="wedgeRoundRectCallout">
             <a:avLst>
@@ -16738,40 +16933,86 @@
               </a:lnSpc>
             </a:pPr>
             <a:r>
-              <a:rPr lang="en-GB" sz="1600" b="1" strike="noStrike" spc="-1">
+              <a:rPr lang="en-GB" sz="1600" b="0" strike="noStrike" spc="-1" dirty="0" smtClean="0">
                 <a:solidFill>
                   <a:srgbClr val="FFFFFF"/>
                 </a:solidFill>
                 <a:latin typeface="Calibri"/>
                 <a:ea typeface="DejaVu Sans"/>
               </a:rPr>
-              <a:t>Country Specific Stats</a:t>
-            </a:r>
-            <a:r>
-              <a:rPr lang="en-GB" sz="1600" b="0" strike="noStrike" spc="-1">
+              <a:t> Dane </a:t>
+            </a:r>
+            <a:r>
+              <a:rPr lang="en-GB" sz="1600" b="0" strike="noStrike" spc="-1" dirty="0" err="1" smtClean="0">
                 <a:solidFill>
                   <a:srgbClr val="FFFFFF"/>
                 </a:solidFill>
                 <a:latin typeface="Calibri"/>
                 <a:ea typeface="DejaVu Sans"/>
               </a:rPr>
-              <a:t>,</a:t>
-            </a:r>
-            <a:r>
-              <a:t/>
-            </a:r>
-            <a:br/>
-            <a:r>
-              <a:rPr lang="en-GB" sz="1600" b="0" strike="noStrike" spc="-1">
+              <a:t>przypadków</a:t>
+            </a:r>
+            <a:r>
+              <a:rPr lang="en-GB" sz="1600" b="0" strike="noStrike" spc="-1" dirty="0" smtClean="0">
                 <a:solidFill>
                   <a:srgbClr val="FFFFFF"/>
                 </a:solidFill>
                 <a:latin typeface="Calibri"/>
                 <a:ea typeface="DejaVu Sans"/>
               </a:rPr>
-              <a:t> Dane przypadków w wybranym kraju </a:t>
-            </a:r>
-            <a:endParaRPr lang="en-GB" sz="1600" b="0" strike="noStrike" spc="-1">
+              <a:t> </a:t>
+            </a:r>
+            <a:r>
+              <a:rPr lang="en-GB" sz="1600" b="0" strike="noStrike" spc="-1" dirty="0">
+                <a:solidFill>
+                  <a:srgbClr val="FFFFFF"/>
+                </a:solidFill>
+                <a:latin typeface="Calibri"/>
+                <a:ea typeface="DejaVu Sans"/>
+              </a:rPr>
+              <a:t>w </a:t>
+            </a:r>
+            <a:r>
+              <a:rPr lang="en-GB" sz="1600" b="0" strike="noStrike" spc="-1" dirty="0" err="1">
+                <a:solidFill>
+                  <a:srgbClr val="FFFFFF"/>
+                </a:solidFill>
+                <a:latin typeface="Calibri"/>
+                <a:ea typeface="DejaVu Sans"/>
+              </a:rPr>
+              <a:t>wybranym</a:t>
+            </a:r>
+            <a:r>
+              <a:rPr lang="en-GB" sz="1600" b="0" strike="noStrike" spc="-1" dirty="0">
+                <a:solidFill>
+                  <a:srgbClr val="FFFFFF"/>
+                </a:solidFill>
+                <a:latin typeface="Calibri"/>
+                <a:ea typeface="DejaVu Sans"/>
+              </a:rPr>
+              <a:t> </a:t>
+            </a:r>
+            <a:r>
+              <a:rPr lang="en-GB" sz="1600" b="0" strike="noStrike" spc="-1" dirty="0" err="1">
+                <a:solidFill>
+                  <a:srgbClr val="FFFFFF"/>
+                </a:solidFill>
+                <a:latin typeface="Calibri"/>
+                <a:ea typeface="DejaVu Sans"/>
+              </a:rPr>
+              <a:t>kraju</a:t>
+            </a:r>
+            <a:r>
+              <a:rPr lang="en-GB" sz="1600" b="0" strike="noStrike" spc="-1" dirty="0">
+                <a:solidFill>
+                  <a:srgbClr val="FFFFFF"/>
+                </a:solidFill>
+                <a:latin typeface="Calibri"/>
+                <a:ea typeface="DejaVu Sans"/>
+              </a:rPr>
+              <a:t> </a:t>
+            </a:r>
+            <a:endParaRPr lang="en-GB" sz="1600" b="0" strike="noStrike" spc="-1" dirty="0">
               <a:latin typeface="Arial"/>
             </a:endParaRPr>
           </a:p>
@@ -16779,37 +17020,69 @@
       </p:sp>
       <p:sp>
         <p:nvSpPr>
-          <p:cNvPr id="135" name="CustomShape 4"/>
+          <p:cNvPr id="3" name="Objaśnienie prostokątne zaokrąglone 2"/>
           <p:cNvSpPr/>
           <p:nvPr/>
         </p:nvSpPr>
         <p:spPr>
           <a:xfrm>
-            <a:off x="1377000" y="3838320"/>
-            <a:ext cx="1428840" cy="1306800"/>
+            <a:off x="1220926" y="3886183"/>
+            <a:ext cx="1290468" cy="625816"/>
+          </a:xfrm>
+          <a:prstGeom prst="wedgeRoundRectCallout">
+            <a:avLst>
+              <a:gd name="adj1" fmla="val 58940"/>
+              <a:gd name="adj2" fmla="val -23548"/>
+              <a:gd name="adj3" fmla="val 16667"/>
+            </a:avLst>
+          </a:prstGeom>
+          <a:solidFill>
+            <a:srgbClr val="92D050"/>
+          </a:solidFill>
+        </p:spPr>
+        <p:style>
+          <a:lnRef idx="2">
+            <a:schemeClr val="accent3">
+              <a:shade val="50000"/>
+            </a:schemeClr>
+          </a:lnRef>
+          <a:fillRef idx="1">
+            <a:schemeClr val="accent3"/>
+          </a:fillRef>
+          <a:effectRef idx="0">
+            <a:schemeClr val="accent3"/>
+          </a:effectRef>
+          <a:fontRef idx="minor">
+            <a:schemeClr val="lt1"/>
+          </a:fontRef>
+        </p:style>
+        <p:txBody>
+          <a:bodyPr rtlCol="0" anchor="ctr"/>
+          <a:lstStyle/>
+          <a:p>
+            <a:pPr algn="ctr"/>
+            <a:endParaRPr lang="en-US"/>
+          </a:p>
+        </p:txBody>
+      </p:sp>
+      <p:sp>
+        <p:nvSpPr>
+          <p:cNvPr id="4" name="pole tekstowe 3"/>
+          <p:cNvSpPr txBox="1"/>
+          <p:nvPr/>
+        </p:nvSpPr>
+        <p:spPr>
+          <a:xfrm>
+            <a:off x="1206886" y="3886183"/>
+            <a:ext cx="1318548" cy="584775"/>
           </a:xfrm>
           <a:prstGeom prst="rect">
             <a:avLst/>
           </a:prstGeom>
           <a:noFill/>
-          <a:ln>
-            <a:noFill/>
-          </a:ln>
         </p:spPr>
-        <p:style>
-          <a:lnRef idx="0">
-            <a:scrgbClr r="0" g="0" b="0"/>
-          </a:lnRef>
-          <a:fillRef idx="0">
-            <a:scrgbClr r="0" g="0" b="0"/>
-          </a:fillRef>
-          <a:effectRef idx="0">
-            <a:scrgbClr r="0" g="0" b="0"/>
-          </a:effectRef>
-          <a:fontRef idx="minor"/>
-        </p:style>
         <p:txBody>
-          <a:bodyPr lIns="90000" tIns="45000" rIns="90000" bIns="45000">
+          <a:bodyPr wrap="square" rtlCol="0">
             <a:spAutoFit/>
           </a:bodyPr>
           <a:lstStyle/>
@@ -16820,28 +17093,15 @@
               </a:lnSpc>
             </a:pPr>
             <a:r>
-              <a:rPr lang="en-GB" sz="1600" b="1" strike="noStrike" spc="-1">
+              <a:rPr lang="pl-PL" sz="1600" b="1" spc="-1" dirty="0">
                 <a:solidFill>
                   <a:srgbClr val="FFFFFF"/>
                 </a:solidFill>
                 <a:latin typeface="Calibri"/>
-                <a:ea typeface="DejaVu Sans"/>
-              </a:rPr>
-              <a:t>Charts</a:t>
-            </a:r>
-            <a:r>
-              <a:rPr lang="en-GB" sz="1600" b="0" strike="noStrike" spc="-1">
-                <a:solidFill>
-                  <a:srgbClr val="FFFFFF"/>
-                </a:solidFill>
-                <a:latin typeface="Calibri"/>
-                <a:ea typeface="DejaVu Sans"/>
-              </a:rPr>
-              <a:t>, Możliwość przejścia w dane szczegółowe</a:t>
-            </a:r>
-            <a:endParaRPr lang="en-GB" sz="1600" b="0" strike="noStrike" spc="-1">
-              <a:latin typeface="Arial"/>
-            </a:endParaRPr>
+              </a:rPr>
+              <a:t>Generowanie wykresów</a:t>
+            </a:r>
+            <a:endParaRPr lang="en-GB" sz="1600" spc="-1" dirty="0"/>
           </a:p>
         </p:txBody>
       </p:sp>
@@ -16911,8 +17171,8 @@
         </p:nvSpPr>
         <p:spPr>
           <a:xfrm>
-            <a:off x="1979712" y="1412776"/>
-            <a:ext cx="5758920" cy="646560"/>
+            <a:off x="2627784" y="1556792"/>
+            <a:ext cx="3672408" cy="502544"/>
           </a:xfrm>
           <a:prstGeom prst="wedgeRoundRectCallout">
             <a:avLst>
@@ -16954,14 +17214,24 @@
               </a:lnSpc>
             </a:pPr>
             <a:r>
-              <a:rPr lang="en-GB" sz="1600" b="1" strike="noStrike" spc="-1" dirty="0">
+              <a:rPr lang="en-GB" sz="1600" b="0" strike="noStrike" spc="-1" dirty="0" smtClean="0">
                 <a:solidFill>
                   <a:srgbClr val="FFFFFF"/>
                 </a:solidFill>
                 <a:latin typeface="Calibri"/>
                 <a:ea typeface="DejaVu Sans"/>
               </a:rPr>
-              <a:t>Daily World Statistics</a:t>
+              <a:t>Dane z </a:t>
+            </a:r>
+            <a:r>
+              <a:rPr lang="en-GB" sz="1600" b="0" strike="noStrike" spc="-1" dirty="0" err="1">
+                <a:solidFill>
+                  <a:srgbClr val="FFFFFF"/>
+                </a:solidFill>
+                <a:latin typeface="Calibri"/>
+                <a:ea typeface="DejaVu Sans"/>
+              </a:rPr>
+              <a:t>całego</a:t>
             </a:r>
             <a:r>
               <a:rPr lang="en-GB" sz="1600" b="0" strike="noStrike" spc="-1" dirty="0">
@@ -16971,134 +17241,27 @@
                 <a:latin typeface="Calibri"/>
                 <a:ea typeface="DejaVu Sans"/>
               </a:rPr>
-              <a:t>, </a:t>
-            </a:r>
-            <a:r>
-              <a:rPr dirty="0"/>
-              <a:t/>
-            </a:r>
-            <a:br>
-              <a:rPr dirty="0"/>
-            </a:br>
-            <a:r>
-              <a:rPr lang="en-GB" sz="1600" b="0" strike="noStrike" spc="-1" dirty="0">
+              <a:t> </a:t>
+            </a:r>
+            <a:r>
+              <a:rPr lang="en-GB" sz="1600" b="0" strike="noStrike" spc="-1" dirty="0" err="1" smtClean="0">
                 <a:solidFill>
                   <a:srgbClr val="FFFFFF"/>
                 </a:solidFill>
                 <a:latin typeface="Calibri"/>
                 <a:ea typeface="DejaVu Sans"/>
               </a:rPr>
-              <a:t>Dane z </a:t>
-            </a:r>
-            <a:r>
-              <a:rPr lang="en-GB" sz="1600" b="0" strike="noStrike" spc="-1" dirty="0" err="1">
+              <a:t>Świata</a:t>
+            </a:r>
+            <a:r>
+              <a:rPr lang="pl-PL" sz="1600" b="0" strike="noStrike" spc="-1" dirty="0" smtClean="0">
                 <a:solidFill>
                   <a:srgbClr val="FFFFFF"/>
                 </a:solidFill>
                 <a:latin typeface="Calibri"/>
                 <a:ea typeface="DejaVu Sans"/>
               </a:rPr>
-              <a:t>całego</a:t>
-            </a:r>
-            <a:r>
-              <a:rPr lang="en-GB" sz="1600" b="0" strike="noStrike" spc="-1" dirty="0">
-                <a:solidFill>
-                  <a:srgbClr val="FFFFFF"/>
-                </a:solidFill>
-                <a:latin typeface="Calibri"/>
-                <a:ea typeface="DejaVu Sans"/>
-              </a:rPr>
-              <a:t> </a:t>
-            </a:r>
-            <a:r>
-              <a:rPr lang="en-GB" sz="1600" b="0" strike="noStrike" spc="-1" dirty="0" err="1">
-                <a:solidFill>
-                  <a:srgbClr val="FFFFFF"/>
-                </a:solidFill>
-                <a:latin typeface="Calibri"/>
-                <a:ea typeface="DejaVu Sans"/>
-              </a:rPr>
-              <a:t>Świata</a:t>
-            </a:r>
-            <a:r>
-              <a:rPr lang="en-GB" sz="1600" b="0" strike="noStrike" spc="-1" dirty="0">
-                <a:solidFill>
-                  <a:srgbClr val="FFFFFF"/>
-                </a:solidFill>
-                <a:latin typeface="Calibri"/>
-                <a:ea typeface="DejaVu Sans"/>
-              </a:rPr>
-              <a:t> </a:t>
-            </a:r>
-            <a:r>
-              <a:rPr lang="en-GB" sz="1600" b="0" strike="noStrike" spc="-1" dirty="0" err="1">
-                <a:solidFill>
-                  <a:srgbClr val="FFFFFF"/>
-                </a:solidFill>
-                <a:latin typeface="Calibri"/>
-                <a:ea typeface="DejaVu Sans"/>
-              </a:rPr>
-              <a:t>widoczne</a:t>
-            </a:r>
-            <a:r>
-              <a:rPr lang="en-GB" sz="1600" b="0" strike="noStrike" spc="-1" dirty="0">
-                <a:solidFill>
-                  <a:srgbClr val="FFFFFF"/>
-                </a:solidFill>
-                <a:latin typeface="Calibri"/>
-                <a:ea typeface="DejaVu Sans"/>
-              </a:rPr>
-              <a:t> </a:t>
-            </a:r>
-            <a:r>
-              <a:rPr lang="en-GB" sz="1600" b="0" strike="noStrike" spc="-1" dirty="0" err="1">
-                <a:solidFill>
-                  <a:srgbClr val="FFFFFF"/>
-                </a:solidFill>
-                <a:latin typeface="Calibri"/>
-                <a:ea typeface="DejaVu Sans"/>
-              </a:rPr>
-              <a:t>na</a:t>
-            </a:r>
-            <a:r>
-              <a:rPr lang="en-GB" sz="1600" b="0" strike="noStrike" spc="-1" dirty="0">
-                <a:solidFill>
-                  <a:srgbClr val="FFFFFF"/>
-                </a:solidFill>
-                <a:latin typeface="Calibri"/>
-                <a:ea typeface="DejaVu Sans"/>
-              </a:rPr>
-              <a:t> </a:t>
-            </a:r>
-            <a:r>
-              <a:rPr lang="en-GB" sz="1600" b="0" strike="noStrike" spc="-1" dirty="0" err="1">
-                <a:solidFill>
-                  <a:srgbClr val="FFFFFF"/>
-                </a:solidFill>
-                <a:latin typeface="Calibri"/>
-                <a:ea typeface="DejaVu Sans"/>
-              </a:rPr>
-              <a:t>wykresie</a:t>
-            </a:r>
-            <a:r>
-              <a:rPr lang="en-GB" sz="1600" b="0" strike="noStrike" spc="-1" dirty="0">
-                <a:solidFill>
-                  <a:srgbClr val="FFFFFF"/>
-                </a:solidFill>
-                <a:latin typeface="Calibri"/>
-                <a:ea typeface="DejaVu Sans"/>
-              </a:rPr>
-              <a:t> </a:t>
-            </a:r>
-            <a:r>
-              <a:rPr lang="en-GB" sz="1600" b="0" strike="noStrike" spc="-1" dirty="0" err="1">
-                <a:solidFill>
-                  <a:srgbClr val="FFFFFF"/>
-                </a:solidFill>
-                <a:latin typeface="Calibri"/>
-                <a:ea typeface="DejaVu Sans"/>
-              </a:rPr>
-              <a:t>liniowym</a:t>
+              <a:t> w ujęciu dziennym</a:t>
             </a:r>
             <a:endParaRPr lang="en-GB" sz="1600" b="0" strike="noStrike" spc="-1" dirty="0">
               <a:latin typeface="Arial"/>
@@ -17115,7 +17278,7 @@
         <p:spPr>
           <a:xfrm rot="10800000" flipV="1">
             <a:off x="7164288" y="3573016"/>
-            <a:ext cx="1582560" cy="1582560"/>
+            <a:ext cx="1224136" cy="1440160"/>
           </a:xfrm>
           <a:prstGeom prst="wedgeRoundRectCallout">
             <a:avLst>
@@ -17127,21 +17290,23 @@
           <a:solidFill>
             <a:srgbClr val="92D050"/>
           </a:solidFill>
-          <a:ln>
-            <a:round/>
-          </a:ln>
+          <a:ln/>
         </p:spPr>
         <p:style>
           <a:lnRef idx="2">
-            <a:schemeClr val="accent3"/>
+            <a:schemeClr val="accent3">
+              <a:shade val="50000"/>
+            </a:schemeClr>
           </a:lnRef>
           <a:fillRef idx="1">
-            <a:schemeClr val="lt1"/>
+            <a:schemeClr val="accent3"/>
           </a:fillRef>
           <a:effectRef idx="0">
             <a:schemeClr val="accent3"/>
           </a:effectRef>
-          <a:fontRef idx="minor"/>
+          <a:fontRef idx="minor">
+            <a:schemeClr val="lt1"/>
+          </a:fontRef>
         </p:style>
         <p:txBody>
           <a:bodyPr lIns="90000" tIns="45000" rIns="90000" bIns="45000" anchor="ctr">
@@ -17155,26 +17320,96 @@
               </a:lnSpc>
             </a:pPr>
             <a:r>
-              <a:rPr lang="en-GB" sz="1600" b="1" strike="noStrike" spc="-1">
+              <a:rPr lang="en-GB" sz="1600" b="0" strike="noStrike" spc="-1" dirty="0" err="1" smtClean="0">
                 <a:solidFill>
                   <a:srgbClr val="FFFFFF"/>
                 </a:solidFill>
                 <a:latin typeface="Calibri"/>
                 <a:ea typeface="DejaVu Sans"/>
               </a:rPr>
-              <a:t>Line Charts</a:t>
-            </a:r>
-            <a:r>
-              <a:rPr lang="en-GB" sz="1600" b="0" strike="noStrike" spc="-1">
+              <a:t>Możliwości</a:t>
+            </a:r>
+            <a:r>
+              <a:rPr lang="en-GB" sz="1600" b="0" strike="noStrike" spc="-1" dirty="0" smtClean="0">
                 <a:solidFill>
                   <a:srgbClr val="FFFFFF"/>
                 </a:solidFill>
                 <a:latin typeface="Calibri"/>
                 <a:ea typeface="DejaVu Sans"/>
               </a:rPr>
-              <a:t>, Możliwości usunięcia lub dodania wykresu</a:t>
-            </a:r>
-            <a:endParaRPr lang="en-GB" sz="1600" b="0" strike="noStrike" spc="-1">
+              <a:t> </a:t>
+            </a:r>
+            <a:r>
+              <a:rPr lang="en-GB" sz="1600" b="0" strike="noStrike" spc="-1" dirty="0" err="1">
+                <a:solidFill>
+                  <a:srgbClr val="FFFFFF"/>
+                </a:solidFill>
+                <a:latin typeface="Calibri"/>
+                <a:ea typeface="DejaVu Sans"/>
+              </a:rPr>
+              <a:t>usunięcia</a:t>
+            </a:r>
+            <a:r>
+              <a:rPr lang="en-GB" sz="1600" b="0" strike="noStrike" spc="-1" dirty="0">
+                <a:solidFill>
+                  <a:srgbClr val="FFFFFF"/>
+                </a:solidFill>
+                <a:latin typeface="Calibri"/>
+                <a:ea typeface="DejaVu Sans"/>
+              </a:rPr>
+              <a:t> </a:t>
+            </a:r>
+            <a:r>
+              <a:rPr lang="en-GB" sz="1600" b="0" strike="noStrike" spc="-1" dirty="0" err="1">
+                <a:solidFill>
+                  <a:srgbClr val="FFFFFF"/>
+                </a:solidFill>
+                <a:latin typeface="Calibri"/>
+                <a:ea typeface="DejaVu Sans"/>
+              </a:rPr>
+              <a:t>lub</a:t>
+            </a:r>
+            <a:r>
+              <a:rPr lang="en-GB" sz="1600" b="0" strike="noStrike" spc="-1" dirty="0">
+                <a:solidFill>
+                  <a:srgbClr val="FFFFFF"/>
+                </a:solidFill>
+                <a:latin typeface="Calibri"/>
+                <a:ea typeface="DejaVu Sans"/>
+              </a:rPr>
+              <a:t> </a:t>
+            </a:r>
+            <a:r>
+              <a:rPr lang="en-GB" sz="1600" b="0" strike="noStrike" spc="-1" dirty="0" err="1">
+                <a:solidFill>
+                  <a:srgbClr val="FFFFFF"/>
+                </a:solidFill>
+                <a:latin typeface="Calibri"/>
+                <a:ea typeface="DejaVu Sans"/>
+              </a:rPr>
+              <a:t>dodania</a:t>
+            </a:r>
+            <a:r>
+              <a:rPr lang="en-GB" sz="1600" b="0" strike="noStrike" spc="-1" dirty="0">
+                <a:solidFill>
+                  <a:srgbClr val="FFFFFF"/>
+                </a:solidFill>
+                <a:latin typeface="Calibri"/>
+                <a:ea typeface="DejaVu Sans"/>
+              </a:rPr>
+              <a:t> </a:t>
+            </a:r>
+            <a:r>
+              <a:rPr lang="en-GB" sz="1600" b="0" strike="noStrike" spc="-1" dirty="0" err="1">
+                <a:solidFill>
+                  <a:srgbClr val="FFFFFF"/>
+                </a:solidFill>
+                <a:latin typeface="Calibri"/>
+                <a:ea typeface="DejaVu Sans"/>
+              </a:rPr>
+              <a:t>wykresu</a:t>
+            </a:r>
+            <a:endParaRPr lang="en-GB" sz="1600" b="0" strike="noStrike" spc="-1" dirty="0">
               <a:latin typeface="Arial"/>
             </a:endParaRPr>
           </a:p>
@@ -17246,8 +17481,8 @@
         </p:nvSpPr>
         <p:spPr>
           <a:xfrm>
-            <a:off x="2123728" y="1307254"/>
-            <a:ext cx="5830920" cy="646560"/>
+            <a:off x="3059832" y="1484784"/>
+            <a:ext cx="3384376" cy="469030"/>
           </a:xfrm>
           <a:prstGeom prst="wedgeRoundRectCallout">
             <a:avLst>
@@ -17289,14 +17524,24 @@
               </a:lnSpc>
             </a:pPr>
             <a:r>
-              <a:rPr lang="en-GB" sz="1600" b="1" strike="noStrike" spc="-1" dirty="0">
+              <a:rPr lang="en-GB" sz="1600" b="0" strike="noStrike" spc="-1" dirty="0" smtClean="0">
                 <a:solidFill>
                   <a:srgbClr val="FFFFFF"/>
                 </a:solidFill>
                 <a:latin typeface="Calibri"/>
                 <a:ea typeface="DejaVu Sans"/>
               </a:rPr>
-              <a:t>Country Charts</a:t>
+              <a:t> </a:t>
+            </a:r>
+            <a:r>
+              <a:rPr lang="en-GB" sz="1600" b="0" strike="noStrike" spc="-1" dirty="0" err="1">
+                <a:solidFill>
+                  <a:srgbClr val="FFFFFF"/>
+                </a:solidFill>
+                <a:latin typeface="Calibri"/>
+                <a:ea typeface="DejaVu Sans"/>
+              </a:rPr>
+              <a:t>Zestawienie</a:t>
             </a:r>
             <a:r>
               <a:rPr lang="en-GB" sz="1600" b="0" strike="noStrike" spc="-1" dirty="0">
@@ -17306,15 +17551,18 @@
                 <a:latin typeface="Calibri"/>
                 <a:ea typeface="DejaVu Sans"/>
               </a:rPr>
-              <a:t>,</a:t>
-            </a:r>
-            <a:r>
-              <a:rPr dirty="0"/>
-              <a:t/>
-            </a:r>
-            <a:br>
-              <a:rPr dirty="0"/>
-            </a:br>
+              <a:t> </a:t>
+            </a:r>
+            <a:r>
+              <a:rPr lang="en-GB" sz="1600" b="0" strike="noStrike" spc="-1" dirty="0" err="1">
+                <a:solidFill>
+                  <a:srgbClr val="FFFFFF"/>
+                </a:solidFill>
+                <a:latin typeface="Calibri"/>
+                <a:ea typeface="DejaVu Sans"/>
+              </a:rPr>
+              <a:t>danych</a:t>
+            </a:r>
             <a:r>
               <a:rPr lang="en-GB" sz="1600" b="0" strike="noStrike" spc="-1" dirty="0">
                 <a:solidFill>
@@ -17326,117 +17574,17 @@
               <a:t> </a:t>
             </a:r>
             <a:r>
-              <a:rPr lang="en-GB" sz="1600" b="0" strike="noStrike" spc="-1" dirty="0" err="1">
+              <a:rPr lang="en-GB" sz="1600" b="0" strike="noStrike" spc="-1" dirty="0" err="1" smtClean="0">
                 <a:solidFill>
                   <a:srgbClr val="FFFFFF"/>
                 </a:solidFill>
                 <a:latin typeface="Calibri"/>
                 <a:ea typeface="DejaVu Sans"/>
               </a:rPr>
-              <a:t>Zestawienie</a:t>
-            </a:r>
-            <a:r>
-              <a:rPr lang="en-GB" sz="1600" b="0" strike="noStrike" spc="-1" dirty="0">
-                <a:solidFill>
-                  <a:srgbClr val="FFFFFF"/>
-                </a:solidFill>
-                <a:latin typeface="Calibri"/>
-                <a:ea typeface="DejaVu Sans"/>
-              </a:rPr>
-              <a:t> </a:t>
-            </a:r>
-            <a:r>
-              <a:rPr lang="en-GB" sz="1600" b="0" strike="noStrike" spc="-1" dirty="0" err="1">
-                <a:solidFill>
-                  <a:srgbClr val="FFFFFF"/>
-                </a:solidFill>
-                <a:latin typeface="Calibri"/>
-                <a:ea typeface="DejaVu Sans"/>
-              </a:rPr>
-              <a:t>danych</a:t>
-            </a:r>
-            <a:r>
-              <a:rPr lang="en-GB" sz="1600" b="0" strike="noStrike" spc="-1" dirty="0">
-                <a:solidFill>
-                  <a:srgbClr val="FFFFFF"/>
-                </a:solidFill>
-                <a:latin typeface="Calibri"/>
-                <a:ea typeface="DejaVu Sans"/>
-              </a:rPr>
-              <a:t> w </a:t>
-            </a:r>
-            <a:r>
-              <a:rPr lang="en-GB" sz="1600" b="0" strike="noStrike" spc="-1" dirty="0" err="1">
-                <a:solidFill>
-                  <a:srgbClr val="FFFFFF"/>
-                </a:solidFill>
-                <a:latin typeface="Calibri"/>
-                <a:ea typeface="DejaVu Sans"/>
-              </a:rPr>
-              <a:t>formie</a:t>
-            </a:r>
-            <a:r>
-              <a:rPr lang="en-GB" sz="1600" b="0" strike="noStrike" spc="-1" dirty="0">
-                <a:solidFill>
-                  <a:srgbClr val="FFFFFF"/>
-                </a:solidFill>
-                <a:latin typeface="Calibri"/>
-                <a:ea typeface="DejaVu Sans"/>
-              </a:rPr>
-              <a:t> </a:t>
-            </a:r>
-            <a:r>
-              <a:rPr lang="en-GB" sz="1600" b="0" strike="noStrike" spc="-1" dirty="0" err="1">
-                <a:solidFill>
-                  <a:srgbClr val="FFFFFF"/>
-                </a:solidFill>
-                <a:latin typeface="Calibri"/>
-                <a:ea typeface="DejaVu Sans"/>
-              </a:rPr>
-              <a:t>wykresu</a:t>
-            </a:r>
-            <a:r>
-              <a:rPr lang="en-GB" sz="1600" b="0" strike="noStrike" spc="-1" dirty="0">
-                <a:solidFill>
-                  <a:srgbClr val="FFFFFF"/>
-                </a:solidFill>
-                <a:latin typeface="Calibri"/>
-                <a:ea typeface="DejaVu Sans"/>
-              </a:rPr>
-              <a:t> </a:t>
-            </a:r>
-            <a:r>
-              <a:rPr lang="en-GB" sz="1600" b="0" strike="noStrike" spc="-1" dirty="0" err="1">
-                <a:solidFill>
-                  <a:srgbClr val="FFFFFF"/>
-                </a:solidFill>
-                <a:latin typeface="Calibri"/>
-                <a:ea typeface="DejaVu Sans"/>
-              </a:rPr>
-              <a:t>liniowego</a:t>
-            </a:r>
-            <a:r>
-              <a:rPr lang="en-GB" sz="1600" b="0" strike="noStrike" spc="-1" dirty="0">
-                <a:solidFill>
-                  <a:srgbClr val="FFFFFF"/>
-                </a:solidFill>
-                <a:latin typeface="Calibri"/>
-                <a:ea typeface="DejaVu Sans"/>
-              </a:rPr>
-              <a:t> </a:t>
-            </a:r>
-            <a:r>
-              <a:rPr lang="en-GB" sz="1600" b="0" strike="noStrike" spc="-1" dirty="0" err="1">
-                <a:solidFill>
-                  <a:srgbClr val="FFFFFF"/>
-                </a:solidFill>
-                <a:latin typeface="Calibri"/>
-                <a:ea typeface="DejaVu Sans"/>
-              </a:rPr>
               <a:t>dla</a:t>
             </a:r>
             <a:r>
-              <a:rPr lang="en-GB" sz="1600" b="0" strike="noStrike" spc="-1" dirty="0">
+              <a:rPr lang="en-GB" sz="1600" b="0" strike="noStrike" spc="-1" dirty="0" smtClean="0">
                 <a:solidFill>
                   <a:srgbClr val="FFFFFF"/>
                 </a:solidFill>
@@ -17490,7 +17638,7 @@
         <p:spPr>
           <a:xfrm rot="10800000" flipV="1">
             <a:off x="7020272" y="3429000"/>
-            <a:ext cx="1654920" cy="1582560"/>
+            <a:ext cx="1296144" cy="1008112"/>
           </a:xfrm>
           <a:prstGeom prst="wedgeRoundRectCallout">
             <a:avLst>
@@ -17532,14 +17680,24 @@
               </a:lnSpc>
             </a:pPr>
             <a:r>
-              <a:rPr lang="en-GB" sz="1600" b="1" strike="noStrike" spc="-1" dirty="0">
+              <a:rPr lang="en-GB" sz="1600" b="0" strike="noStrike" spc="-1" dirty="0" smtClean="0">
                 <a:solidFill>
                   <a:srgbClr val="FFFFFF"/>
                 </a:solidFill>
                 <a:latin typeface="Calibri"/>
                 <a:ea typeface="DejaVu Sans"/>
               </a:rPr>
-              <a:t>Line Charts</a:t>
+              <a:t> </a:t>
+            </a:r>
+            <a:r>
+              <a:rPr lang="en-GB" sz="1600" b="0" strike="noStrike" spc="-1" dirty="0" err="1">
+                <a:solidFill>
+                  <a:srgbClr val="FFFFFF"/>
+                </a:solidFill>
+                <a:latin typeface="Calibri"/>
+                <a:ea typeface="DejaVu Sans"/>
+              </a:rPr>
+              <a:t>Możliwości</a:t>
             </a:r>
             <a:r>
               <a:rPr lang="en-GB" sz="1600" b="0" strike="noStrike" spc="-1" dirty="0">
@@ -17549,80 +17707,20 @@
                 <a:latin typeface="Calibri"/>
                 <a:ea typeface="DejaVu Sans"/>
               </a:rPr>
-              <a:t>, </a:t>
-            </a:r>
-            <a:r>
-              <a:rPr lang="en-GB" sz="1600" b="0" strike="noStrike" spc="-1" dirty="0" err="1">
+              <a:t> </a:t>
+            </a:r>
+            <a:r>
+              <a:rPr lang="pl-PL" sz="1600" b="0" strike="noStrike" spc="-1" dirty="0" smtClean="0">
                 <a:solidFill>
                   <a:srgbClr val="FFFFFF"/>
                 </a:solidFill>
                 <a:latin typeface="Calibri"/>
                 <a:ea typeface="DejaVu Sans"/>
               </a:rPr>
-              <a:t>Możliwości</a:t>
-            </a:r>
-            <a:r>
-              <a:rPr lang="en-GB" sz="1600" b="0" strike="noStrike" spc="-1" dirty="0">
-                <a:solidFill>
-                  <a:srgbClr val="FFFFFF"/>
-                </a:solidFill>
-                <a:latin typeface="Calibri"/>
-                <a:ea typeface="DejaVu Sans"/>
-              </a:rPr>
-              <a:t> </a:t>
-            </a:r>
-            <a:r>
-              <a:rPr lang="en-GB" sz="1600" b="0" strike="noStrike" spc="-1" dirty="0" err="1">
-                <a:solidFill>
-                  <a:srgbClr val="FFFFFF"/>
-                </a:solidFill>
-                <a:latin typeface="Calibri"/>
-                <a:ea typeface="DejaVu Sans"/>
-              </a:rPr>
-              <a:t>usunięcia</a:t>
-            </a:r>
-            <a:r>
-              <a:rPr lang="en-GB" sz="1600" b="0" strike="noStrike" spc="-1" dirty="0">
-                <a:solidFill>
-                  <a:srgbClr val="FFFFFF"/>
-                </a:solidFill>
-                <a:latin typeface="Calibri"/>
-                <a:ea typeface="DejaVu Sans"/>
-              </a:rPr>
-              <a:t> </a:t>
-            </a:r>
-            <a:r>
-              <a:rPr lang="en-GB" sz="1600" b="0" strike="noStrike" spc="-1" dirty="0" err="1">
-                <a:solidFill>
-                  <a:srgbClr val="FFFFFF"/>
-                </a:solidFill>
-                <a:latin typeface="Calibri"/>
-                <a:ea typeface="DejaVu Sans"/>
-              </a:rPr>
-              <a:t>lub</a:t>
-            </a:r>
-            <a:r>
-              <a:rPr lang="en-GB" sz="1600" b="0" strike="noStrike" spc="-1" dirty="0">
-                <a:solidFill>
-                  <a:srgbClr val="FFFFFF"/>
-                </a:solidFill>
-                <a:latin typeface="Calibri"/>
-                <a:ea typeface="DejaVu Sans"/>
-              </a:rPr>
-              <a:t> </a:t>
-            </a:r>
-            <a:r>
-              <a:rPr lang="en-GB" sz="1600" b="0" strike="noStrike" spc="-1" dirty="0" err="1">
-                <a:solidFill>
-                  <a:srgbClr val="FFFFFF"/>
-                </a:solidFill>
-                <a:latin typeface="Calibri"/>
-                <a:ea typeface="DejaVu Sans"/>
-              </a:rPr>
-              <a:t>dodania</a:t>
-            </a:r>
-            <a:r>
-              <a:rPr lang="en-GB" sz="1600" b="0" strike="noStrike" spc="-1" dirty="0">
+              <a:t>wyboru</a:t>
+            </a:r>
+            <a:r>
+              <a:rPr lang="en-GB" sz="1600" b="0" strike="noStrike" spc="-1" dirty="0" smtClean="0">
                 <a:solidFill>
                   <a:srgbClr val="FFFFFF"/>
                 </a:solidFill>
@@ -17656,7 +17754,7 @@
         <p:spPr>
           <a:xfrm>
             <a:off x="4229640" y="5301360"/>
-            <a:ext cx="2226960" cy="1431000"/>
+            <a:ext cx="2226960" cy="1007960"/>
           </a:xfrm>
           <a:prstGeom prst="wedgeRoundRectCallout">
             <a:avLst>
@@ -17698,26 +17796,146 @@
               </a:lnSpc>
             </a:pPr>
             <a:r>
-              <a:rPr lang="en-GB" sz="1600" b="1" strike="noStrike" spc="-1">
+              <a:rPr lang="en-GB" sz="1600" b="0" strike="noStrike" spc="-1" dirty="0" err="1" smtClean="0">
                 <a:solidFill>
                   <a:srgbClr val="FFFFFF"/>
                 </a:solidFill>
                 <a:latin typeface="Calibri"/>
                 <a:ea typeface="DejaVu Sans"/>
               </a:rPr>
-              <a:t>Specific Dates</a:t>
-            </a:r>
-            <a:r>
-              <a:rPr lang="en-GB" sz="1600" b="0" strike="noStrike" spc="-1">
+              <a:t>Najeżdżając</a:t>
+            </a:r>
+            <a:r>
+              <a:rPr lang="en-GB" sz="1600" b="0" strike="noStrike" spc="-1" dirty="0" smtClean="0">
                 <a:solidFill>
                   <a:srgbClr val="FFFFFF"/>
                 </a:solidFill>
                 <a:latin typeface="Calibri"/>
                 <a:ea typeface="DejaVu Sans"/>
               </a:rPr>
-              <a:t>, Najeżdżając na wykres pokazują się dane z tego dnia, na którym znajduje się kursor</a:t>
-            </a:r>
-            <a:endParaRPr lang="en-GB" sz="1600" b="0" strike="noStrike" spc="-1">
+              <a:t> </a:t>
+            </a:r>
+            <a:r>
+              <a:rPr lang="en-GB" sz="1600" b="0" strike="noStrike" spc="-1" dirty="0" err="1">
+                <a:solidFill>
+                  <a:srgbClr val="FFFFFF"/>
+                </a:solidFill>
+                <a:latin typeface="Calibri"/>
+                <a:ea typeface="DejaVu Sans"/>
+              </a:rPr>
+              <a:t>na</a:t>
+            </a:r>
+            <a:r>
+              <a:rPr lang="en-GB" sz="1600" b="0" strike="noStrike" spc="-1" dirty="0">
+                <a:solidFill>
+                  <a:srgbClr val="FFFFFF"/>
+                </a:solidFill>
+                <a:latin typeface="Calibri"/>
+                <a:ea typeface="DejaVu Sans"/>
+              </a:rPr>
+              <a:t> </a:t>
+            </a:r>
+            <a:r>
+              <a:rPr lang="en-GB" sz="1600" b="0" strike="noStrike" spc="-1" dirty="0" err="1">
+                <a:solidFill>
+                  <a:srgbClr val="FFFFFF"/>
+                </a:solidFill>
+                <a:latin typeface="Calibri"/>
+                <a:ea typeface="DejaVu Sans"/>
+              </a:rPr>
+              <a:t>wykres</a:t>
+            </a:r>
+            <a:r>
+              <a:rPr lang="en-GB" sz="1600" b="0" strike="noStrike" spc="-1" dirty="0">
+                <a:solidFill>
+                  <a:srgbClr val="FFFFFF"/>
+                </a:solidFill>
+                <a:latin typeface="Calibri"/>
+                <a:ea typeface="DejaVu Sans"/>
+              </a:rPr>
+              <a:t> </a:t>
+            </a:r>
+            <a:r>
+              <a:rPr lang="en-GB" sz="1600" b="0" strike="noStrike" spc="-1" dirty="0" err="1">
+                <a:solidFill>
+                  <a:srgbClr val="FFFFFF"/>
+                </a:solidFill>
+                <a:latin typeface="Calibri"/>
+                <a:ea typeface="DejaVu Sans"/>
+              </a:rPr>
+              <a:t>pokazują</a:t>
+            </a:r>
+            <a:r>
+              <a:rPr lang="en-GB" sz="1600" b="0" strike="noStrike" spc="-1" dirty="0">
+                <a:solidFill>
+                  <a:srgbClr val="FFFFFF"/>
+                </a:solidFill>
+                <a:latin typeface="Calibri"/>
+                <a:ea typeface="DejaVu Sans"/>
+              </a:rPr>
+              <a:t> </a:t>
+            </a:r>
+            <a:r>
+              <a:rPr lang="en-GB" sz="1600" b="0" strike="noStrike" spc="-1" dirty="0" err="1">
+                <a:solidFill>
+                  <a:srgbClr val="FFFFFF"/>
+                </a:solidFill>
+                <a:latin typeface="Calibri"/>
+                <a:ea typeface="DejaVu Sans"/>
+              </a:rPr>
+              <a:t>się</a:t>
+            </a:r>
+            <a:r>
+              <a:rPr lang="en-GB" sz="1600" b="0" strike="noStrike" spc="-1" dirty="0">
+                <a:solidFill>
+                  <a:srgbClr val="FFFFFF"/>
+                </a:solidFill>
+                <a:latin typeface="Calibri"/>
+                <a:ea typeface="DejaVu Sans"/>
+              </a:rPr>
+              <a:t> </a:t>
+            </a:r>
+            <a:r>
+              <a:rPr lang="pl-PL" sz="1600" spc="-1" dirty="0" smtClean="0">
+                <a:solidFill>
+                  <a:srgbClr val="FFFFFF"/>
+                </a:solidFill>
+                <a:latin typeface="Calibri"/>
+                <a:ea typeface="DejaVu Sans"/>
+              </a:rPr>
+              <a:t>wartości liczbowe </a:t>
+            </a:r>
+            <a:r>
+              <a:rPr lang="en-GB" sz="1600" b="0" strike="noStrike" spc="-1" dirty="0" smtClean="0">
+                <a:solidFill>
+                  <a:srgbClr val="FFFFFF"/>
+                </a:solidFill>
+                <a:latin typeface="Calibri"/>
+                <a:ea typeface="DejaVu Sans"/>
+              </a:rPr>
+              <a:t>z </a:t>
+            </a:r>
+            <a:r>
+              <a:rPr lang="pl-PL" sz="1600" b="0" strike="noStrike" spc="-1" dirty="0" smtClean="0">
+                <a:solidFill>
+                  <a:srgbClr val="FFFFFF"/>
+                </a:solidFill>
+                <a:latin typeface="Calibri"/>
+                <a:ea typeface="DejaVu Sans"/>
+              </a:rPr>
+              <a:t>danego </a:t>
+            </a:r>
+            <a:r>
+              <a:rPr lang="en-GB" sz="1600" b="0" strike="noStrike" spc="-1" dirty="0" err="1" smtClean="0">
+                <a:solidFill>
+                  <a:srgbClr val="FFFFFF"/>
+                </a:solidFill>
+                <a:latin typeface="Calibri"/>
+                <a:ea typeface="DejaVu Sans"/>
+              </a:rPr>
+              <a:t>dnia</a:t>
+            </a:r>
+            <a:endParaRPr lang="en-GB" sz="1600" b="0" strike="noStrike" spc="-1" dirty="0">
               <a:latin typeface="Arial"/>
             </a:endParaRPr>
           </a:p>
@@ -17789,8 +18007,8 @@
         </p:nvSpPr>
         <p:spPr>
           <a:xfrm>
-            <a:off x="2555640" y="1412640"/>
-            <a:ext cx="4462920" cy="646560"/>
+            <a:off x="3275856" y="1628800"/>
+            <a:ext cx="3096344" cy="430400"/>
           </a:xfrm>
           <a:prstGeom prst="wedgeRoundRectCallout">
             <a:avLst>
@@ -17832,40 +18050,86 @@
               </a:lnSpc>
             </a:pPr>
             <a:r>
-              <a:rPr lang="en-GB" sz="1600" b="1" strike="noStrike" spc="-1">
+              <a:rPr lang="en-GB" sz="1600" b="0" strike="noStrike" spc="-1" dirty="0" smtClean="0">
                 <a:solidFill>
                   <a:srgbClr val="FFFFFF"/>
                 </a:solidFill>
                 <a:latin typeface="Calibri"/>
                 <a:ea typeface="DejaVu Sans"/>
               </a:rPr>
-              <a:t>Daily Statistics</a:t>
-            </a:r>
-            <a:r>
-              <a:rPr lang="en-GB" sz="1600" b="0" strike="noStrike" spc="-1">
+              <a:t>Dane </a:t>
+            </a:r>
+            <a:r>
+              <a:rPr lang="en-GB" sz="1600" b="0" strike="noStrike" spc="-1" dirty="0" err="1">
                 <a:solidFill>
                   <a:srgbClr val="FFFFFF"/>
                 </a:solidFill>
                 <a:latin typeface="Calibri"/>
                 <a:ea typeface="DejaVu Sans"/>
               </a:rPr>
-              <a:t>, </a:t>
-            </a:r>
-            <a:r>
-              <a:t/>
-            </a:r>
-            <a:br/>
-            <a:r>
-              <a:rPr lang="en-GB" sz="1600" b="0" strike="noStrike" spc="-1">
+              <a:t>dzienne</a:t>
+            </a:r>
+            <a:r>
+              <a:rPr lang="en-GB" sz="1600" b="0" strike="noStrike" spc="-1" dirty="0">
                 <a:solidFill>
                   <a:srgbClr val="FFFFFF"/>
                 </a:solidFill>
                 <a:latin typeface="Calibri"/>
                 <a:ea typeface="DejaVu Sans"/>
               </a:rPr>
-              <a:t>Dane dzienne dla wybranego kraju</a:t>
-            </a:r>
-            <a:endParaRPr lang="en-GB" sz="1600" b="0" strike="noStrike" spc="-1">
+              <a:t> </a:t>
+            </a:r>
+            <a:r>
+              <a:rPr lang="en-GB" sz="1600" b="0" strike="noStrike" spc="-1" dirty="0" err="1">
+                <a:solidFill>
+                  <a:srgbClr val="FFFFFF"/>
+                </a:solidFill>
+                <a:latin typeface="Calibri"/>
+                <a:ea typeface="DejaVu Sans"/>
+              </a:rPr>
+              <a:t>dla</a:t>
+            </a:r>
+            <a:r>
+              <a:rPr lang="en-GB" sz="1600" b="0" strike="noStrike" spc="-1" dirty="0">
+                <a:solidFill>
+                  <a:srgbClr val="FFFFFF"/>
+                </a:solidFill>
+                <a:latin typeface="Calibri"/>
+                <a:ea typeface="DejaVu Sans"/>
+              </a:rPr>
+              <a:t> </a:t>
+            </a:r>
+            <a:r>
+              <a:rPr lang="en-GB" sz="1600" b="0" strike="noStrike" spc="-1" dirty="0" err="1">
+                <a:solidFill>
+                  <a:srgbClr val="FFFFFF"/>
+                </a:solidFill>
+                <a:latin typeface="Calibri"/>
+                <a:ea typeface="DejaVu Sans"/>
+              </a:rPr>
+              <a:t>wybranego</a:t>
+            </a:r>
+            <a:r>
+              <a:rPr lang="en-GB" sz="1600" b="0" strike="noStrike" spc="-1" dirty="0">
+                <a:solidFill>
+                  <a:srgbClr val="FFFFFF"/>
+                </a:solidFill>
+                <a:latin typeface="Calibri"/>
+                <a:ea typeface="DejaVu Sans"/>
+              </a:rPr>
+              <a:t> </a:t>
+            </a:r>
+            <a:r>
+              <a:rPr lang="en-GB" sz="1600" b="0" strike="noStrike" spc="-1" dirty="0" err="1">
+                <a:solidFill>
+                  <a:srgbClr val="FFFFFF"/>
+                </a:solidFill>
+                <a:latin typeface="Calibri"/>
+                <a:ea typeface="DejaVu Sans"/>
+              </a:rPr>
+              <a:t>kraju</a:t>
+            </a:r>
+            <a:endParaRPr lang="en-GB" sz="1600" b="0" strike="noStrike" spc="-1" dirty="0">
               <a:latin typeface="Arial"/>
             </a:endParaRPr>
           </a:p>
@@ -17880,7 +18144,7 @@
         <p:spPr>
           <a:xfrm rot="10800000" flipV="1">
             <a:off x="7092280" y="3573016"/>
-            <a:ext cx="1588320" cy="1582560"/>
+            <a:ext cx="1296144" cy="1008112"/>
           </a:xfrm>
           <a:prstGeom prst="wedgeRoundRectCallout">
             <a:avLst>
@@ -17922,14 +18186,44 @@
               </a:lnSpc>
             </a:pPr>
             <a:r>
-              <a:rPr lang="en-GB" sz="1600" b="1" strike="noStrike" spc="-1" dirty="0">
+              <a:rPr lang="en-GB" sz="1600" b="0" strike="noStrike" spc="-1" dirty="0" err="1" smtClean="0">
                 <a:solidFill>
                   <a:srgbClr val="FFFFFF"/>
                 </a:solidFill>
                 <a:latin typeface="Calibri"/>
                 <a:ea typeface="DejaVu Sans"/>
               </a:rPr>
-              <a:t>Line Charts</a:t>
+              <a:t>usunięci</a:t>
+            </a:r>
+            <a:r>
+              <a:rPr lang="pl-PL" sz="1600" b="0" strike="noStrike" spc="-1" dirty="0" smtClean="0">
+                <a:solidFill>
+                  <a:srgbClr val="FFFFFF"/>
+                </a:solidFill>
+                <a:latin typeface="Calibri"/>
+                <a:ea typeface="DejaVu Sans"/>
+              </a:rPr>
+              <a:t>e</a:t>
+            </a:r>
+            <a:r>
+              <a:rPr lang="en-GB" sz="1600" b="0" strike="noStrike" spc="-1" dirty="0" smtClean="0">
+                <a:solidFill>
+                  <a:srgbClr val="FFFFFF"/>
+                </a:solidFill>
+                <a:latin typeface="Calibri"/>
+                <a:ea typeface="DejaVu Sans"/>
+              </a:rPr>
+              <a:t> </a:t>
+            </a:r>
+            <a:r>
+              <a:rPr lang="en-GB" sz="1600" b="0" strike="noStrike" spc="-1" dirty="0" err="1">
+                <a:solidFill>
+                  <a:srgbClr val="FFFFFF"/>
+                </a:solidFill>
+                <a:latin typeface="Calibri"/>
+                <a:ea typeface="DejaVu Sans"/>
+              </a:rPr>
+              <a:t>lub</a:t>
             </a:r>
             <a:r>
               <a:rPr lang="en-GB" sz="1600" b="0" strike="noStrike" spc="-1" dirty="0">
@@ -17939,80 +18233,30 @@
                 <a:latin typeface="Calibri"/>
                 <a:ea typeface="DejaVu Sans"/>
               </a:rPr>
-              <a:t>, </a:t>
-            </a:r>
-            <a:r>
-              <a:rPr lang="en-GB" sz="1600" b="0" strike="noStrike" spc="-1" dirty="0" err="1">
+              <a:t> </a:t>
+            </a:r>
+            <a:r>
+              <a:rPr lang="en-GB" sz="1600" b="0" strike="noStrike" spc="-1" dirty="0" err="1" smtClean="0">
                 <a:solidFill>
                   <a:srgbClr val="FFFFFF"/>
                 </a:solidFill>
                 <a:latin typeface="Calibri"/>
                 <a:ea typeface="DejaVu Sans"/>
               </a:rPr>
-              <a:t>Możliwości</a:t>
-            </a:r>
-            <a:r>
-              <a:rPr lang="en-GB" sz="1600" b="0" strike="noStrike" spc="-1" dirty="0">
+              <a:t>dodani</a:t>
+            </a:r>
+            <a:r>
+              <a:rPr lang="pl-PL" sz="1600" b="0" strike="noStrike" spc="-1" dirty="0" smtClean="0">
                 <a:solidFill>
                   <a:srgbClr val="FFFFFF"/>
                 </a:solidFill>
                 <a:latin typeface="Calibri"/>
                 <a:ea typeface="DejaVu Sans"/>
               </a:rPr>
-              <a:t> </a:t>
-            </a:r>
-            <a:r>
-              <a:rPr lang="en-GB" sz="1600" b="0" strike="noStrike" spc="-1" dirty="0" err="1">
-                <a:solidFill>
-                  <a:srgbClr val="FFFFFF"/>
-                </a:solidFill>
-                <a:latin typeface="Calibri"/>
-                <a:ea typeface="DejaVu Sans"/>
-              </a:rPr>
-              <a:t>usunięcia</a:t>
-            </a:r>
-            <a:r>
-              <a:rPr lang="en-GB" sz="1600" b="0" strike="noStrike" spc="-1" dirty="0">
-                <a:solidFill>
-                  <a:srgbClr val="FFFFFF"/>
-                </a:solidFill>
-                <a:latin typeface="Calibri"/>
-                <a:ea typeface="DejaVu Sans"/>
-              </a:rPr>
-              <a:t> </a:t>
-            </a:r>
-            <a:r>
-              <a:rPr lang="en-GB" sz="1600" b="0" strike="noStrike" spc="-1" dirty="0" err="1">
-                <a:solidFill>
-                  <a:srgbClr val="FFFFFF"/>
-                </a:solidFill>
-                <a:latin typeface="Calibri"/>
-                <a:ea typeface="DejaVu Sans"/>
-              </a:rPr>
-              <a:t>lub</a:t>
-            </a:r>
-            <a:r>
-              <a:rPr lang="en-GB" sz="1600" b="0" strike="noStrike" spc="-1" dirty="0">
-                <a:solidFill>
-                  <a:srgbClr val="FFFFFF"/>
-                </a:solidFill>
-                <a:latin typeface="Calibri"/>
-                <a:ea typeface="DejaVu Sans"/>
-              </a:rPr>
-              <a:t> </a:t>
-            </a:r>
-            <a:r>
-              <a:rPr lang="en-GB" sz="1600" b="0" strike="noStrike" spc="-1" dirty="0" err="1">
-                <a:solidFill>
-                  <a:srgbClr val="FFFFFF"/>
-                </a:solidFill>
-                <a:latin typeface="Calibri"/>
-                <a:ea typeface="DejaVu Sans"/>
-              </a:rPr>
-              <a:t>dodania</a:t>
-            </a:r>
-            <a:r>
-              <a:rPr lang="en-GB" sz="1600" b="0" strike="noStrike" spc="-1" dirty="0">
+              <a:t>e</a:t>
+            </a:r>
+            <a:r>
+              <a:rPr lang="en-GB" sz="1600" b="0" strike="noStrike" spc="-1" dirty="0" smtClean="0">
                 <a:solidFill>
                   <a:srgbClr val="FFFFFF"/>
                 </a:solidFill>
@@ -18104,8 +18348,8 @@
         </p:nvSpPr>
         <p:spPr>
           <a:xfrm>
-            <a:off x="2771800" y="1412776"/>
-            <a:ext cx="4247280" cy="862560"/>
+            <a:off x="3275856" y="1700808"/>
+            <a:ext cx="3024336" cy="574528"/>
           </a:xfrm>
           <a:prstGeom prst="wedgeRoundRectCallout">
             <a:avLst>
@@ -18147,40 +18391,136 @@
               </a:lnSpc>
             </a:pPr>
             <a:r>
-              <a:rPr lang="en-GB" sz="1600" b="1" strike="noStrike" spc="-1">
+              <a:rPr lang="en-GB" sz="1600" b="0" strike="noStrike" spc="-1" dirty="0" smtClean="0">
                 <a:solidFill>
                   <a:srgbClr val="FFFFFF"/>
                 </a:solidFill>
                 <a:latin typeface="Calibri"/>
                 <a:ea typeface="DejaVu Sans"/>
               </a:rPr>
-              <a:t>Country Comparison</a:t>
-            </a:r>
-            <a:r>
-              <a:rPr lang="en-GB" sz="1600" b="0" strike="noStrike" spc="-1">
+              <a:t> </a:t>
+            </a:r>
+            <a:r>
+              <a:rPr lang="pl-PL" sz="1600" b="0" strike="noStrike" spc="-1" dirty="0" smtClean="0">
                 <a:solidFill>
                   <a:srgbClr val="FFFFFF"/>
                 </a:solidFill>
                 <a:latin typeface="Calibri"/>
                 <a:ea typeface="DejaVu Sans"/>
               </a:rPr>
-              <a:t>,</a:t>
-            </a:r>
-            <a:r>
-              <a:t/>
-            </a:r>
-            <a:br/>
-            <a:r>
-              <a:rPr lang="en-GB" sz="1600" b="0" strike="noStrike" spc="-1">
+              <a:t>Wybór</a:t>
+            </a:r>
+            <a:r>
+              <a:rPr lang="en-GB" sz="1600" b="0" strike="noStrike" spc="-1" dirty="0" smtClean="0">
                 <a:solidFill>
                   <a:srgbClr val="FFFFFF"/>
                 </a:solidFill>
                 <a:latin typeface="Calibri"/>
                 <a:ea typeface="DejaVu Sans"/>
               </a:rPr>
-              <a:t> Możliwość dodania do wykresu  dwóch państw i porównania danych na wykresie liniowym </a:t>
-            </a:r>
-            <a:endParaRPr lang="en-GB" sz="1600" b="0" strike="noStrike" spc="-1">
+              <a:t> </a:t>
+            </a:r>
+            <a:r>
+              <a:rPr lang="en-GB" sz="1600" b="0" strike="noStrike" spc="-1" dirty="0" err="1">
+                <a:solidFill>
+                  <a:srgbClr val="FFFFFF"/>
+                </a:solidFill>
+                <a:latin typeface="Calibri"/>
+                <a:ea typeface="DejaVu Sans"/>
+              </a:rPr>
+              <a:t>dwóch</a:t>
+            </a:r>
+            <a:r>
+              <a:rPr lang="en-GB" sz="1600" b="0" strike="noStrike" spc="-1" dirty="0">
+                <a:solidFill>
+                  <a:srgbClr val="FFFFFF"/>
+                </a:solidFill>
+                <a:latin typeface="Calibri"/>
+                <a:ea typeface="DejaVu Sans"/>
+              </a:rPr>
+              <a:t> </a:t>
+            </a:r>
+            <a:r>
+              <a:rPr lang="en-GB" sz="1600" b="0" strike="noStrike" spc="-1" dirty="0" err="1">
+                <a:solidFill>
+                  <a:srgbClr val="FFFFFF"/>
+                </a:solidFill>
+                <a:latin typeface="Calibri"/>
+                <a:ea typeface="DejaVu Sans"/>
+              </a:rPr>
+              <a:t>państw</a:t>
+            </a:r>
+            <a:r>
+              <a:rPr lang="en-GB" sz="1600" b="0" strike="noStrike" spc="-1" dirty="0">
+                <a:solidFill>
+                  <a:srgbClr val="FFFFFF"/>
+                </a:solidFill>
+                <a:latin typeface="Calibri"/>
+                <a:ea typeface="DejaVu Sans"/>
+              </a:rPr>
+              <a:t> </a:t>
+            </a:r>
+            <a:r>
+              <a:rPr lang="en-GB" sz="1600" b="0" strike="noStrike" spc="-1" dirty="0" err="1" smtClean="0">
+                <a:solidFill>
+                  <a:srgbClr val="FFFFFF"/>
+                </a:solidFill>
+                <a:latin typeface="Calibri"/>
+                <a:ea typeface="DejaVu Sans"/>
+              </a:rPr>
+              <a:t>i</a:t>
+            </a:r>
+            <a:r>
+              <a:rPr lang="pl-PL" sz="1600" b="0" strike="noStrike" spc="-1" dirty="0" smtClean="0">
+                <a:solidFill>
+                  <a:srgbClr val="FFFFFF"/>
+                </a:solidFill>
+                <a:latin typeface="Calibri"/>
+                <a:ea typeface="DejaVu Sans"/>
+              </a:rPr>
+              <a:t>dla celów</a:t>
+            </a:r>
+            <a:r>
+              <a:rPr lang="en-GB" sz="1600" b="0" strike="noStrike" spc="-1" dirty="0" smtClean="0">
+                <a:solidFill>
+                  <a:srgbClr val="FFFFFF"/>
+                </a:solidFill>
+                <a:latin typeface="Calibri"/>
+                <a:ea typeface="DejaVu Sans"/>
+              </a:rPr>
+              <a:t> </a:t>
+            </a:r>
+            <a:r>
+              <a:rPr lang="en-GB" sz="1600" b="0" strike="noStrike" spc="-1" dirty="0" err="1" smtClean="0">
+                <a:solidFill>
+                  <a:srgbClr val="FFFFFF"/>
+                </a:solidFill>
+                <a:latin typeface="Calibri"/>
+                <a:ea typeface="DejaVu Sans"/>
+              </a:rPr>
+              <a:t>porówna</a:t>
+            </a:r>
+            <a:r>
+              <a:rPr lang="pl-PL" sz="1600" b="0" strike="noStrike" spc="-1" dirty="0" err="1" smtClean="0">
+                <a:solidFill>
+                  <a:srgbClr val="FFFFFF"/>
+                </a:solidFill>
+                <a:latin typeface="Calibri"/>
+                <a:ea typeface="DejaVu Sans"/>
+              </a:rPr>
+              <a:t>wczych</a:t>
+            </a:r>
+            <a:r>
+              <a:rPr lang="en-GB" sz="1600" b="0" strike="noStrike" spc="-1" dirty="0" smtClean="0">
+                <a:solidFill>
+                  <a:srgbClr val="FFFFFF"/>
+                </a:solidFill>
+                <a:latin typeface="Calibri"/>
+                <a:ea typeface="DejaVu Sans"/>
+              </a:rPr>
+              <a:t> </a:t>
+            </a:r>
+            <a:endParaRPr lang="en-GB" sz="1600" b="0" strike="noStrike" spc="-1" dirty="0">
               <a:latin typeface="Arial"/>
             </a:endParaRPr>
           </a:p>
@@ -18194,13 +18534,13 @@
         </p:nvSpPr>
         <p:spPr>
           <a:xfrm>
-            <a:off x="2051640" y="5157360"/>
-            <a:ext cx="1870920" cy="1330560"/>
+            <a:off x="2483768" y="5157360"/>
+            <a:ext cx="1224136" cy="575896"/>
           </a:xfrm>
           <a:prstGeom prst="wedgeRoundRectCallout">
             <a:avLst>
-              <a:gd name="adj1" fmla="val 20376"/>
-              <a:gd name="adj2" fmla="val -67742"/>
+              <a:gd name="adj1" fmla="val 21087"/>
+              <a:gd name="adj2" fmla="val -72278"/>
               <a:gd name="adj3" fmla="val 16667"/>
             </a:avLst>
           </a:prstGeom>
@@ -18237,40 +18577,66 @@
               </a:lnSpc>
             </a:pPr>
             <a:r>
-              <a:rPr lang="en-GB" sz="1600" b="1" strike="noStrike" spc="-1">
+              <a:rPr lang="en-GB" sz="1600" b="0" strike="noStrike" spc="-1" dirty="0" err="1" smtClean="0">
                 <a:solidFill>
                   <a:srgbClr val="FFFFFF"/>
                 </a:solidFill>
                 <a:latin typeface="Calibri"/>
                 <a:ea typeface="DejaVu Sans"/>
               </a:rPr>
-              <a:t>World Map</a:t>
-            </a:r>
-            <a:r>
-              <a:rPr lang="en-GB" sz="1600" b="0" strike="noStrike" spc="-1">
+              <a:t>Powrót</a:t>
+            </a:r>
+            <a:r>
+              <a:rPr lang="en-GB" sz="1600" b="0" strike="noStrike" spc="-1" dirty="0" smtClean="0">
                 <a:solidFill>
                   <a:srgbClr val="FFFFFF"/>
                 </a:solidFill>
                 <a:latin typeface="Calibri"/>
                 <a:ea typeface="DejaVu Sans"/>
               </a:rPr>
-              <a:t>, </a:t>
-            </a:r>
-            <a:r>
-              <a:t/>
-            </a:r>
-            <a:br/>
-            <a:r>
-              <a:rPr lang="en-GB" sz="1600" b="0" strike="noStrike" spc="-1">
+              <a:t> </a:t>
+            </a:r>
+            <a:r>
+              <a:rPr lang="en-GB" sz="1600" b="0" strike="noStrike" spc="-1" dirty="0">
                 <a:solidFill>
                   <a:srgbClr val="FFFFFF"/>
                 </a:solidFill>
                 <a:latin typeface="Calibri"/>
                 <a:ea typeface="DejaVu Sans"/>
               </a:rPr>
-              <a:t>Powrót do głównej mapy z danymi </a:t>
-            </a:r>
-            <a:endParaRPr lang="en-GB" sz="1600" b="0" strike="noStrike" spc="-1">
+              <a:t>do </a:t>
+            </a:r>
+            <a:r>
+              <a:rPr lang="pl-PL" sz="1600" b="0" strike="noStrike" spc="-1" dirty="0" smtClean="0">
+                <a:solidFill>
+                  <a:srgbClr val="FFFFFF"/>
+                </a:solidFill>
+                <a:latin typeface="Calibri"/>
+                <a:ea typeface="DejaVu Sans"/>
+              </a:rPr>
+              <a:t>m</a:t>
+            </a:r>
+            <a:r>
+              <a:rPr lang="en-GB" sz="1600" b="0" strike="noStrike" spc="-1" dirty="0" err="1" smtClean="0">
+                <a:solidFill>
+                  <a:srgbClr val="FFFFFF"/>
+                </a:solidFill>
+                <a:latin typeface="Calibri"/>
+                <a:ea typeface="DejaVu Sans"/>
+              </a:rPr>
+              <a:t>apy</a:t>
+            </a:r>
+            <a:r>
+              <a:rPr lang="en-GB" sz="1600" b="0" strike="noStrike" spc="-1" dirty="0" smtClean="0">
+                <a:solidFill>
+                  <a:srgbClr val="FFFFFF"/>
+                </a:solidFill>
+                <a:latin typeface="Calibri"/>
+                <a:ea typeface="DejaVu Sans"/>
+              </a:rPr>
+              <a:t> </a:t>
+            </a:r>
+            <a:endParaRPr lang="en-GB" sz="1600" b="0" strike="noStrike" spc="-1" dirty="0">
               <a:latin typeface="Arial"/>
             </a:endParaRPr>
           </a:p>
@@ -18284,8 +18650,8 @@
         </p:nvSpPr>
         <p:spPr>
           <a:xfrm>
-            <a:off x="4500000" y="5157360"/>
-            <a:ext cx="1942920" cy="1330560"/>
+            <a:off x="4644008" y="5157360"/>
+            <a:ext cx="1440160" cy="791920"/>
           </a:xfrm>
           <a:prstGeom prst="wedgeRoundRectCallout">
             <a:avLst>
@@ -18327,26 +18693,66 @@
               </a:lnSpc>
             </a:pPr>
             <a:r>
-              <a:rPr lang="en-GB" sz="1600" b="1" strike="noStrike" spc="-1">
+              <a:rPr lang="pl-PL" sz="1600" b="0" strike="noStrike" spc="-1" dirty="0" smtClean="0">
                 <a:solidFill>
                   <a:srgbClr val="FFFFFF"/>
                 </a:solidFill>
                 <a:latin typeface="Calibri"/>
                 <a:ea typeface="DejaVu Sans"/>
               </a:rPr>
-              <a:t>Generate Chart</a:t>
-            </a:r>
-            <a:r>
-              <a:rPr lang="en-GB" sz="1600" b="0" strike="noStrike" spc="-1">
+              <a:t>G</a:t>
+            </a:r>
+            <a:r>
+              <a:rPr lang="en-GB" sz="1600" b="0" strike="noStrike" spc="-1" dirty="0" err="1" smtClean="0">
                 <a:solidFill>
                   <a:srgbClr val="FFFFFF"/>
                 </a:solidFill>
                 <a:latin typeface="Calibri"/>
                 <a:ea typeface="DejaVu Sans"/>
               </a:rPr>
-              <a:t>, Wygeneruje wykres z wybranymi państwami </a:t>
-            </a:r>
-            <a:endParaRPr lang="en-GB" sz="1600" b="0" strike="noStrike" spc="-1">
+              <a:t>ener</a:t>
+            </a:r>
+            <a:r>
+              <a:rPr lang="pl-PL" sz="1600" b="0" strike="noStrike" spc="-1" dirty="0" err="1" smtClean="0">
+                <a:solidFill>
+                  <a:srgbClr val="FFFFFF"/>
+                </a:solidFill>
+                <a:latin typeface="Calibri"/>
+                <a:ea typeface="DejaVu Sans"/>
+              </a:rPr>
+              <a:t>owanie</a:t>
+            </a:r>
+            <a:r>
+              <a:rPr lang="en-GB" sz="1600" b="0" strike="noStrike" spc="-1" dirty="0" smtClean="0">
+                <a:solidFill>
+                  <a:srgbClr val="FFFFFF"/>
+                </a:solidFill>
+                <a:latin typeface="Calibri"/>
+                <a:ea typeface="DejaVu Sans"/>
+              </a:rPr>
+              <a:t> </a:t>
+            </a:r>
+            <a:r>
+              <a:rPr lang="en-GB" sz="1600" b="0" strike="noStrike" spc="-1" dirty="0" err="1" smtClean="0">
+                <a:solidFill>
+                  <a:srgbClr val="FFFFFF"/>
+                </a:solidFill>
+                <a:latin typeface="Calibri"/>
+                <a:ea typeface="DejaVu Sans"/>
+              </a:rPr>
+              <a:t>wykres</a:t>
+            </a:r>
+            <a:r>
+              <a:rPr lang="pl-PL" sz="1600" b="0" strike="noStrike" spc="-1" dirty="0" smtClean="0">
+                <a:solidFill>
+                  <a:srgbClr val="FFFFFF"/>
+                </a:solidFill>
+                <a:latin typeface="Calibri"/>
+                <a:ea typeface="DejaVu Sans"/>
+              </a:rPr>
+              <a:t>ów</a:t>
+            </a:r>
+            <a:endParaRPr lang="en-GB" sz="1600" b="0" strike="noStrike" spc="-1" dirty="0">
               <a:latin typeface="Arial"/>
             </a:endParaRPr>
           </a:p>
@@ -18418,8 +18824,8 @@
         </p:nvSpPr>
         <p:spPr>
           <a:xfrm>
-            <a:off x="2519280" y="1551159"/>
-            <a:ext cx="5399280" cy="646560"/>
+            <a:off x="3275856" y="1700807"/>
+            <a:ext cx="3528392" cy="496911"/>
           </a:xfrm>
           <a:prstGeom prst="wedgeRoundRectCallout">
             <a:avLst>
@@ -18461,14 +18867,34 @@
               </a:lnSpc>
             </a:pPr>
             <a:r>
-              <a:rPr lang="en-GB" sz="1600" b="1" strike="noStrike" spc="-1" dirty="0">
+              <a:rPr lang="en-GB" sz="1600" b="0" strike="noStrike" spc="-1" dirty="0" err="1" smtClean="0">
                 <a:solidFill>
                   <a:srgbClr val="FFFFFF"/>
                 </a:solidFill>
                 <a:latin typeface="Calibri"/>
                 <a:ea typeface="DejaVu Sans"/>
               </a:rPr>
-              <a:t>Country Comparison</a:t>
+              <a:t>Porównanie</a:t>
+            </a:r>
+            <a:r>
+              <a:rPr lang="en-GB" sz="1600" b="0" strike="noStrike" spc="-1" dirty="0" smtClean="0">
+                <a:solidFill>
+                  <a:srgbClr val="FFFFFF"/>
+                </a:solidFill>
+                <a:latin typeface="Calibri"/>
+                <a:ea typeface="DejaVu Sans"/>
+              </a:rPr>
+              <a:t> </a:t>
+            </a:r>
+            <a:r>
+              <a:rPr lang="en-GB" sz="1600" b="0" strike="noStrike" spc="-1" dirty="0" err="1">
+                <a:solidFill>
+                  <a:srgbClr val="FFFFFF"/>
+                </a:solidFill>
+                <a:latin typeface="Calibri"/>
+                <a:ea typeface="DejaVu Sans"/>
+              </a:rPr>
+              <a:t>danych</a:t>
             </a:r>
             <a:r>
               <a:rPr lang="en-GB" sz="1600" b="0" strike="noStrike" spc="-1" dirty="0">
@@ -18478,15 +18904,8 @@
                 <a:latin typeface="Calibri"/>
                 <a:ea typeface="DejaVu Sans"/>
               </a:rPr>
-              <a:t>, </a:t>
-            </a:r>
-            <a:r>
-              <a:rPr dirty="0"/>
-              <a:t/>
-            </a:r>
-            <a:br>
-              <a:rPr dirty="0"/>
-            </a:br>
+              <a:t> </a:t>
+            </a:r>
             <a:r>
               <a:rPr lang="en-GB" sz="1600" b="0" strike="noStrike" spc="-1" dirty="0" err="1">
                 <a:solidFill>
@@ -18495,7 +18914,7 @@
                 <a:latin typeface="Calibri"/>
                 <a:ea typeface="DejaVu Sans"/>
               </a:rPr>
-              <a:t>Porównanie</a:t>
+              <a:t>wybranych</a:t>
             </a:r>
             <a:r>
               <a:rPr lang="en-GB" sz="1600" b="0" strike="noStrike" spc="-1" dirty="0">
@@ -18508,114 +18927,14 @@
               <a:t> </a:t>
             </a:r>
             <a:r>
-              <a:rPr lang="en-GB" sz="1600" b="0" strike="noStrike" spc="-1" dirty="0" err="1">
+              <a:rPr lang="en-GB" sz="1600" b="0" strike="noStrike" spc="-1" dirty="0" err="1" smtClean="0">
                 <a:solidFill>
                   <a:srgbClr val="FFFFFF"/>
                 </a:solidFill>
                 <a:latin typeface="Calibri"/>
                 <a:ea typeface="DejaVu Sans"/>
               </a:rPr>
-              <a:t>danych</a:t>
-            </a:r>
-            <a:r>
-              <a:rPr lang="en-GB" sz="1600" b="0" strike="noStrike" spc="-1" dirty="0">
-                <a:solidFill>
-                  <a:srgbClr val="FFFFFF"/>
-                </a:solidFill>
-                <a:latin typeface="Calibri"/>
-                <a:ea typeface="DejaVu Sans"/>
-              </a:rPr>
-              <a:t> </a:t>
-            </a:r>
-            <a:r>
-              <a:rPr lang="en-GB" sz="1600" b="0" strike="noStrike" spc="-1" dirty="0" err="1">
-                <a:solidFill>
-                  <a:srgbClr val="FFFFFF"/>
-                </a:solidFill>
-                <a:latin typeface="Calibri"/>
-                <a:ea typeface="DejaVu Sans"/>
-              </a:rPr>
-              <a:t>wybranych</a:t>
-            </a:r>
-            <a:r>
-              <a:rPr lang="en-GB" sz="1600" b="0" strike="noStrike" spc="-1" dirty="0">
-                <a:solidFill>
-                  <a:srgbClr val="FFFFFF"/>
-                </a:solidFill>
-                <a:latin typeface="Calibri"/>
-                <a:ea typeface="DejaVu Sans"/>
-              </a:rPr>
-              <a:t> </a:t>
-            </a:r>
-            <a:r>
-              <a:rPr lang="en-GB" sz="1600" b="0" strike="noStrike" spc="-1" dirty="0" err="1">
-                <a:solidFill>
-                  <a:srgbClr val="FFFFFF"/>
-                </a:solidFill>
-                <a:latin typeface="Calibri"/>
-                <a:ea typeface="DejaVu Sans"/>
-              </a:rPr>
               <a:t>państw</a:t>
-            </a:r>
-            <a:r>
-              <a:rPr lang="en-GB" sz="1600" b="0" strike="noStrike" spc="-1" dirty="0">
-                <a:solidFill>
-                  <a:srgbClr val="FFFFFF"/>
-                </a:solidFill>
-                <a:latin typeface="Calibri"/>
-                <a:ea typeface="DejaVu Sans"/>
-              </a:rPr>
-              <a:t> </a:t>
-            </a:r>
-            <a:r>
-              <a:rPr lang="en-GB" sz="1600" b="0" strike="noStrike" spc="-1" dirty="0" err="1">
-                <a:solidFill>
-                  <a:srgbClr val="FFFFFF"/>
-                </a:solidFill>
-                <a:latin typeface="Calibri"/>
-                <a:ea typeface="DejaVu Sans"/>
-              </a:rPr>
-              <a:t>na</a:t>
-            </a:r>
-            <a:r>
-              <a:rPr lang="en-GB" sz="1600" b="0" strike="noStrike" spc="-1" dirty="0">
-                <a:solidFill>
-                  <a:srgbClr val="FFFFFF"/>
-                </a:solidFill>
-                <a:latin typeface="Calibri"/>
-                <a:ea typeface="DejaVu Sans"/>
-              </a:rPr>
-              <a:t> </a:t>
-            </a:r>
-            <a:r>
-              <a:rPr lang="en-GB" sz="1600" b="0" strike="noStrike" spc="-1" dirty="0" err="1">
-                <a:solidFill>
-                  <a:srgbClr val="FFFFFF"/>
-                </a:solidFill>
-                <a:latin typeface="Calibri"/>
-                <a:ea typeface="DejaVu Sans"/>
-              </a:rPr>
-              <a:t>wykresie</a:t>
-            </a:r>
-            <a:r>
-              <a:rPr lang="en-GB" sz="1600" b="0" strike="noStrike" spc="-1" dirty="0">
-                <a:solidFill>
-                  <a:srgbClr val="FFFFFF"/>
-                </a:solidFill>
-                <a:latin typeface="Calibri"/>
-                <a:ea typeface="DejaVu Sans"/>
-              </a:rPr>
-              <a:t> </a:t>
-            </a:r>
-            <a:r>
-              <a:rPr lang="en-GB" sz="1600" b="0" strike="noStrike" spc="-1" dirty="0" err="1">
-                <a:solidFill>
-                  <a:srgbClr val="FFFFFF"/>
-                </a:solidFill>
-                <a:latin typeface="Calibri"/>
-                <a:ea typeface="DejaVu Sans"/>
-              </a:rPr>
-              <a:t>liniowym</a:t>
             </a:r>
             <a:endParaRPr lang="en-GB" sz="1600" b="0" strike="noStrike" spc="-1" dirty="0">
               <a:latin typeface="Arial"/>
@@ -18631,8 +18950,8 @@
         </p:nvSpPr>
         <p:spPr>
           <a:xfrm rot="10800000" flipV="1">
-            <a:off x="7308304" y="4149080"/>
-            <a:ext cx="1588320" cy="1582560"/>
+            <a:off x="7092280" y="3964680"/>
+            <a:ext cx="1152128" cy="616448"/>
           </a:xfrm>
           <a:prstGeom prst="wedgeRoundRectCallout">
             <a:avLst>
@@ -18674,26 +18993,26 @@
               </a:lnSpc>
             </a:pPr>
             <a:r>
-              <a:rPr lang="en-GB" sz="1600" b="1" strike="noStrike" spc="-1">
+              <a:rPr lang="pl-PL" sz="1600" b="0" strike="noStrike" spc="-1" dirty="0" smtClean="0">
                 <a:solidFill>
                   <a:srgbClr val="FFFFFF"/>
                 </a:solidFill>
                 <a:latin typeface="Calibri"/>
                 <a:ea typeface="DejaVu Sans"/>
               </a:rPr>
-              <a:t>Line Charts</a:t>
-            </a:r>
-            <a:r>
-              <a:rPr lang="en-GB" sz="1600" b="0" strike="noStrike" spc="-1">
+              <a:t>Wyb</a:t>
+            </a:r>
+            <a:r>
+              <a:rPr lang="pl-PL" sz="1600" spc="-1" dirty="0" smtClean="0">
                 <a:solidFill>
                   <a:srgbClr val="FFFFFF"/>
                 </a:solidFill>
                 <a:latin typeface="Calibri"/>
                 <a:ea typeface="DejaVu Sans"/>
               </a:rPr>
-              <a:t>, Możliwości usunięcia lub dodania wykresu</a:t>
-            </a:r>
-            <a:endParaRPr lang="en-GB" sz="1600" b="0" strike="noStrike" spc="-1">
+              <a:t>ór wykresów</a:t>
+            </a:r>
+            <a:endParaRPr lang="en-GB" sz="1600" b="0" strike="noStrike" spc="-1" dirty="0">
               <a:latin typeface="Arial"/>
             </a:endParaRPr>
           </a:p>
@@ -18707,8 +19026,8 @@
         </p:nvSpPr>
         <p:spPr>
           <a:xfrm>
-            <a:off x="4356000" y="5301360"/>
-            <a:ext cx="2226960" cy="1431000"/>
+            <a:off x="4356000" y="5517232"/>
+            <a:ext cx="2592264" cy="792088"/>
           </a:xfrm>
           <a:prstGeom prst="wedgeRoundRectCallout">
             <a:avLst>
@@ -18750,26 +19069,166 @@
               </a:lnSpc>
             </a:pPr>
             <a:r>
-              <a:rPr lang="en-GB" sz="1600" b="1" strike="noStrike" spc="-1">
+              <a:rPr lang="pl-PL" sz="1600" b="0" strike="noStrike" spc="-1" dirty="0" smtClean="0">
                 <a:solidFill>
                   <a:srgbClr val="FFFFFF"/>
                 </a:solidFill>
                 <a:latin typeface="Calibri"/>
                 <a:ea typeface="DejaVu Sans"/>
               </a:rPr>
-              <a:t>Specific Dates</a:t>
-            </a:r>
-            <a:r>
-              <a:rPr lang="en-GB" sz="1600" b="0" strike="noStrike" spc="-1">
+              <a:t>N</a:t>
+            </a:r>
+            <a:r>
+              <a:rPr lang="en-GB" sz="1600" b="0" strike="noStrike" spc="-1" dirty="0" err="1" smtClean="0">
                 <a:solidFill>
                   <a:srgbClr val="FFFFFF"/>
                 </a:solidFill>
                 <a:latin typeface="Calibri"/>
                 <a:ea typeface="DejaVu Sans"/>
               </a:rPr>
-              <a:t>, Najeżdżając na datę pokazują się dane z tego dnia, na którym znajduje się kursor</a:t>
-            </a:r>
-            <a:endParaRPr lang="en-GB" sz="1600" b="0" strike="noStrike" spc="-1">
+              <a:t>ajeżdżając</a:t>
+            </a:r>
+            <a:r>
+              <a:rPr lang="en-GB" sz="1600" b="0" strike="noStrike" spc="-1" dirty="0" smtClean="0">
+                <a:solidFill>
+                  <a:srgbClr val="FFFFFF"/>
+                </a:solidFill>
+                <a:latin typeface="Calibri"/>
+                <a:ea typeface="DejaVu Sans"/>
+              </a:rPr>
+              <a:t> </a:t>
+            </a:r>
+            <a:r>
+              <a:rPr lang="en-GB" sz="1600" b="0" strike="noStrike" spc="-1" dirty="0" err="1">
+                <a:solidFill>
+                  <a:srgbClr val="FFFFFF"/>
+                </a:solidFill>
+                <a:latin typeface="Calibri"/>
+                <a:ea typeface="DejaVu Sans"/>
+              </a:rPr>
+              <a:t>na</a:t>
+            </a:r>
+            <a:r>
+              <a:rPr lang="en-GB" sz="1600" b="0" strike="noStrike" spc="-1" dirty="0">
+                <a:solidFill>
+                  <a:srgbClr val="FFFFFF"/>
+                </a:solidFill>
+                <a:latin typeface="Calibri"/>
+                <a:ea typeface="DejaVu Sans"/>
+              </a:rPr>
+              <a:t> </a:t>
+            </a:r>
+            <a:r>
+              <a:rPr lang="pl-PL" sz="1600" b="0" strike="noStrike" spc="-1" dirty="0" smtClean="0">
+                <a:solidFill>
+                  <a:srgbClr val="FFFFFF"/>
+                </a:solidFill>
+                <a:latin typeface="Calibri"/>
+                <a:ea typeface="DejaVu Sans"/>
+              </a:rPr>
+              <a:t>wykres</a:t>
+            </a:r>
+            <a:r>
+              <a:rPr lang="en-GB" sz="1600" b="0" strike="noStrike" spc="-1" dirty="0" smtClean="0">
+                <a:solidFill>
+                  <a:srgbClr val="FFFFFF"/>
+                </a:solidFill>
+                <a:latin typeface="Calibri"/>
+                <a:ea typeface="DejaVu Sans"/>
+              </a:rPr>
+              <a:t> </a:t>
+            </a:r>
+            <a:r>
+              <a:rPr lang="en-GB" sz="1600" b="0" strike="noStrike" spc="-1" dirty="0" err="1">
+                <a:solidFill>
+                  <a:srgbClr val="FFFFFF"/>
+                </a:solidFill>
+                <a:latin typeface="Calibri"/>
+                <a:ea typeface="DejaVu Sans"/>
+              </a:rPr>
+              <a:t>pokazują</a:t>
+            </a:r>
+            <a:r>
+              <a:rPr lang="en-GB" sz="1600" b="0" strike="noStrike" spc="-1" dirty="0">
+                <a:solidFill>
+                  <a:srgbClr val="FFFFFF"/>
+                </a:solidFill>
+                <a:latin typeface="Calibri"/>
+                <a:ea typeface="DejaVu Sans"/>
+              </a:rPr>
+              <a:t> </a:t>
+            </a:r>
+            <a:r>
+              <a:rPr lang="en-GB" sz="1600" b="0" strike="noStrike" spc="-1" dirty="0" err="1">
+                <a:solidFill>
+                  <a:srgbClr val="FFFFFF"/>
+                </a:solidFill>
+                <a:latin typeface="Calibri"/>
+                <a:ea typeface="DejaVu Sans"/>
+              </a:rPr>
+              <a:t>się</a:t>
+            </a:r>
+            <a:r>
+              <a:rPr lang="en-GB" sz="1600" b="0" strike="noStrike" spc="-1" dirty="0">
+                <a:solidFill>
+                  <a:srgbClr val="FFFFFF"/>
+                </a:solidFill>
+                <a:latin typeface="Calibri"/>
+                <a:ea typeface="DejaVu Sans"/>
+              </a:rPr>
+              <a:t> </a:t>
+            </a:r>
+            <a:r>
+              <a:rPr lang="pl-PL" sz="1600" spc="-1" dirty="0" smtClean="0">
+                <a:solidFill>
+                  <a:srgbClr val="FFFFFF"/>
+                </a:solidFill>
+                <a:latin typeface="Calibri"/>
+                <a:ea typeface="DejaVu Sans"/>
+              </a:rPr>
+              <a:t>wartości</a:t>
+            </a:r>
+            <a:r>
+              <a:rPr lang="en-GB" sz="1600" b="0" strike="noStrike" spc="-1" dirty="0" smtClean="0">
+                <a:solidFill>
+                  <a:srgbClr val="FFFFFF"/>
+                </a:solidFill>
+                <a:latin typeface="Calibri"/>
+                <a:ea typeface="DejaVu Sans"/>
+              </a:rPr>
+              <a:t> </a:t>
+            </a:r>
+            <a:r>
+              <a:rPr lang="en-GB" sz="1600" b="0" strike="noStrike" spc="-1" dirty="0">
+                <a:solidFill>
+                  <a:srgbClr val="FFFFFF"/>
+                </a:solidFill>
+                <a:latin typeface="Calibri"/>
+                <a:ea typeface="DejaVu Sans"/>
+              </a:rPr>
+              <a:t>z </a:t>
+            </a:r>
+            <a:r>
+              <a:rPr lang="en-GB" sz="1600" b="0" strike="noStrike" spc="-1" dirty="0" smtClean="0">
+                <a:solidFill>
+                  <a:srgbClr val="FFFFFF"/>
+                </a:solidFill>
+                <a:latin typeface="Calibri"/>
+                <a:ea typeface="DejaVu Sans"/>
+              </a:rPr>
+              <a:t> </a:t>
+            </a:r>
+            <a:r>
+              <a:rPr lang="en-GB" sz="1600" b="0" strike="noStrike" spc="-1" dirty="0" err="1" smtClean="0">
+                <a:solidFill>
+                  <a:srgbClr val="FFFFFF"/>
+                </a:solidFill>
+                <a:latin typeface="Calibri"/>
+                <a:ea typeface="DejaVu Sans"/>
+              </a:rPr>
+              <a:t>dnia</a:t>
+            </a:r>
+            <a:endParaRPr lang="en-GB" sz="1600" b="0" strike="noStrike" spc="-1" dirty="0">
               <a:latin typeface="Arial"/>
             </a:endParaRPr>
           </a:p>
